--- a/docs/クライテリア項目一覧利用ガイド.pptx
+++ b/docs/クライテリア項目一覧利用ガイド.pptx
@@ -237,7 +237,7 @@
           <a:p>
             <a:fld id="{C352FF95-F8B0-4A6B-8419-7DC2B31406EB}" type="datetimeFigureOut">
               <a:rPr kumimoji="1" lang="ja-JP" altLang="en-US" smtClean="0"/>
-              <a:t>2018/9/20</a:t>
+              <a:t>2019/8/27</a:t>
             </a:fld>
             <a:endParaRPr kumimoji="1" lang="ja-JP" altLang="en-US" dirty="0"/>
           </a:p>
@@ -403,7 +403,7 @@
             <a:fld id="{6952135A-CF7D-4615-9482-B4F97B9D8950}" type="datetimeFigureOut">
               <a:rPr kumimoji="1" lang="ja-JP" altLang="en-US" smtClean="0"/>
               <a:pPr/>
-              <a:t>2018/9/20</a:t>
+              <a:t>2019/8/27</a:t>
             </a:fld>
             <a:endParaRPr kumimoji="1" lang="ja-JP" altLang="en-US" dirty="0"/>
           </a:p>
@@ -5276,67 +5276,6 @@
           </a:p>
         </p:txBody>
       </p:sp>
-      <p:sp>
-        <p:nvSpPr>
-          <p:cNvPr id="4" name="テキスト ボックス 3"/>
-          <p:cNvSpPr txBox="1"/>
-          <p:nvPr/>
-        </p:nvSpPr>
-        <p:spPr>
-          <a:xfrm>
-            <a:off x="491064" y="5353471"/>
-            <a:ext cx="2064712" cy="307777"/>
-          </a:xfrm>
-          <a:prstGeom prst="rect">
-            <a:avLst/>
-          </a:prstGeom>
-          <a:noFill/>
-        </p:spPr>
-        <p:txBody>
-          <a:bodyPr wrap="square" rtlCol="0">
-            <a:spAutoFit/>
-          </a:bodyPr>
-          <a:lstStyle/>
-          <a:p>
-            <a:r>
-              <a:rPr kumimoji="1" lang="en-US" altLang="ja-JP" sz="1400" b="1" dirty="0" smtClean="0">
-                <a:solidFill>
-                  <a:schemeClr val="tx1">
-                    <a:lumMod val="75000"/>
-                    <a:lumOff val="25000"/>
-                  </a:schemeClr>
-                </a:solidFill>
-                <a:latin typeface="メイリオ" panose="020B0604030504040204" pitchFamily="50" charset="-128"/>
-                <a:ea typeface="メイリオ" panose="020B0604030504040204" pitchFamily="50" charset="-128"/>
-              </a:rPr>
-              <a:t>TIS</a:t>
-            </a:r>
-            <a:r>
-              <a:rPr kumimoji="1" lang="ja-JP" altLang="en-US" sz="1400" b="1" dirty="0" smtClean="0">
-                <a:solidFill>
-                  <a:schemeClr val="tx1">
-                    <a:lumMod val="75000"/>
-                    <a:lumOff val="25000"/>
-                  </a:schemeClr>
-                </a:solidFill>
-                <a:latin typeface="メイリオ" panose="020B0604030504040204" pitchFamily="50" charset="-128"/>
-                <a:ea typeface="メイリオ" panose="020B0604030504040204" pitchFamily="50" charset="-128"/>
-              </a:rPr>
-              <a:t>株式会社</a:t>
-            </a:r>
-            <a:endParaRPr kumimoji="1" lang="ja-JP" altLang="en-US" sz="1400" b="1" dirty="0">
-              <a:solidFill>
-                <a:schemeClr val="tx1">
-                  <a:lumMod val="75000"/>
-                  <a:lumOff val="25000"/>
-                </a:schemeClr>
-              </a:solidFill>
-              <a:latin typeface="メイリオ" panose="020B0604030504040204" pitchFamily="50" charset="-128"/>
-              <a:ea typeface="メイリオ" panose="020B0604030504040204" pitchFamily="50" charset="-128"/>
-            </a:endParaRPr>
-          </a:p>
-        </p:txBody>
-      </p:sp>
       <p:pic>
         <p:nvPicPr>
           <p:cNvPr id="5" name="図 4">
@@ -5361,7 +5300,7 @@
         </p:blipFill>
         <p:spPr>
           <a:xfrm>
-            <a:off x="491064" y="6237312"/>
+            <a:off x="498456" y="5941419"/>
             <a:ext cx="825953" cy="295893"/>
           </a:xfrm>
           <a:prstGeom prst="rect">
@@ -5377,7 +5316,7 @@
         </p:nvSpPr>
         <p:spPr>
           <a:xfrm>
-            <a:off x="491064" y="6512356"/>
+            <a:off x="473745" y="6250746"/>
             <a:ext cx="7632848" cy="261610"/>
           </a:xfrm>
           <a:prstGeom prst="rect">
@@ -5469,6 +5408,98 @@
                 <a:ea typeface="メイリオ" panose="020B0604030504040204" pitchFamily="50" charset="-128"/>
               </a:rPr>
               <a:t>の下に提供されています。</a:t>
+            </a:r>
+            <a:endParaRPr lang="ja-JP" altLang="en-US" sz="1100" dirty="0">
+              <a:latin typeface="メイリオ" panose="020B0604030504040204" pitchFamily="50" charset="-128"/>
+              <a:ea typeface="メイリオ" panose="020B0604030504040204" pitchFamily="50" charset="-128"/>
+            </a:endParaRPr>
+          </a:p>
+        </p:txBody>
+      </p:sp>
+      <p:sp>
+        <p:nvSpPr>
+          <p:cNvPr id="7" name="テキスト ボックス 6"/>
+          <p:cNvSpPr txBox="1"/>
+          <p:nvPr/>
+        </p:nvSpPr>
+        <p:spPr>
+          <a:xfrm>
+            <a:off x="467544" y="6491826"/>
+            <a:ext cx="7632848" cy="261610"/>
+          </a:xfrm>
+          <a:prstGeom prst="rect">
+            <a:avLst/>
+          </a:prstGeom>
+          <a:noFill/>
+        </p:spPr>
+        <p:txBody>
+          <a:bodyPr wrap="square" rtlCol="0">
+            <a:spAutoFit/>
+          </a:bodyPr>
+          <a:lstStyle/>
+          <a:p>
+            <a:r>
+              <a:rPr lang="ja-JP" altLang="en-US" sz="1100" dirty="0">
+                <a:latin typeface="メイリオ" panose="020B0604030504040204" pitchFamily="50" charset="-128"/>
+                <a:ea typeface="メイリオ" panose="020B0604030504040204" pitchFamily="50" charset="-128"/>
+              </a:rPr>
+              <a:t>クライテリア項目一覧</a:t>
+            </a:r>
+            <a:r>
+              <a:rPr lang="en-US" altLang="ja-JP" sz="1100" dirty="0">
+                <a:latin typeface="メイリオ" panose="020B0604030504040204" pitchFamily="50" charset="-128"/>
+                <a:ea typeface="メイリオ" panose="020B0604030504040204" pitchFamily="50" charset="-128"/>
+              </a:rPr>
+              <a:t>/</a:t>
+            </a:r>
+            <a:r>
+              <a:rPr lang="ja-JP" altLang="en-US" sz="1100" dirty="0">
+                <a:latin typeface="メイリオ" panose="020B0604030504040204" pitchFamily="50" charset="-128"/>
+                <a:ea typeface="メイリオ" panose="020B0604030504040204" pitchFamily="50" charset="-128"/>
+              </a:rPr>
+              <a:t>利用ガイド</a:t>
+            </a:r>
+            <a:r>
+              <a:rPr lang="en-US" altLang="ja-JP" sz="1100" dirty="0">
+                <a:latin typeface="メイリオ" panose="020B0604030504040204" pitchFamily="50" charset="-128"/>
+                <a:ea typeface="メイリオ" panose="020B0604030504040204" pitchFamily="50" charset="-128"/>
+              </a:rPr>
+              <a:t>©2018 TIS INC. </a:t>
+            </a:r>
+            <a:r>
+              <a:rPr lang="ja-JP" altLang="en-US" sz="1100" dirty="0">
+                <a:latin typeface="メイリオ" panose="020B0604030504040204" pitchFamily="50" charset="-128"/>
+                <a:ea typeface="メイリオ" panose="020B0604030504040204" pitchFamily="50" charset="-128"/>
+              </a:rPr>
+              <a:t>クリエイティブ・コモンズ・ライセンス（表示</a:t>
+            </a:r>
+            <a:r>
+              <a:rPr lang="en-US" altLang="ja-JP" sz="1100" dirty="0">
+                <a:latin typeface="メイリオ" panose="020B0604030504040204" pitchFamily="50" charset="-128"/>
+                <a:ea typeface="メイリオ" panose="020B0604030504040204" pitchFamily="50" charset="-128"/>
+              </a:rPr>
+              <a:t>-</a:t>
+            </a:r>
+            <a:r>
+              <a:rPr lang="ja-JP" altLang="en-US" sz="1100" dirty="0">
+                <a:latin typeface="メイリオ" panose="020B0604030504040204" pitchFamily="50" charset="-128"/>
+                <a:ea typeface="メイリオ" panose="020B0604030504040204" pitchFamily="50" charset="-128"/>
+              </a:rPr>
+              <a:t>継承 </a:t>
+            </a:r>
+            <a:r>
+              <a:rPr lang="en-US" altLang="ja-JP" sz="1100" dirty="0">
+                <a:latin typeface="メイリオ" panose="020B0604030504040204" pitchFamily="50" charset="-128"/>
+                <a:ea typeface="メイリオ" panose="020B0604030504040204" pitchFamily="50" charset="-128"/>
+              </a:rPr>
+              <a:t>4.0 </a:t>
+            </a:r>
+            <a:r>
+              <a:rPr lang="ja-JP" altLang="en-US" sz="1100" dirty="0">
+                <a:latin typeface="メイリオ" panose="020B0604030504040204" pitchFamily="50" charset="-128"/>
+                <a:ea typeface="メイリオ" panose="020B0604030504040204" pitchFamily="50" charset="-128"/>
+              </a:rPr>
+              <a:t>国際）</a:t>
             </a:r>
             <a:endParaRPr lang="ja-JP" altLang="en-US" sz="1100" dirty="0">
               <a:latin typeface="メイリオ" panose="020B0604030504040204" pitchFamily="50" charset="-128"/>
@@ -11548,14 +11579,7 @@
                 <a:latin typeface="メイリオ" panose="020B0604030504040204" pitchFamily="50" charset="-128"/>
                 <a:ea typeface="メイリオ" panose="020B0604030504040204" pitchFamily="50" charset="-128"/>
               </a:rPr>
-              <a:t>顧客側で別途管理する場合もあります</a:t>
-            </a:r>
-            <a:r>
-              <a:rPr lang="ja-JP" altLang="en-US" dirty="0" smtClean="0">
-                <a:latin typeface="メイリオ" panose="020B0604030504040204" pitchFamily="50" charset="-128"/>
-                <a:ea typeface="メイリオ" panose="020B0604030504040204" pitchFamily="50" charset="-128"/>
-              </a:rPr>
-              <a:t>。</a:t>
+              <a:t>顧客側で別途管理する場合もあります。</a:t>
             </a:r>
             <a:endParaRPr lang="en-US" altLang="ja-JP" dirty="0" smtClean="0">
               <a:latin typeface="メイリオ" panose="020B0604030504040204" pitchFamily="50" charset="-128"/>
@@ -11626,19 +11650,7 @@
               <a:rPr kumimoji="1" lang="ja-JP" altLang="en-US" dirty="0" smtClean="0">
                 <a:latin typeface="メイリオ" panose="020B0604030504040204" pitchFamily="50" charset="-128"/>
               </a:rPr>
-              <a:t>スクラム</a:t>
-            </a:r>
-            <a:r>
-              <a:rPr kumimoji="1" lang="ja-JP" altLang="en-US" dirty="0" smtClean="0">
-                <a:latin typeface="メイリオ" panose="020B0604030504040204" pitchFamily="50" charset="-128"/>
-              </a:rPr>
-              <a:t>開発</a:t>
-            </a:r>
-            <a:r>
-              <a:rPr kumimoji="1" lang="ja-JP" altLang="en-US" dirty="0" smtClean="0">
-                <a:latin typeface="メイリオ" panose="020B0604030504040204" pitchFamily="50" charset="-128"/>
-              </a:rPr>
-              <a:t>におけるクライテリア</a:t>
+              <a:t>スクラム開発におけるクライテリア</a:t>
             </a:r>
             <a:endParaRPr kumimoji="1" lang="ja-JP" altLang="en-US" dirty="0">
               <a:latin typeface="メイリオ" panose="020B0604030504040204" pitchFamily="50" charset="-128"/>

--- a/docs/クライテリア項目一覧利用ガイド.pptx
+++ b/docs/クライテリア項目一覧利用ガイド.pptx
@@ -128,7 +128,7 @@
   </p:defaultTextStyle>
   <p:extLst>
     <p:ext uri="{EFAFB233-063F-42B5-8137-9DF3F51BA10A}">
-      <p15:sldGuideLst xmlns:p15="http://schemas.microsoft.com/office/powerpoint/2012/main" xmlns="">
+      <p15:sldGuideLst xmlns:p15="http://schemas.microsoft.com/office/powerpoint/2012/main">
         <p15:guide id="1" orient="horz" pos="4292">
           <p15:clr>
             <a:srgbClr val="A4A3A4"/>
@@ -149,7 +149,26 @@
             <a:srgbClr val="A4A3A4"/>
           </p15:clr>
         </p15:guide>
+        <p15:guide id="5" orient="horz" pos="2115">
+          <p15:clr>
+            <a:srgbClr val="A4A3A4"/>
+          </p15:clr>
+        </p15:guide>
       </p15:sldGuideLst>
+    </p:ext>
+    <p:ext uri="{2D200454-40CA-4A62-9FC3-DE9A4176ACB9}">
+      <p15:notesGuideLst xmlns:p15="http://schemas.microsoft.com/office/powerpoint/2012/main">
+        <p15:guide id="1" orient="horz" pos="2880">
+          <p15:clr>
+            <a:srgbClr val="A4A3A4"/>
+          </p15:clr>
+        </p15:guide>
+        <p15:guide id="2" pos="2160">
+          <p15:clr>
+            <a:srgbClr val="A4A3A4"/>
+          </p15:clr>
+        </p15:guide>
+      </p15:notesGuideLst>
     </p:ext>
   </p:extLst>
 </p:presentation>
@@ -237,7 +256,7 @@
           <a:p>
             <a:fld id="{C352FF95-F8B0-4A6B-8419-7DC2B31406EB}" type="datetimeFigureOut">
               <a:rPr kumimoji="1" lang="ja-JP" altLang="en-US" smtClean="0"/>
-              <a:t>2019/8/27</a:t>
+              <a:t>2020/9/10</a:t>
             </a:fld>
             <a:endParaRPr kumimoji="1" lang="ja-JP" altLang="en-US" dirty="0"/>
           </a:p>
@@ -403,7 +422,7 @@
             <a:fld id="{6952135A-CF7D-4615-9482-B4F97B9D8950}" type="datetimeFigureOut">
               <a:rPr kumimoji="1" lang="ja-JP" altLang="en-US" smtClean="0"/>
               <a:pPr/>
-              <a:t>2019/8/27</a:t>
+              <a:t>2020/9/10</a:t>
             </a:fld>
             <a:endParaRPr kumimoji="1" lang="ja-JP" altLang="en-US" dirty="0"/>
           </a:p>
@@ -467,70 +486,69 @@
           <a:p>
             <a:pPr lvl="0"/>
             <a:r>
-              <a:rPr kumimoji="1" lang="ja-JP" altLang="en-US" smtClean="0"/>
+              <a:rPr kumimoji="1" lang="ja-JP" altLang="en-US"/>
               <a:t>マスター テキストの書式設定</a:t>
             </a:r>
           </a:p>
           <a:p>
             <a:pPr lvl="1"/>
             <a:r>
-              <a:rPr kumimoji="1" lang="ja-JP" altLang="en-US" smtClean="0"/>
+              <a:rPr kumimoji="1" lang="ja-JP" altLang="en-US"/>
               <a:t>第 </a:t>
             </a:r>
             <a:r>
-              <a:rPr kumimoji="1" lang="en-US" altLang="ja-JP" smtClean="0"/>
+              <a:rPr kumimoji="1" lang="en-US" altLang="ja-JP"/>
               <a:t>2 </a:t>
             </a:r>
             <a:r>
-              <a:rPr kumimoji="1" lang="ja-JP" altLang="en-US" smtClean="0"/>
+              <a:rPr kumimoji="1" lang="ja-JP" altLang="en-US"/>
               <a:t>レベル</a:t>
             </a:r>
           </a:p>
           <a:p>
             <a:pPr lvl="2"/>
             <a:r>
-              <a:rPr kumimoji="1" lang="ja-JP" altLang="en-US" smtClean="0"/>
+              <a:rPr kumimoji="1" lang="ja-JP" altLang="en-US"/>
               <a:t>第 </a:t>
             </a:r>
             <a:r>
-              <a:rPr kumimoji="1" lang="en-US" altLang="ja-JP" smtClean="0"/>
+              <a:rPr kumimoji="1" lang="en-US" altLang="ja-JP"/>
               <a:t>3 </a:t>
             </a:r>
             <a:r>
-              <a:rPr kumimoji="1" lang="ja-JP" altLang="en-US" smtClean="0"/>
+              <a:rPr kumimoji="1" lang="ja-JP" altLang="en-US"/>
               <a:t>レベル</a:t>
             </a:r>
           </a:p>
           <a:p>
             <a:pPr lvl="3"/>
             <a:r>
-              <a:rPr kumimoji="1" lang="ja-JP" altLang="en-US" smtClean="0"/>
+              <a:rPr kumimoji="1" lang="ja-JP" altLang="en-US"/>
               <a:t>第 </a:t>
             </a:r>
             <a:r>
-              <a:rPr kumimoji="1" lang="en-US" altLang="ja-JP" smtClean="0"/>
+              <a:rPr kumimoji="1" lang="en-US" altLang="ja-JP"/>
               <a:t>4 </a:t>
             </a:r>
             <a:r>
-              <a:rPr kumimoji="1" lang="ja-JP" altLang="en-US" smtClean="0"/>
+              <a:rPr kumimoji="1" lang="ja-JP" altLang="en-US"/>
               <a:t>レベル</a:t>
             </a:r>
           </a:p>
           <a:p>
             <a:pPr lvl="4"/>
             <a:r>
-              <a:rPr kumimoji="1" lang="ja-JP" altLang="en-US" smtClean="0"/>
+              <a:rPr kumimoji="1" lang="ja-JP" altLang="en-US"/>
               <a:t>第 </a:t>
             </a:r>
             <a:r>
-              <a:rPr kumimoji="1" lang="en-US" altLang="ja-JP" smtClean="0"/>
+              <a:rPr kumimoji="1" lang="en-US" altLang="ja-JP"/>
               <a:t>5 </a:t>
             </a:r>
             <a:r>
-              <a:rPr kumimoji="1" lang="ja-JP" altLang="en-US" smtClean="0"/>
+              <a:rPr kumimoji="1" lang="ja-JP" altLang="en-US"/>
               <a:t>レベル</a:t>
             </a:r>
-            <a:endParaRPr kumimoji="1" lang="ja-JP" altLang="en-US"/>
           </a:p>
         </p:txBody>
       </p:sp>
@@ -840,10 +858,9 @@
           <a:p>
             <a:pPr lvl="0"/>
             <a:r>
-              <a:rPr kumimoji="1" lang="ja-JP" altLang="en-US" dirty="0" smtClean="0"/>
+              <a:rPr kumimoji="1" lang="ja-JP" altLang="en-US" dirty="0"/>
               <a:t>○○○○○○○○○株式会社御中</a:t>
             </a:r>
-            <a:endParaRPr kumimoji="1" lang="ja-JP" altLang="en-US" dirty="0"/>
           </a:p>
         </p:txBody>
       </p:sp>
@@ -881,7 +898,7 @@
           <a:p>
             <a:pPr lvl="0"/>
             <a:r>
-              <a:rPr kumimoji="1" lang="en-US" altLang="ja-JP" dirty="0" smtClean="0"/>
+              <a:rPr kumimoji="1" lang="en-US" altLang="ja-JP" dirty="0"/>
               <a:t>0000.00.00</a:t>
             </a:r>
             <a:endParaRPr kumimoji="1" lang="ja-JP" altLang="en-US" dirty="0"/>
@@ -922,10 +939,9 @@
           <a:p>
             <a:pPr lvl="0"/>
             <a:r>
-              <a:rPr kumimoji="1" lang="ja-JP" altLang="en-US" dirty="0" smtClean="0"/>
+              <a:rPr kumimoji="1" lang="ja-JP" altLang="en-US" dirty="0"/>
               <a:t>□□□□□□□本部</a:t>
             </a:r>
-            <a:endParaRPr kumimoji="1" lang="ja-JP" altLang="en-US" dirty="0"/>
           </a:p>
         </p:txBody>
       </p:sp>
@@ -963,10 +979,9 @@
           <a:p>
             <a:pPr lvl="0"/>
             <a:r>
-              <a:rPr kumimoji="1" lang="ja-JP" altLang="en-US" dirty="0" smtClean="0"/>
+              <a:rPr kumimoji="1" lang="ja-JP" altLang="en-US" dirty="0"/>
               <a:t>△△△△△△△△部</a:t>
             </a:r>
-            <a:endParaRPr kumimoji="1" lang="ja-JP" altLang="en-US" dirty="0"/>
           </a:p>
         </p:txBody>
       </p:sp>
@@ -1003,18 +1018,17 @@
           </a:lstStyle>
           <a:p>
             <a:r>
-              <a:rPr kumimoji="1" lang="ja-JP" altLang="en-US" dirty="0" smtClean="0"/>
+              <a:rPr kumimoji="1" lang="ja-JP" altLang="en-US" dirty="0"/>
               <a:t>表紙</a:t>
             </a:r>
             <a:r>
-              <a:rPr kumimoji="1" lang="en-US" altLang="ja-JP" dirty="0" smtClean="0"/>
+              <a:rPr kumimoji="1" lang="en-US" altLang="ja-JP" dirty="0"/>
               <a:t>A</a:t>
             </a:r>
             <a:r>
-              <a:rPr kumimoji="1" lang="ja-JP" altLang="en-US" dirty="0" smtClean="0"/>
+              <a:rPr kumimoji="1" lang="ja-JP" altLang="en-US" dirty="0"/>
               <a:t>のタイトル</a:t>
             </a:r>
-            <a:endParaRPr kumimoji="1" lang="ja-JP" altLang="en-US" dirty="0"/>
           </a:p>
         </p:txBody>
       </p:sp>
@@ -1028,13 +1042,6 @@
   <p:clrMapOvr>
     <a:masterClrMapping/>
   </p:clrMapOvr>
-  <p:timing>
-    <p:tnLst>
-      <p:par>
-        <p:cTn id="1" dur="indefinite" restart="never" nodeType="tmRoot"/>
-      </p:par>
-    </p:tnLst>
-  </p:timing>
 </p:sldLayout>
 </file>
 
@@ -1147,7 +1154,7 @@
           <a:p>
             <a:pPr algn="ctr"/>
             <a:r>
-              <a:rPr kumimoji="1" lang="en-US" altLang="ja-JP" sz="3800" spc="300" dirty="0" smtClean="0">
+              <a:rPr kumimoji="1" lang="en-US" altLang="ja-JP" sz="3800" spc="300" dirty="0">
                 <a:solidFill>
                   <a:srgbClr val="12B3C7"/>
                 </a:solidFill>
@@ -1256,7 +1263,7 @@
           <a:p>
             <a:pPr algn="ctr"/>
             <a:r>
-              <a:rPr kumimoji="1" lang="ja-JP" altLang="en-US" sz="2800" dirty="0" smtClean="0">
+              <a:rPr kumimoji="1" lang="ja-JP" altLang="en-US" sz="2800" dirty="0">
                 <a:solidFill>
                   <a:srgbClr val="12B3C7"/>
                 </a:solidFill>
@@ -1266,14 +1273,6 @@
               </a:rPr>
               <a:t>ご清聴ありがとうございました</a:t>
             </a:r>
-            <a:endParaRPr kumimoji="1" lang="ja-JP" altLang="en-US" sz="2800" dirty="0">
-              <a:solidFill>
-                <a:srgbClr val="12B3C7"/>
-              </a:solidFill>
-              <a:latin typeface="ＭＳ Ｐゴシック"/>
-              <a:ea typeface="ＭＳ Ｐゴシック"/>
-              <a:cs typeface="ＭＳ Ｐゴシック"/>
-            </a:endParaRPr>
           </a:p>
         </p:txBody>
       </p:sp>
@@ -1431,10 +1430,9 @@
           <a:p>
             <a:pPr lvl="0"/>
             <a:r>
-              <a:rPr kumimoji="1" lang="ja-JP" altLang="en-US" dirty="0" smtClean="0"/>
+              <a:rPr kumimoji="1" lang="ja-JP" altLang="en-US" dirty="0"/>
               <a:t>○○○○○○○○○株式会社御中</a:t>
             </a:r>
-            <a:endParaRPr kumimoji="1" lang="ja-JP" altLang="en-US" dirty="0"/>
           </a:p>
         </p:txBody>
       </p:sp>
@@ -1472,7 +1470,7 @@
           <a:p>
             <a:pPr lvl="0"/>
             <a:r>
-              <a:rPr kumimoji="1" lang="en-US" altLang="ja-JP" dirty="0" smtClean="0"/>
+              <a:rPr kumimoji="1" lang="en-US" altLang="ja-JP" dirty="0"/>
               <a:t>0000.00.00</a:t>
             </a:r>
             <a:endParaRPr kumimoji="1" lang="ja-JP" altLang="en-US" dirty="0"/>
@@ -1513,10 +1511,9 @@
           <a:p>
             <a:pPr lvl="0"/>
             <a:r>
-              <a:rPr kumimoji="1" lang="ja-JP" altLang="en-US" dirty="0" smtClean="0"/>
+              <a:rPr kumimoji="1" lang="ja-JP" altLang="en-US" dirty="0"/>
               <a:t>□□□□□□□本部</a:t>
             </a:r>
-            <a:endParaRPr kumimoji="1" lang="ja-JP" altLang="en-US" dirty="0"/>
           </a:p>
         </p:txBody>
       </p:sp>
@@ -1554,10 +1551,9 @@
           <a:p>
             <a:pPr lvl="0"/>
             <a:r>
-              <a:rPr kumimoji="1" lang="ja-JP" altLang="en-US" dirty="0" smtClean="0"/>
+              <a:rPr kumimoji="1" lang="ja-JP" altLang="en-US" dirty="0"/>
               <a:t>△△△△△△△△部</a:t>
             </a:r>
-            <a:endParaRPr kumimoji="1" lang="ja-JP" altLang="en-US" dirty="0"/>
           </a:p>
         </p:txBody>
       </p:sp>
@@ -1594,18 +1590,17 @@
           </a:lstStyle>
           <a:p>
             <a:r>
-              <a:rPr kumimoji="1" lang="ja-JP" altLang="en-US" dirty="0" smtClean="0"/>
+              <a:rPr kumimoji="1" lang="ja-JP" altLang="en-US" dirty="0"/>
               <a:t>表紙</a:t>
             </a:r>
             <a:r>
-              <a:rPr kumimoji="1" lang="en-US" altLang="ja-JP" dirty="0" smtClean="0"/>
+              <a:rPr kumimoji="1" lang="en-US" altLang="ja-JP" dirty="0"/>
               <a:t>B</a:t>
             </a:r>
             <a:r>
-              <a:rPr kumimoji="1" lang="ja-JP" altLang="en-US" dirty="0" smtClean="0"/>
+              <a:rPr kumimoji="1" lang="ja-JP" altLang="en-US" dirty="0"/>
               <a:t>のタイトル</a:t>
             </a:r>
-            <a:endParaRPr kumimoji="1" lang="ja-JP" altLang="en-US" dirty="0"/>
           </a:p>
         </p:txBody>
       </p:sp>
@@ -1619,13 +1614,6 @@
   <p:clrMapOvr>
     <a:masterClrMapping/>
   </p:clrMapOvr>
-  <p:timing>
-    <p:tnLst>
-      <p:par>
-        <p:cTn id="1" dur="indefinite" restart="never" nodeType="tmRoot"/>
-      </p:par>
-    </p:tnLst>
-  </p:timing>
 </p:sldLayout>
 </file>
 
@@ -1667,10 +1655,9 @@
           <a:lstStyle/>
           <a:p>
             <a:r>
-              <a:rPr kumimoji="1" lang="ja-JP" altLang="en-US" dirty="0" smtClean="0"/>
+              <a:rPr kumimoji="1" lang="ja-JP" altLang="en-US" dirty="0"/>
               <a:t>中表紙タイトル</a:t>
             </a:r>
-            <a:endParaRPr kumimoji="1" lang="ja-JP" altLang="en-US" dirty="0"/>
           </a:p>
         </p:txBody>
       </p:sp>
@@ -1778,10 +1765,9 @@
           <a:lstStyle/>
           <a:p>
             <a:r>
-              <a:rPr kumimoji="1" lang="ja-JP" altLang="en-US" dirty="0" smtClean="0"/>
+              <a:rPr kumimoji="1" lang="ja-JP" altLang="en-US" dirty="0"/>
               <a:t>マスター タイトルの書式設定</a:t>
             </a:r>
-            <a:endParaRPr kumimoji="1" lang="ja-JP" altLang="en-US" dirty="0"/>
           </a:p>
         </p:txBody>
       </p:sp>
@@ -1807,70 +1793,69 @@
           <a:p>
             <a:pPr lvl="0"/>
             <a:r>
-              <a:rPr kumimoji="1" lang="ja-JP" altLang="en-US" smtClean="0"/>
+              <a:rPr kumimoji="1" lang="ja-JP" altLang="en-US"/>
               <a:t>マスター テキストの書式設定</a:t>
             </a:r>
           </a:p>
           <a:p>
             <a:pPr lvl="1"/>
             <a:r>
-              <a:rPr kumimoji="1" lang="ja-JP" altLang="en-US" smtClean="0"/>
+              <a:rPr kumimoji="1" lang="ja-JP" altLang="en-US"/>
               <a:t>第 </a:t>
             </a:r>
             <a:r>
-              <a:rPr kumimoji="1" lang="en-US" altLang="ja-JP" smtClean="0"/>
+              <a:rPr kumimoji="1" lang="en-US" altLang="ja-JP"/>
               <a:t>2 </a:t>
             </a:r>
             <a:r>
-              <a:rPr kumimoji="1" lang="ja-JP" altLang="en-US" smtClean="0"/>
+              <a:rPr kumimoji="1" lang="ja-JP" altLang="en-US"/>
               <a:t>レベル</a:t>
             </a:r>
           </a:p>
           <a:p>
             <a:pPr lvl="2"/>
             <a:r>
-              <a:rPr kumimoji="1" lang="ja-JP" altLang="en-US" smtClean="0"/>
+              <a:rPr kumimoji="1" lang="ja-JP" altLang="en-US"/>
               <a:t>第 </a:t>
             </a:r>
             <a:r>
-              <a:rPr kumimoji="1" lang="en-US" altLang="ja-JP" smtClean="0"/>
+              <a:rPr kumimoji="1" lang="en-US" altLang="ja-JP"/>
               <a:t>3 </a:t>
             </a:r>
             <a:r>
-              <a:rPr kumimoji="1" lang="ja-JP" altLang="en-US" smtClean="0"/>
+              <a:rPr kumimoji="1" lang="ja-JP" altLang="en-US"/>
               <a:t>レベル</a:t>
             </a:r>
           </a:p>
           <a:p>
             <a:pPr lvl="3"/>
             <a:r>
-              <a:rPr kumimoji="1" lang="ja-JP" altLang="en-US" smtClean="0"/>
+              <a:rPr kumimoji="1" lang="ja-JP" altLang="en-US"/>
               <a:t>第 </a:t>
             </a:r>
             <a:r>
-              <a:rPr kumimoji="1" lang="en-US" altLang="ja-JP" smtClean="0"/>
+              <a:rPr kumimoji="1" lang="en-US" altLang="ja-JP"/>
               <a:t>4 </a:t>
             </a:r>
             <a:r>
-              <a:rPr kumimoji="1" lang="ja-JP" altLang="en-US" smtClean="0"/>
+              <a:rPr kumimoji="1" lang="ja-JP" altLang="en-US"/>
               <a:t>レベル</a:t>
             </a:r>
           </a:p>
           <a:p>
             <a:pPr lvl="4"/>
             <a:r>
-              <a:rPr kumimoji="1" lang="ja-JP" altLang="en-US" smtClean="0"/>
+              <a:rPr kumimoji="1" lang="ja-JP" altLang="en-US"/>
               <a:t>第 </a:t>
             </a:r>
             <a:r>
-              <a:rPr kumimoji="1" lang="en-US" altLang="ja-JP" smtClean="0"/>
+              <a:rPr kumimoji="1" lang="en-US" altLang="ja-JP"/>
               <a:t>5 </a:t>
             </a:r>
             <a:r>
-              <a:rPr kumimoji="1" lang="ja-JP" altLang="en-US" smtClean="0"/>
+              <a:rPr kumimoji="1" lang="ja-JP" altLang="en-US"/>
               <a:t>レベル</a:t>
             </a:r>
-            <a:endParaRPr kumimoji="1" lang="ja-JP" altLang="en-US"/>
           </a:p>
         </p:txBody>
       </p:sp>
@@ -1979,10 +1964,9 @@
           <a:lstStyle/>
           <a:p>
             <a:r>
-              <a:rPr kumimoji="1" lang="ja-JP" altLang="en-US" smtClean="0"/>
+              <a:rPr kumimoji="1" lang="ja-JP" altLang="en-US"/>
               <a:t>マスター タイトルの書式設定</a:t>
             </a:r>
-            <a:endParaRPr kumimoji="1" lang="ja-JP" altLang="en-US"/>
           </a:p>
         </p:txBody>
       </p:sp>
@@ -2091,10 +2075,9 @@
           <a:lstStyle/>
           <a:p>
             <a:r>
-              <a:rPr kumimoji="1" lang="ja-JP" altLang="en-US" smtClean="0"/>
+              <a:rPr kumimoji="1" lang="ja-JP" altLang="en-US"/>
               <a:t>マスター タイトルの書式設定</a:t>
             </a:r>
-            <a:endParaRPr kumimoji="1" lang="ja-JP" altLang="en-US"/>
           </a:p>
         </p:txBody>
       </p:sp>
@@ -2150,70 +2133,69 @@
           <a:p>
             <a:pPr lvl="0"/>
             <a:r>
-              <a:rPr kumimoji="1" lang="ja-JP" altLang="en-US" dirty="0" smtClean="0"/>
+              <a:rPr kumimoji="1" lang="ja-JP" altLang="en-US" dirty="0"/>
               <a:t>マスター テキストの書式設定</a:t>
             </a:r>
           </a:p>
           <a:p>
             <a:pPr lvl="1"/>
             <a:r>
-              <a:rPr kumimoji="1" lang="ja-JP" altLang="en-US" dirty="0" smtClean="0"/>
+              <a:rPr kumimoji="1" lang="ja-JP" altLang="en-US" dirty="0"/>
               <a:t>第 </a:t>
             </a:r>
             <a:r>
-              <a:rPr kumimoji="1" lang="en-US" altLang="ja-JP" dirty="0" smtClean="0"/>
+              <a:rPr kumimoji="1" lang="en-US" altLang="ja-JP" dirty="0"/>
               <a:t>2 </a:t>
             </a:r>
             <a:r>
-              <a:rPr kumimoji="1" lang="ja-JP" altLang="en-US" dirty="0" smtClean="0"/>
+              <a:rPr kumimoji="1" lang="ja-JP" altLang="en-US" dirty="0"/>
               <a:t>レベル</a:t>
             </a:r>
           </a:p>
           <a:p>
             <a:pPr lvl="2"/>
             <a:r>
-              <a:rPr kumimoji="1" lang="ja-JP" altLang="en-US" dirty="0" smtClean="0"/>
+              <a:rPr kumimoji="1" lang="ja-JP" altLang="en-US" dirty="0"/>
               <a:t>第 </a:t>
             </a:r>
             <a:r>
-              <a:rPr kumimoji="1" lang="en-US" altLang="ja-JP" dirty="0" smtClean="0"/>
+              <a:rPr kumimoji="1" lang="en-US" altLang="ja-JP" dirty="0"/>
               <a:t>3 </a:t>
             </a:r>
             <a:r>
-              <a:rPr kumimoji="1" lang="ja-JP" altLang="en-US" dirty="0" smtClean="0"/>
+              <a:rPr kumimoji="1" lang="ja-JP" altLang="en-US" dirty="0"/>
               <a:t>レベル</a:t>
             </a:r>
           </a:p>
           <a:p>
             <a:pPr lvl="3"/>
             <a:r>
-              <a:rPr kumimoji="1" lang="ja-JP" altLang="en-US" dirty="0" smtClean="0"/>
+              <a:rPr kumimoji="1" lang="ja-JP" altLang="en-US" dirty="0"/>
               <a:t>第 </a:t>
             </a:r>
             <a:r>
-              <a:rPr kumimoji="1" lang="en-US" altLang="ja-JP" dirty="0" smtClean="0"/>
+              <a:rPr kumimoji="1" lang="en-US" altLang="ja-JP" dirty="0"/>
               <a:t>4 </a:t>
             </a:r>
             <a:r>
-              <a:rPr kumimoji="1" lang="ja-JP" altLang="en-US" dirty="0" smtClean="0"/>
+              <a:rPr kumimoji="1" lang="ja-JP" altLang="en-US" dirty="0"/>
               <a:t>レベル</a:t>
             </a:r>
           </a:p>
           <a:p>
             <a:pPr lvl="4"/>
             <a:r>
-              <a:rPr kumimoji="1" lang="ja-JP" altLang="en-US" dirty="0" smtClean="0"/>
+              <a:rPr kumimoji="1" lang="ja-JP" altLang="en-US" dirty="0"/>
               <a:t>第 </a:t>
             </a:r>
             <a:r>
-              <a:rPr kumimoji="1" lang="en-US" altLang="ja-JP" dirty="0" smtClean="0"/>
+              <a:rPr kumimoji="1" lang="en-US" altLang="ja-JP" dirty="0"/>
               <a:t>5 </a:t>
             </a:r>
             <a:r>
-              <a:rPr kumimoji="1" lang="ja-JP" altLang="en-US" dirty="0" smtClean="0"/>
+              <a:rPr kumimoji="1" lang="ja-JP" altLang="en-US" dirty="0"/>
               <a:t>レベル</a:t>
             </a:r>
-            <a:endParaRPr kumimoji="1" lang="ja-JP" altLang="en-US" dirty="0"/>
           </a:p>
         </p:txBody>
       </p:sp>
@@ -2269,70 +2251,69 @@
           <a:p>
             <a:pPr lvl="0"/>
             <a:r>
-              <a:rPr kumimoji="1" lang="ja-JP" altLang="en-US" smtClean="0"/>
+              <a:rPr kumimoji="1" lang="ja-JP" altLang="en-US"/>
               <a:t>マスター テキストの書式設定</a:t>
             </a:r>
           </a:p>
           <a:p>
             <a:pPr lvl="1"/>
             <a:r>
-              <a:rPr kumimoji="1" lang="ja-JP" altLang="en-US" smtClean="0"/>
+              <a:rPr kumimoji="1" lang="ja-JP" altLang="en-US"/>
               <a:t>第 </a:t>
             </a:r>
             <a:r>
-              <a:rPr kumimoji="1" lang="en-US" altLang="ja-JP" smtClean="0"/>
+              <a:rPr kumimoji="1" lang="en-US" altLang="ja-JP"/>
               <a:t>2 </a:t>
             </a:r>
             <a:r>
-              <a:rPr kumimoji="1" lang="ja-JP" altLang="en-US" smtClean="0"/>
+              <a:rPr kumimoji="1" lang="ja-JP" altLang="en-US"/>
               <a:t>レベル</a:t>
             </a:r>
           </a:p>
           <a:p>
             <a:pPr lvl="2"/>
             <a:r>
-              <a:rPr kumimoji="1" lang="ja-JP" altLang="en-US" smtClean="0"/>
+              <a:rPr kumimoji="1" lang="ja-JP" altLang="en-US"/>
               <a:t>第 </a:t>
             </a:r>
             <a:r>
-              <a:rPr kumimoji="1" lang="en-US" altLang="ja-JP" smtClean="0"/>
+              <a:rPr kumimoji="1" lang="en-US" altLang="ja-JP"/>
               <a:t>3 </a:t>
             </a:r>
             <a:r>
-              <a:rPr kumimoji="1" lang="ja-JP" altLang="en-US" smtClean="0"/>
+              <a:rPr kumimoji="1" lang="ja-JP" altLang="en-US"/>
               <a:t>レベル</a:t>
             </a:r>
           </a:p>
           <a:p>
             <a:pPr lvl="3"/>
             <a:r>
-              <a:rPr kumimoji="1" lang="ja-JP" altLang="en-US" smtClean="0"/>
+              <a:rPr kumimoji="1" lang="ja-JP" altLang="en-US"/>
               <a:t>第 </a:t>
             </a:r>
             <a:r>
-              <a:rPr kumimoji="1" lang="en-US" altLang="ja-JP" smtClean="0"/>
+              <a:rPr kumimoji="1" lang="en-US" altLang="ja-JP"/>
               <a:t>4 </a:t>
             </a:r>
             <a:r>
-              <a:rPr kumimoji="1" lang="ja-JP" altLang="en-US" smtClean="0"/>
+              <a:rPr kumimoji="1" lang="ja-JP" altLang="en-US"/>
               <a:t>レベル</a:t>
             </a:r>
           </a:p>
           <a:p>
             <a:pPr lvl="4"/>
             <a:r>
-              <a:rPr kumimoji="1" lang="ja-JP" altLang="en-US" smtClean="0"/>
+              <a:rPr kumimoji="1" lang="ja-JP" altLang="en-US"/>
               <a:t>第 </a:t>
             </a:r>
             <a:r>
-              <a:rPr kumimoji="1" lang="en-US" altLang="ja-JP" smtClean="0"/>
+              <a:rPr kumimoji="1" lang="en-US" altLang="ja-JP"/>
               <a:t>5 </a:t>
             </a:r>
             <a:r>
-              <a:rPr kumimoji="1" lang="ja-JP" altLang="en-US" smtClean="0"/>
+              <a:rPr kumimoji="1" lang="ja-JP" altLang="en-US"/>
               <a:t>レベル</a:t>
             </a:r>
-            <a:endParaRPr kumimoji="1" lang="ja-JP" altLang="en-US"/>
           </a:p>
         </p:txBody>
       </p:sp>
@@ -2445,10 +2426,9 @@
           </a:lstStyle>
           <a:p>
             <a:r>
-              <a:rPr kumimoji="1" lang="ja-JP" altLang="en-US" smtClean="0"/>
+              <a:rPr kumimoji="1" lang="ja-JP" altLang="en-US"/>
               <a:t>マスター タイトルの書式設定</a:t>
             </a:r>
-            <a:endParaRPr kumimoji="1" lang="ja-JP" altLang="en-US"/>
           </a:p>
         </p:txBody>
       </p:sp>
@@ -2513,7 +2493,7 @@
           <a:p>
             <a:pPr lvl="0"/>
             <a:r>
-              <a:rPr kumimoji="1" lang="ja-JP" altLang="en-US" dirty="0" smtClean="0"/>
+              <a:rPr kumimoji="1" lang="ja-JP" altLang="en-US" dirty="0"/>
               <a:t>マスター テキストの書式設定</a:t>
             </a:r>
           </a:p>
@@ -2571,70 +2551,69 @@
           <a:p>
             <a:pPr lvl="0"/>
             <a:r>
-              <a:rPr kumimoji="1" lang="ja-JP" altLang="en-US" dirty="0" smtClean="0"/>
+              <a:rPr kumimoji="1" lang="ja-JP" altLang="en-US" dirty="0"/>
               <a:t>マスター テキストの書式設定</a:t>
             </a:r>
           </a:p>
           <a:p>
             <a:pPr lvl="1"/>
             <a:r>
-              <a:rPr kumimoji="1" lang="ja-JP" altLang="en-US" dirty="0" smtClean="0"/>
+              <a:rPr kumimoji="1" lang="ja-JP" altLang="en-US" dirty="0"/>
               <a:t>第 </a:t>
             </a:r>
             <a:r>
-              <a:rPr kumimoji="1" lang="en-US" altLang="ja-JP" dirty="0" smtClean="0"/>
+              <a:rPr kumimoji="1" lang="en-US" altLang="ja-JP" dirty="0"/>
               <a:t>2 </a:t>
             </a:r>
             <a:r>
-              <a:rPr kumimoji="1" lang="ja-JP" altLang="en-US" dirty="0" smtClean="0"/>
+              <a:rPr kumimoji="1" lang="ja-JP" altLang="en-US" dirty="0"/>
               <a:t>レベル</a:t>
             </a:r>
           </a:p>
           <a:p>
             <a:pPr lvl="2"/>
             <a:r>
-              <a:rPr kumimoji="1" lang="ja-JP" altLang="en-US" dirty="0" smtClean="0"/>
+              <a:rPr kumimoji="1" lang="ja-JP" altLang="en-US" dirty="0"/>
               <a:t>第 </a:t>
             </a:r>
             <a:r>
-              <a:rPr kumimoji="1" lang="en-US" altLang="ja-JP" dirty="0" smtClean="0"/>
+              <a:rPr kumimoji="1" lang="en-US" altLang="ja-JP" dirty="0"/>
               <a:t>3 </a:t>
             </a:r>
             <a:r>
-              <a:rPr kumimoji="1" lang="ja-JP" altLang="en-US" dirty="0" smtClean="0"/>
+              <a:rPr kumimoji="1" lang="ja-JP" altLang="en-US" dirty="0"/>
               <a:t>レベル</a:t>
             </a:r>
           </a:p>
           <a:p>
             <a:pPr lvl="3"/>
             <a:r>
-              <a:rPr kumimoji="1" lang="ja-JP" altLang="en-US" dirty="0" smtClean="0"/>
+              <a:rPr kumimoji="1" lang="ja-JP" altLang="en-US" dirty="0"/>
               <a:t>第 </a:t>
             </a:r>
             <a:r>
-              <a:rPr kumimoji="1" lang="en-US" altLang="ja-JP" dirty="0" smtClean="0"/>
+              <a:rPr kumimoji="1" lang="en-US" altLang="ja-JP" dirty="0"/>
               <a:t>4 </a:t>
             </a:r>
             <a:r>
-              <a:rPr kumimoji="1" lang="ja-JP" altLang="en-US" dirty="0" smtClean="0"/>
+              <a:rPr kumimoji="1" lang="ja-JP" altLang="en-US" dirty="0"/>
               <a:t>レベル</a:t>
             </a:r>
           </a:p>
           <a:p>
             <a:pPr lvl="4"/>
             <a:r>
-              <a:rPr kumimoji="1" lang="ja-JP" altLang="en-US" dirty="0" smtClean="0"/>
+              <a:rPr kumimoji="1" lang="ja-JP" altLang="en-US" dirty="0"/>
               <a:t>第 </a:t>
             </a:r>
             <a:r>
-              <a:rPr kumimoji="1" lang="en-US" altLang="ja-JP" dirty="0" smtClean="0"/>
+              <a:rPr kumimoji="1" lang="en-US" altLang="ja-JP" dirty="0"/>
               <a:t>5 </a:t>
             </a:r>
             <a:r>
-              <a:rPr kumimoji="1" lang="ja-JP" altLang="en-US" dirty="0" smtClean="0"/>
+              <a:rPr kumimoji="1" lang="ja-JP" altLang="en-US" dirty="0"/>
               <a:t>レベル</a:t>
             </a:r>
-            <a:endParaRPr kumimoji="1" lang="ja-JP" altLang="en-US" dirty="0"/>
           </a:p>
         </p:txBody>
       </p:sp>
@@ -2699,7 +2678,7 @@
           <a:p>
             <a:pPr lvl="0"/>
             <a:r>
-              <a:rPr kumimoji="1" lang="ja-JP" altLang="en-US" smtClean="0"/>
+              <a:rPr kumimoji="1" lang="ja-JP" altLang="en-US"/>
               <a:t>マスター テキストの書式設定</a:t>
             </a:r>
           </a:p>
@@ -2757,70 +2736,69 @@
           <a:p>
             <a:pPr lvl="0"/>
             <a:r>
-              <a:rPr kumimoji="1" lang="ja-JP" altLang="en-US" smtClean="0"/>
+              <a:rPr kumimoji="1" lang="ja-JP" altLang="en-US"/>
               <a:t>マスター テキストの書式設定</a:t>
             </a:r>
           </a:p>
           <a:p>
             <a:pPr lvl="1"/>
             <a:r>
-              <a:rPr kumimoji="1" lang="ja-JP" altLang="en-US" smtClean="0"/>
+              <a:rPr kumimoji="1" lang="ja-JP" altLang="en-US"/>
               <a:t>第 </a:t>
             </a:r>
             <a:r>
-              <a:rPr kumimoji="1" lang="en-US" altLang="ja-JP" smtClean="0"/>
+              <a:rPr kumimoji="1" lang="en-US" altLang="ja-JP"/>
               <a:t>2 </a:t>
             </a:r>
             <a:r>
-              <a:rPr kumimoji="1" lang="ja-JP" altLang="en-US" smtClean="0"/>
+              <a:rPr kumimoji="1" lang="ja-JP" altLang="en-US"/>
               <a:t>レベル</a:t>
             </a:r>
           </a:p>
           <a:p>
             <a:pPr lvl="2"/>
             <a:r>
-              <a:rPr kumimoji="1" lang="ja-JP" altLang="en-US" smtClean="0"/>
+              <a:rPr kumimoji="1" lang="ja-JP" altLang="en-US"/>
               <a:t>第 </a:t>
             </a:r>
             <a:r>
-              <a:rPr kumimoji="1" lang="en-US" altLang="ja-JP" smtClean="0"/>
+              <a:rPr kumimoji="1" lang="en-US" altLang="ja-JP"/>
               <a:t>3 </a:t>
             </a:r>
             <a:r>
-              <a:rPr kumimoji="1" lang="ja-JP" altLang="en-US" smtClean="0"/>
+              <a:rPr kumimoji="1" lang="ja-JP" altLang="en-US"/>
               <a:t>レベル</a:t>
             </a:r>
           </a:p>
           <a:p>
             <a:pPr lvl="3"/>
             <a:r>
-              <a:rPr kumimoji="1" lang="ja-JP" altLang="en-US" smtClean="0"/>
+              <a:rPr kumimoji="1" lang="ja-JP" altLang="en-US"/>
               <a:t>第 </a:t>
             </a:r>
             <a:r>
-              <a:rPr kumimoji="1" lang="en-US" altLang="ja-JP" smtClean="0"/>
+              <a:rPr kumimoji="1" lang="en-US" altLang="ja-JP"/>
               <a:t>4 </a:t>
             </a:r>
             <a:r>
-              <a:rPr kumimoji="1" lang="ja-JP" altLang="en-US" smtClean="0"/>
+              <a:rPr kumimoji="1" lang="ja-JP" altLang="en-US"/>
               <a:t>レベル</a:t>
             </a:r>
           </a:p>
           <a:p>
             <a:pPr lvl="4"/>
             <a:r>
-              <a:rPr kumimoji="1" lang="ja-JP" altLang="en-US" smtClean="0"/>
+              <a:rPr kumimoji="1" lang="ja-JP" altLang="en-US"/>
               <a:t>第 </a:t>
             </a:r>
             <a:r>
-              <a:rPr kumimoji="1" lang="en-US" altLang="ja-JP" smtClean="0"/>
+              <a:rPr kumimoji="1" lang="en-US" altLang="ja-JP"/>
               <a:t>5 </a:t>
             </a:r>
             <a:r>
-              <a:rPr kumimoji="1" lang="ja-JP" altLang="en-US" smtClean="0"/>
+              <a:rPr kumimoji="1" lang="ja-JP" altLang="en-US"/>
               <a:t>レベル</a:t>
             </a:r>
-            <a:endParaRPr kumimoji="1" lang="ja-JP" altLang="en-US"/>
           </a:p>
         </p:txBody>
       </p:sp>
@@ -2929,10 +2907,9 @@
           <a:lstStyle/>
           <a:p>
             <a:r>
-              <a:rPr kumimoji="1" lang="ja-JP" altLang="en-US" smtClean="0"/>
+              <a:rPr kumimoji="1" lang="ja-JP" altLang="en-US"/>
               <a:t>マスター タイトルの書式設定</a:t>
             </a:r>
-            <a:endParaRPr kumimoji="1" lang="ja-JP" altLang="en-US"/>
           </a:p>
         </p:txBody>
       </p:sp>
@@ -2953,70 +2930,69 @@
           <a:p>
             <a:pPr lvl="0"/>
             <a:r>
-              <a:rPr kumimoji="1" lang="ja-JP" altLang="en-US" dirty="0" smtClean="0"/>
+              <a:rPr kumimoji="1" lang="ja-JP" altLang="en-US" dirty="0"/>
               <a:t>マスター テキストの書式設定</a:t>
             </a:r>
           </a:p>
           <a:p>
             <a:pPr lvl="1"/>
             <a:r>
-              <a:rPr kumimoji="1" lang="ja-JP" altLang="en-US" dirty="0" smtClean="0"/>
+              <a:rPr kumimoji="1" lang="ja-JP" altLang="en-US" dirty="0"/>
               <a:t>第 </a:t>
             </a:r>
             <a:r>
-              <a:rPr kumimoji="1" lang="en-US" altLang="ja-JP" dirty="0" smtClean="0"/>
+              <a:rPr kumimoji="1" lang="en-US" altLang="ja-JP" dirty="0"/>
               <a:t>2 </a:t>
             </a:r>
             <a:r>
-              <a:rPr kumimoji="1" lang="ja-JP" altLang="en-US" dirty="0" smtClean="0"/>
+              <a:rPr kumimoji="1" lang="ja-JP" altLang="en-US" dirty="0"/>
               <a:t>レベル</a:t>
             </a:r>
           </a:p>
           <a:p>
             <a:pPr lvl="2"/>
             <a:r>
-              <a:rPr kumimoji="1" lang="ja-JP" altLang="en-US" dirty="0" smtClean="0"/>
+              <a:rPr kumimoji="1" lang="ja-JP" altLang="en-US" dirty="0"/>
               <a:t>第 </a:t>
             </a:r>
             <a:r>
-              <a:rPr kumimoji="1" lang="en-US" altLang="ja-JP" dirty="0" smtClean="0"/>
+              <a:rPr kumimoji="1" lang="en-US" altLang="ja-JP" dirty="0"/>
               <a:t>3 </a:t>
             </a:r>
             <a:r>
-              <a:rPr kumimoji="1" lang="ja-JP" altLang="en-US" dirty="0" smtClean="0"/>
+              <a:rPr kumimoji="1" lang="ja-JP" altLang="en-US" dirty="0"/>
               <a:t>レベル</a:t>
             </a:r>
           </a:p>
           <a:p>
             <a:pPr lvl="3"/>
             <a:r>
-              <a:rPr kumimoji="1" lang="ja-JP" altLang="en-US" dirty="0" smtClean="0"/>
+              <a:rPr kumimoji="1" lang="ja-JP" altLang="en-US" dirty="0"/>
               <a:t>第 </a:t>
             </a:r>
             <a:r>
-              <a:rPr kumimoji="1" lang="en-US" altLang="ja-JP" dirty="0" smtClean="0"/>
+              <a:rPr kumimoji="1" lang="en-US" altLang="ja-JP" dirty="0"/>
               <a:t>4 </a:t>
             </a:r>
             <a:r>
-              <a:rPr kumimoji="1" lang="ja-JP" altLang="en-US" dirty="0" smtClean="0"/>
+              <a:rPr kumimoji="1" lang="ja-JP" altLang="en-US" dirty="0"/>
               <a:t>レベル</a:t>
             </a:r>
           </a:p>
           <a:p>
             <a:pPr lvl="4"/>
             <a:r>
-              <a:rPr kumimoji="1" lang="ja-JP" altLang="en-US" dirty="0" smtClean="0"/>
+              <a:rPr kumimoji="1" lang="ja-JP" altLang="en-US" dirty="0"/>
               <a:t>第 </a:t>
             </a:r>
             <a:r>
-              <a:rPr kumimoji="1" lang="en-US" altLang="ja-JP" dirty="0" smtClean="0"/>
+              <a:rPr kumimoji="1" lang="en-US" altLang="ja-JP" dirty="0"/>
               <a:t>5 </a:t>
             </a:r>
             <a:r>
-              <a:rPr kumimoji="1" lang="ja-JP" altLang="en-US" dirty="0" smtClean="0"/>
+              <a:rPr kumimoji="1" lang="ja-JP" altLang="en-US" dirty="0"/>
               <a:t>レベル</a:t>
             </a:r>
-            <a:endParaRPr kumimoji="1" lang="ja-JP" altLang="en-US" dirty="0"/>
           </a:p>
         </p:txBody>
       </p:sp>
@@ -3149,18 +3125,17 @@
           <a:p>
             <a:pPr lvl="0"/>
             <a:r>
-              <a:rPr kumimoji="1" lang="ja-JP" altLang="en-US" dirty="0" smtClean="0"/>
+              <a:rPr kumimoji="1" lang="ja-JP" altLang="en-US" dirty="0"/>
               <a:t>表紙</a:t>
             </a:r>
             <a:r>
-              <a:rPr kumimoji="1" lang="en-US" altLang="ja-JP" dirty="0" smtClean="0"/>
+              <a:rPr kumimoji="1" lang="en-US" altLang="ja-JP" dirty="0"/>
               <a:t>A</a:t>
             </a:r>
             <a:r>
-              <a:rPr kumimoji="1" lang="ja-JP" altLang="en-US" dirty="0" smtClean="0"/>
+              <a:rPr kumimoji="1" lang="ja-JP" altLang="en-US" dirty="0"/>
               <a:t>のタイトル</a:t>
             </a:r>
-            <a:endParaRPr kumimoji="1" lang="ja-JP" altLang="en-US" dirty="0"/>
           </a:p>
         </p:txBody>
       </p:sp>
@@ -3204,7 +3179,7 @@
           <a:p>
             <a:pPr lvl="0"/>
             <a:r>
-              <a:rPr kumimoji="1" lang="en-US" altLang="ja-JP" dirty="0" smtClean="0"/>
+              <a:rPr kumimoji="1" lang="en-US" altLang="ja-JP" dirty="0"/>
               <a:t>0000.00.00</a:t>
             </a:r>
             <a:endParaRPr kumimoji="1" lang="ja-JP" altLang="en-US" dirty="0"/>
@@ -3251,10 +3226,9 @@
           <a:p>
             <a:pPr lvl="0"/>
             <a:r>
-              <a:rPr kumimoji="1" lang="ja-JP" altLang="en-US" dirty="0" smtClean="0"/>
+              <a:rPr kumimoji="1" lang="ja-JP" altLang="en-US" dirty="0"/>
               <a:t>□□□□□□□本部</a:t>
             </a:r>
-            <a:endParaRPr kumimoji="1" lang="ja-JP" altLang="en-US" dirty="0"/>
           </a:p>
         </p:txBody>
       </p:sp>
@@ -3298,10 +3272,9 @@
           <a:p>
             <a:pPr lvl="0"/>
             <a:r>
-              <a:rPr kumimoji="1" lang="ja-JP" altLang="en-US" dirty="0" smtClean="0"/>
+              <a:rPr kumimoji="1" lang="ja-JP" altLang="en-US" dirty="0"/>
               <a:t>△△△△△△△△部</a:t>
             </a:r>
-            <a:endParaRPr kumimoji="1" lang="ja-JP" altLang="en-US" dirty="0"/>
           </a:p>
         </p:txBody>
       </p:sp>
@@ -3315,13 +3288,6 @@
   <p:clrMapOvr>
     <a:masterClrMapping/>
   </p:clrMapOvr>
-  <p:timing>
-    <p:tnLst>
-      <p:par>
-        <p:cTn id="1" dur="indefinite" restart="never" nodeType="tmRoot"/>
-      </p:par>
-    </p:tnLst>
-  </p:timing>
 </p:sldLayout>
 </file>
 
@@ -3512,13 +3478,6 @@
   <p:sldLayoutIdLst>
     <p:sldLayoutId id="2147483649" r:id="rId1"/>
   </p:sldLayoutIdLst>
-  <p:timing>
-    <p:tnLst>
-      <p:par>
-        <p:cTn id="1" dur="indefinite" restart="never" nodeType="tmRoot"/>
-      </p:par>
-    </p:tnLst>
-  </p:timing>
   <p:hf hdr="0" ftr="0" dt="0"/>
   <p:txStyles>
     <p:titleStyle>
@@ -3930,13 +3889,6 @@
   <p:sldLayoutIdLst>
     <p:sldLayoutId id="2147483659" r:id="rId1"/>
   </p:sldLayoutIdLst>
-  <p:timing>
-    <p:tnLst>
-      <p:par>
-        <p:cTn id="1" dur="indefinite" restart="never" nodeType="tmRoot"/>
-      </p:par>
-    </p:tnLst>
-  </p:timing>
   <p:hf hdr="0" ftr="0" dt="0"/>
   <p:txStyles>
     <p:titleStyle>
@@ -4239,10 +4191,9 @@
           <a:lstStyle/>
           <a:p>
             <a:r>
-              <a:rPr kumimoji="1" lang="ja-JP" altLang="en-US" dirty="0" smtClean="0"/>
+              <a:rPr kumimoji="1" lang="ja-JP" altLang="en-US" dirty="0"/>
               <a:t>マスター タイトルの書式設定</a:t>
             </a:r>
-            <a:endParaRPr kumimoji="1" lang="ja-JP" altLang="en-US" dirty="0"/>
           </a:p>
         </p:txBody>
       </p:sp>
@@ -4273,70 +4224,69 @@
           <a:p>
             <a:pPr lvl="0"/>
             <a:r>
-              <a:rPr kumimoji="1" lang="ja-JP" altLang="en-US" dirty="0" smtClean="0"/>
+              <a:rPr kumimoji="1" lang="ja-JP" altLang="en-US" dirty="0"/>
               <a:t>マスター テキストの書式設定</a:t>
             </a:r>
           </a:p>
           <a:p>
             <a:pPr lvl="1"/>
             <a:r>
-              <a:rPr kumimoji="1" lang="ja-JP" altLang="en-US" dirty="0" smtClean="0"/>
+              <a:rPr kumimoji="1" lang="ja-JP" altLang="en-US" dirty="0"/>
               <a:t>第 </a:t>
             </a:r>
             <a:r>
-              <a:rPr kumimoji="1" lang="en-US" altLang="ja-JP" dirty="0" smtClean="0"/>
+              <a:rPr kumimoji="1" lang="en-US" altLang="ja-JP" dirty="0"/>
               <a:t>2 </a:t>
             </a:r>
             <a:r>
-              <a:rPr kumimoji="1" lang="ja-JP" altLang="en-US" dirty="0" smtClean="0"/>
+              <a:rPr kumimoji="1" lang="ja-JP" altLang="en-US" dirty="0"/>
               <a:t>レベル</a:t>
             </a:r>
           </a:p>
           <a:p>
             <a:pPr lvl="2"/>
             <a:r>
-              <a:rPr kumimoji="1" lang="ja-JP" altLang="en-US" dirty="0" smtClean="0"/>
+              <a:rPr kumimoji="1" lang="ja-JP" altLang="en-US" dirty="0"/>
               <a:t>第 </a:t>
             </a:r>
             <a:r>
-              <a:rPr kumimoji="1" lang="en-US" altLang="ja-JP" dirty="0" smtClean="0"/>
+              <a:rPr kumimoji="1" lang="en-US" altLang="ja-JP" dirty="0"/>
               <a:t>3 </a:t>
             </a:r>
             <a:r>
-              <a:rPr kumimoji="1" lang="ja-JP" altLang="en-US" dirty="0" smtClean="0"/>
+              <a:rPr kumimoji="1" lang="ja-JP" altLang="en-US" dirty="0"/>
               <a:t>レベル</a:t>
             </a:r>
           </a:p>
           <a:p>
             <a:pPr lvl="3"/>
             <a:r>
-              <a:rPr kumimoji="1" lang="ja-JP" altLang="en-US" dirty="0" smtClean="0"/>
+              <a:rPr kumimoji="1" lang="ja-JP" altLang="en-US" dirty="0"/>
               <a:t>第 </a:t>
             </a:r>
             <a:r>
-              <a:rPr kumimoji="1" lang="en-US" altLang="ja-JP" dirty="0" smtClean="0"/>
+              <a:rPr kumimoji="1" lang="en-US" altLang="ja-JP" dirty="0"/>
               <a:t>4 </a:t>
             </a:r>
             <a:r>
-              <a:rPr kumimoji="1" lang="ja-JP" altLang="en-US" dirty="0" smtClean="0"/>
+              <a:rPr kumimoji="1" lang="ja-JP" altLang="en-US" dirty="0"/>
               <a:t>レベル</a:t>
             </a:r>
           </a:p>
           <a:p>
             <a:pPr lvl="4"/>
             <a:r>
-              <a:rPr kumimoji="1" lang="ja-JP" altLang="en-US" dirty="0" smtClean="0"/>
+              <a:rPr kumimoji="1" lang="ja-JP" altLang="en-US" dirty="0"/>
               <a:t>第 </a:t>
             </a:r>
             <a:r>
-              <a:rPr kumimoji="1" lang="en-US" altLang="ja-JP" dirty="0" smtClean="0"/>
+              <a:rPr kumimoji="1" lang="en-US" altLang="ja-JP" dirty="0"/>
               <a:t>5 </a:t>
             </a:r>
             <a:r>
-              <a:rPr kumimoji="1" lang="ja-JP" altLang="en-US" dirty="0" smtClean="0"/>
+              <a:rPr kumimoji="1" lang="ja-JP" altLang="en-US" dirty="0"/>
               <a:t>レベル</a:t>
             </a:r>
-            <a:endParaRPr kumimoji="1" lang="ja-JP" altLang="en-US" dirty="0"/>
           </a:p>
         </p:txBody>
       </p:sp>
@@ -5089,16 +5039,12 @@
           <a:lstStyle/>
           <a:p>
             <a:r>
-              <a:rPr kumimoji="1" lang="ja-JP" altLang="en-US" sz="4000" b="1" dirty="0" smtClean="0">
+              <a:rPr kumimoji="1" lang="ja-JP" altLang="en-US" sz="4000" b="1" dirty="0">
                 <a:latin typeface="メイリオ" panose="020B0604030504040204" pitchFamily="50" charset="-128"/>
                 <a:ea typeface="メイリオ" panose="020B0604030504040204" pitchFamily="50" charset="-128"/>
               </a:rPr>
               <a:t>クライテリア項目一覧利用ガイド</a:t>
             </a:r>
-            <a:endParaRPr kumimoji="1" lang="ja-JP" altLang="en-US" sz="4000" b="1" dirty="0">
-              <a:latin typeface="メイリオ" panose="020B0604030504040204" pitchFamily="50" charset="-128"/>
-              <a:ea typeface="メイリオ" panose="020B0604030504040204" pitchFamily="50" charset="-128"/>
-            </a:endParaRPr>
           </a:p>
         </p:txBody>
       </p:sp>
@@ -5130,7 +5076,7 @@
               </a:spcBef>
             </a:pPr>
             <a:r>
-              <a:rPr lang="ja-JP" altLang="en-US" dirty="0" smtClean="0">
+              <a:rPr lang="ja-JP" altLang="en-US" dirty="0">
                 <a:solidFill>
                   <a:srgbClr val="000000">
                     <a:lumMod val="75000"/>
@@ -5143,7 +5089,7 @@
               <a:t>第</a:t>
             </a:r>
             <a:r>
-              <a:rPr lang="en-US" altLang="ja-JP" dirty="0" smtClean="0">
+              <a:rPr lang="en-US" altLang="ja-JP" dirty="0">
                 <a:solidFill>
                   <a:srgbClr val="000000">
                     <a:lumMod val="75000"/>
@@ -5156,7 +5102,7 @@
               <a:t>1.1</a:t>
             </a:r>
             <a:r>
-              <a:rPr lang="ja-JP" altLang="en-US" dirty="0" smtClean="0">
+              <a:rPr lang="ja-JP" altLang="en-US" dirty="0">
                 <a:solidFill>
                   <a:srgbClr val="000000">
                     <a:lumMod val="75000"/>
@@ -5168,7 +5114,7 @@
               </a:rPr>
               <a:t>版</a:t>
             </a:r>
-            <a:endParaRPr lang="en-US" altLang="ja-JP" dirty="0" smtClean="0">
+            <a:endParaRPr lang="en-US" altLang="ja-JP" dirty="0">
               <a:solidFill>
                 <a:srgbClr val="000000">
                   <a:lumMod val="75000"/>
@@ -5186,7 +5132,7 @@
               </a:spcBef>
             </a:pPr>
             <a:r>
-              <a:rPr lang="en-US" altLang="ja-JP" dirty="0" smtClean="0">
+              <a:rPr lang="en-US" altLang="ja-JP" dirty="0">
                 <a:solidFill>
                   <a:srgbClr val="000000">
                     <a:lumMod val="75000"/>
@@ -5199,7 +5145,7 @@
               <a:t>2018</a:t>
             </a:r>
             <a:r>
-              <a:rPr lang="ja-JP" altLang="en-US" dirty="0" smtClean="0">
+              <a:rPr lang="ja-JP" altLang="en-US" dirty="0">
                 <a:solidFill>
                   <a:srgbClr val="000000">
                     <a:lumMod val="75000"/>
@@ -5212,7 +5158,7 @@
               <a:t>年</a:t>
             </a:r>
             <a:r>
-              <a:rPr lang="en-US" altLang="ja-JP" dirty="0" smtClean="0">
+              <a:rPr lang="en-US" altLang="ja-JP" dirty="0">
                 <a:solidFill>
                   <a:srgbClr val="000000">
                     <a:lumMod val="75000"/>
@@ -5225,7 +5171,7 @@
               <a:t>8</a:t>
             </a:r>
             <a:r>
-              <a:rPr lang="ja-JP" altLang="en-US" dirty="0" smtClean="0">
+              <a:rPr lang="ja-JP" altLang="en-US" dirty="0">
                 <a:solidFill>
                   <a:srgbClr val="000000">
                     <a:lumMod val="75000"/>
@@ -5238,7 +5184,7 @@
               <a:t>月</a:t>
             </a:r>
             <a:r>
-              <a:rPr lang="en-US" altLang="ja-JP" dirty="0" smtClean="0">
+              <a:rPr lang="en-US" altLang="ja-JP" dirty="0">
                 <a:solidFill>
                   <a:srgbClr val="000000">
                     <a:lumMod val="75000"/>
@@ -5251,7 +5197,7 @@
               <a:t>14</a:t>
             </a:r>
             <a:r>
-              <a:rPr lang="ja-JP" altLang="en-US" dirty="0" smtClean="0">
+              <a:rPr lang="ja-JP" altLang="en-US" dirty="0">
                 <a:solidFill>
                   <a:srgbClr val="000000">
                     <a:lumMod val="75000"/>
@@ -5263,248 +5209,6 @@
               </a:rPr>
               <a:t>日</a:t>
             </a:r>
-            <a:endParaRPr lang="ja-JP" altLang="en-US" dirty="0">
-              <a:solidFill>
-                <a:srgbClr val="000000">
-                  <a:lumMod val="75000"/>
-                  <a:lumOff val="25000"/>
-                </a:srgbClr>
-              </a:solidFill>
-              <a:latin typeface="メイリオ" panose="020B0604030504040204" pitchFamily="50" charset="-128"/>
-              <a:ea typeface="メイリオ" panose="020B0604030504040204" pitchFamily="50" charset="-128"/>
-            </a:endParaRPr>
-          </a:p>
-        </p:txBody>
-      </p:sp>
-      <p:pic>
-        <p:nvPicPr>
-          <p:cNvPr id="5" name="図 4">
-            <a:hlinkClick r:id="rId3"/>
-          </p:cNvPr>
-          <p:cNvPicPr>
-            <a:picLocks noChangeAspect="1"/>
-          </p:cNvPicPr>
-          <p:nvPr/>
-        </p:nvPicPr>
-        <p:blipFill>
-          <a:blip r:embed="rId4">
-            <a:extLst>
-              <a:ext uri="{28A0092B-C50C-407E-A947-70E740481C1C}">
-                <a14:useLocalDpi xmlns:a14="http://schemas.microsoft.com/office/drawing/2010/main" val="0"/>
-              </a:ext>
-            </a:extLst>
-          </a:blip>
-          <a:stretch>
-            <a:fillRect/>
-          </a:stretch>
-        </p:blipFill>
-        <p:spPr>
-          <a:xfrm>
-            <a:off x="498456" y="5941419"/>
-            <a:ext cx="825953" cy="295893"/>
-          </a:xfrm>
-          <a:prstGeom prst="rect">
-            <a:avLst/>
-          </a:prstGeom>
-        </p:spPr>
-      </p:pic>
-      <p:sp>
-        <p:nvSpPr>
-          <p:cNvPr id="6" name="テキスト ボックス 5"/>
-          <p:cNvSpPr txBox="1"/>
-          <p:nvPr/>
-        </p:nvSpPr>
-        <p:spPr>
-          <a:xfrm>
-            <a:off x="473745" y="6250746"/>
-            <a:ext cx="7632848" cy="261610"/>
-          </a:xfrm>
-          <a:prstGeom prst="rect">
-            <a:avLst/>
-          </a:prstGeom>
-          <a:noFill/>
-        </p:spPr>
-        <p:txBody>
-          <a:bodyPr wrap="square" rtlCol="0">
-            <a:spAutoFit/>
-          </a:bodyPr>
-          <a:lstStyle/>
-          <a:p>
-            <a:r>
-              <a:rPr lang="ja-JP" altLang="en-US" sz="1100" dirty="0" smtClean="0">
-                <a:latin typeface="メイリオ" panose="020B0604030504040204" pitchFamily="50" charset="-128"/>
-                <a:ea typeface="メイリオ" panose="020B0604030504040204" pitchFamily="50" charset="-128"/>
-              </a:rPr>
-              <a:t>この 作品 は </a:t>
-            </a:r>
-            <a:r>
-              <a:rPr lang="ja-JP" altLang="en-US" sz="1100" dirty="0" smtClean="0">
-                <a:solidFill>
-                  <a:schemeClr val="tx1"/>
-                </a:solidFill>
-                <a:latin typeface="メイリオ" panose="020B0604030504040204" pitchFamily="50" charset="-128"/>
-                <a:ea typeface="メイリオ" panose="020B0604030504040204" pitchFamily="50" charset="-128"/>
-                <a:hlinkClick r:id="rId3"/>
-              </a:rPr>
-              <a:t>クリエイティブ・コモンズ 表示 </a:t>
-            </a:r>
-            <a:r>
-              <a:rPr lang="en-US" altLang="ja-JP" sz="1100" dirty="0" smtClean="0">
-                <a:solidFill>
-                  <a:schemeClr val="tx1"/>
-                </a:solidFill>
-                <a:latin typeface="メイリオ" panose="020B0604030504040204" pitchFamily="50" charset="-128"/>
-                <a:ea typeface="メイリオ" panose="020B0604030504040204" pitchFamily="50" charset="-128"/>
-                <a:hlinkClick r:id="rId3"/>
-              </a:rPr>
-              <a:t>- </a:t>
-            </a:r>
-            <a:r>
-              <a:rPr lang="ja-JP" altLang="en-US" sz="1100" dirty="0" smtClean="0">
-                <a:solidFill>
-                  <a:schemeClr val="tx1"/>
-                </a:solidFill>
-                <a:latin typeface="メイリオ" panose="020B0604030504040204" pitchFamily="50" charset="-128"/>
-                <a:ea typeface="メイリオ" panose="020B0604030504040204" pitchFamily="50" charset="-128"/>
-                <a:hlinkClick r:id="rId3"/>
-              </a:rPr>
-              <a:t>継承 </a:t>
-            </a:r>
-            <a:r>
-              <a:rPr lang="en-US" altLang="ja-JP" sz="1100" dirty="0" smtClean="0">
-                <a:solidFill>
-                  <a:schemeClr val="tx1"/>
-                </a:solidFill>
-                <a:latin typeface="メイリオ" panose="020B0604030504040204" pitchFamily="50" charset="-128"/>
-                <a:ea typeface="メイリオ" panose="020B0604030504040204" pitchFamily="50" charset="-128"/>
-                <a:hlinkClick r:id="rId3"/>
-              </a:rPr>
-              <a:t>4.0 </a:t>
-            </a:r>
-            <a:r>
-              <a:rPr lang="ja-JP" altLang="en-US" sz="1100" dirty="0" smtClean="0">
-                <a:solidFill>
-                  <a:schemeClr val="tx1"/>
-                </a:solidFill>
-                <a:latin typeface="メイリオ" panose="020B0604030504040204" pitchFamily="50" charset="-128"/>
-                <a:ea typeface="メイリオ" panose="020B0604030504040204" pitchFamily="50" charset="-128"/>
-                <a:hlinkClick r:id="rId3"/>
-              </a:rPr>
-              <a:t>国際 ライセンス</a:t>
-            </a:r>
-            <a:r>
-              <a:rPr lang="ja-JP" altLang="en-US" sz="1100" dirty="0" smtClean="0">
-                <a:solidFill>
-                  <a:srgbClr val="FF0000"/>
-                </a:solidFill>
-                <a:latin typeface="メイリオ" panose="020B0604030504040204" pitchFamily="50" charset="-128"/>
-                <a:ea typeface="メイリオ" panose="020B0604030504040204" pitchFamily="50" charset="-128"/>
-              </a:rPr>
-              <a:t> </a:t>
-            </a:r>
-            <a:r>
-              <a:rPr lang="ja-JP" altLang="en-US" sz="1100" dirty="0" smtClean="0">
-                <a:latin typeface="メイリオ" panose="020B0604030504040204" pitchFamily="50" charset="-128"/>
-                <a:ea typeface="メイリオ" panose="020B0604030504040204" pitchFamily="50" charset="-128"/>
-              </a:rPr>
-              <a:t>の下に提供されています。</a:t>
-            </a:r>
-            <a:endParaRPr lang="ja-JP" altLang="en-US" sz="1100" dirty="0">
-              <a:latin typeface="メイリオ" panose="020B0604030504040204" pitchFamily="50" charset="-128"/>
-              <a:ea typeface="メイリオ" panose="020B0604030504040204" pitchFamily="50" charset="-128"/>
-            </a:endParaRPr>
-          </a:p>
-        </p:txBody>
-      </p:sp>
-      <p:sp>
-        <p:nvSpPr>
-          <p:cNvPr id="7" name="テキスト ボックス 6"/>
-          <p:cNvSpPr txBox="1"/>
-          <p:nvPr/>
-        </p:nvSpPr>
-        <p:spPr>
-          <a:xfrm>
-            <a:off x="467544" y="6491826"/>
-            <a:ext cx="7632848" cy="261610"/>
-          </a:xfrm>
-          <a:prstGeom prst="rect">
-            <a:avLst/>
-          </a:prstGeom>
-          <a:noFill/>
-        </p:spPr>
-        <p:txBody>
-          <a:bodyPr wrap="square" rtlCol="0">
-            <a:spAutoFit/>
-          </a:bodyPr>
-          <a:lstStyle/>
-          <a:p>
-            <a:r>
-              <a:rPr lang="ja-JP" altLang="en-US" sz="1100" dirty="0">
-                <a:latin typeface="メイリオ" panose="020B0604030504040204" pitchFamily="50" charset="-128"/>
-                <a:ea typeface="メイリオ" panose="020B0604030504040204" pitchFamily="50" charset="-128"/>
-              </a:rPr>
-              <a:t>クライテリア項目一覧</a:t>
-            </a:r>
-            <a:r>
-              <a:rPr lang="en-US" altLang="ja-JP" sz="1100" dirty="0">
-                <a:latin typeface="メイリオ" panose="020B0604030504040204" pitchFamily="50" charset="-128"/>
-                <a:ea typeface="メイリオ" panose="020B0604030504040204" pitchFamily="50" charset="-128"/>
-              </a:rPr>
-              <a:t>/</a:t>
-            </a:r>
-            <a:r>
-              <a:rPr lang="ja-JP" altLang="en-US" sz="1100" dirty="0">
-                <a:latin typeface="メイリオ" panose="020B0604030504040204" pitchFamily="50" charset="-128"/>
-                <a:ea typeface="メイリオ" panose="020B0604030504040204" pitchFamily="50" charset="-128"/>
-              </a:rPr>
-              <a:t>利用ガイド</a:t>
-            </a:r>
-            <a:r>
-              <a:rPr lang="en-US" altLang="ja-JP" sz="1100" dirty="0">
-                <a:latin typeface="メイリオ" panose="020B0604030504040204" pitchFamily="50" charset="-128"/>
-                <a:ea typeface="メイリオ" panose="020B0604030504040204" pitchFamily="50" charset="-128"/>
-              </a:rPr>
-              <a:t>©2018 TIS INC. </a:t>
-            </a:r>
-            <a:r>
-              <a:rPr lang="ja-JP" altLang="en-US" sz="1100" dirty="0">
-                <a:latin typeface="メイリオ" panose="020B0604030504040204" pitchFamily="50" charset="-128"/>
-                <a:ea typeface="メイリオ" panose="020B0604030504040204" pitchFamily="50" charset="-128"/>
-              </a:rPr>
-              <a:t>クリエイティブ・コモンズ・ライセンス（表示</a:t>
-            </a:r>
-            <a:r>
-              <a:rPr lang="en-US" altLang="ja-JP" sz="1100" dirty="0">
-                <a:latin typeface="メイリオ" panose="020B0604030504040204" pitchFamily="50" charset="-128"/>
-                <a:ea typeface="メイリオ" panose="020B0604030504040204" pitchFamily="50" charset="-128"/>
-              </a:rPr>
-              <a:t>-</a:t>
-            </a:r>
-            <a:r>
-              <a:rPr lang="ja-JP" altLang="en-US" sz="1100" dirty="0">
-                <a:latin typeface="メイリオ" panose="020B0604030504040204" pitchFamily="50" charset="-128"/>
-                <a:ea typeface="メイリオ" panose="020B0604030504040204" pitchFamily="50" charset="-128"/>
-              </a:rPr>
-              <a:t>継承 </a:t>
-            </a:r>
-            <a:r>
-              <a:rPr lang="en-US" altLang="ja-JP" sz="1100" dirty="0">
-                <a:latin typeface="メイリオ" panose="020B0604030504040204" pitchFamily="50" charset="-128"/>
-                <a:ea typeface="メイリオ" panose="020B0604030504040204" pitchFamily="50" charset="-128"/>
-              </a:rPr>
-              <a:t>4.0 </a:t>
-            </a:r>
-            <a:r>
-              <a:rPr lang="ja-JP" altLang="en-US" sz="1100" dirty="0">
-                <a:latin typeface="メイリオ" panose="020B0604030504040204" pitchFamily="50" charset="-128"/>
-                <a:ea typeface="メイリオ" panose="020B0604030504040204" pitchFamily="50" charset="-128"/>
-              </a:rPr>
-              <a:t>国際）</a:t>
-            </a:r>
-            <a:endParaRPr lang="ja-JP" altLang="en-US" sz="1100" dirty="0">
-              <a:latin typeface="メイリオ" panose="020B0604030504040204" pitchFamily="50" charset="-128"/>
-              <a:ea typeface="メイリオ" panose="020B0604030504040204" pitchFamily="50" charset="-128"/>
-            </a:endParaRPr>
           </a:p>
         </p:txBody>
       </p:sp>
@@ -5518,13 +5222,6 @@
   <p:clrMapOvr>
     <a:masterClrMapping/>
   </p:clrMapOvr>
-  <p:timing>
-    <p:tnLst>
-      <p:par>
-        <p:cTn id="1" dur="indefinite" restart="never" nodeType="tmRoot"/>
-      </p:par>
-    </p:tnLst>
-  </p:timing>
 </p:sld>
 </file>
 
@@ -5711,14 +5408,11 @@
           <a:lstStyle/>
           <a:p>
             <a:r>
-              <a:rPr kumimoji="1" lang="ja-JP" altLang="en-US" dirty="0" smtClean="0">
+              <a:rPr kumimoji="1" lang="ja-JP" altLang="en-US" dirty="0">
                 <a:latin typeface="メイリオ" panose="020B0604030504040204" pitchFamily="50" charset="-128"/>
               </a:rPr>
               <a:t>ウォーターフォール開発</a:t>
             </a:r>
-            <a:endParaRPr kumimoji="1" lang="ja-JP" altLang="en-US" dirty="0">
-              <a:latin typeface="メイリオ" panose="020B0604030504040204" pitchFamily="50" charset="-128"/>
-            </a:endParaRPr>
           </a:p>
         </p:txBody>
       </p:sp>
@@ -5785,14 +5479,14 @@
           <a:lstStyle/>
           <a:p>
             <a:r>
-              <a:rPr kumimoji="1" lang="ja-JP" altLang="en-US" dirty="0" smtClean="0">
+              <a:rPr kumimoji="1" lang="ja-JP" altLang="en-US" dirty="0">
                 <a:latin typeface="メイリオ" panose="020B0604030504040204" pitchFamily="50" charset="-128"/>
                 <a:ea typeface="メイリオ" panose="020B0604030504040204" pitchFamily="50" charset="-128"/>
               </a:rPr>
               <a:t>・各工程の開始前に</a:t>
             </a:r>
             <a:r>
-              <a:rPr kumimoji="1" lang="en-US" altLang="ja-JP" dirty="0" smtClean="0">
+              <a:rPr kumimoji="1" lang="en-US" altLang="ja-JP" dirty="0">
                 <a:latin typeface="メイリオ" panose="020B0604030504040204" pitchFamily="50" charset="-128"/>
                 <a:ea typeface="メイリオ" panose="020B0604030504040204" pitchFamily="50" charset="-128"/>
               </a:rPr>
@@ -5806,27 +5500,27 @@
               <a:t>クライテリア</a:t>
             </a:r>
             <a:r>
-              <a:rPr kumimoji="1" lang="ja-JP" altLang="en-US" dirty="0" smtClean="0">
+              <a:rPr kumimoji="1" lang="ja-JP" altLang="en-US" dirty="0">
                 <a:latin typeface="メイリオ" panose="020B0604030504040204" pitchFamily="50" charset="-128"/>
                 <a:ea typeface="メイリオ" panose="020B0604030504040204" pitchFamily="50" charset="-128"/>
               </a:rPr>
               <a:t>審査を実施する。</a:t>
             </a:r>
-            <a:endParaRPr kumimoji="1" lang="en-US" altLang="ja-JP" dirty="0" smtClean="0">
+            <a:endParaRPr kumimoji="1" lang="en-US" altLang="ja-JP" dirty="0">
               <a:latin typeface="メイリオ" panose="020B0604030504040204" pitchFamily="50" charset="-128"/>
               <a:ea typeface="メイリオ" panose="020B0604030504040204" pitchFamily="50" charset="-128"/>
             </a:endParaRPr>
           </a:p>
           <a:p>
             <a:r>
-              <a:rPr lang="ja-JP" altLang="en-US" dirty="0" smtClean="0">
+              <a:rPr lang="ja-JP" altLang="en-US" dirty="0">
                 <a:latin typeface="メイリオ" panose="020B0604030504040204" pitchFamily="50" charset="-128"/>
                 <a:ea typeface="メイリオ" panose="020B0604030504040204" pitchFamily="50" charset="-128"/>
               </a:rPr>
               <a:t>・各工程の終了前に</a:t>
             </a:r>
             <a:r>
-              <a:rPr lang="en-US" altLang="ja-JP" dirty="0" smtClean="0">
+              <a:rPr lang="en-US" altLang="ja-JP" dirty="0">
                 <a:latin typeface="メイリオ" panose="020B0604030504040204" pitchFamily="50" charset="-128"/>
                 <a:ea typeface="メイリオ" panose="020B0604030504040204" pitchFamily="50" charset="-128"/>
               </a:rPr>
@@ -5837,76 +5531,69 @@
                 <a:latin typeface="メイリオ" panose="020B0604030504040204" pitchFamily="50" charset="-128"/>
                 <a:ea typeface="メイリオ" panose="020B0604030504040204" pitchFamily="50" charset="-128"/>
               </a:rPr>
-              <a:t>クライテリア</a:t>
-            </a:r>
-            <a:r>
-              <a:rPr lang="ja-JP" altLang="en-US" dirty="0" smtClean="0">
-                <a:latin typeface="メイリオ" panose="020B0604030504040204" pitchFamily="50" charset="-128"/>
-                <a:ea typeface="メイリオ" panose="020B0604030504040204" pitchFamily="50" charset="-128"/>
-              </a:rPr>
-              <a:t>審査を実施する。</a:t>
-            </a:r>
-            <a:endParaRPr lang="en-US" altLang="ja-JP" dirty="0" smtClean="0">
-              <a:latin typeface="メイリオ" panose="020B0604030504040204" pitchFamily="50" charset="-128"/>
-              <a:ea typeface="メイリオ" panose="020B0604030504040204" pitchFamily="50" charset="-128"/>
-            </a:endParaRPr>
-          </a:p>
-          <a:p>
-            <a:r>
-              <a:rPr kumimoji="1" lang="ja-JP" altLang="en-US" dirty="0" smtClean="0">
-                <a:latin typeface="メイリオ" panose="020B0604030504040204" pitchFamily="50" charset="-128"/>
-                <a:ea typeface="メイリオ" panose="020B0604030504040204" pitchFamily="50" charset="-128"/>
-              </a:rPr>
-              <a:t>・各工程の途中で、</a:t>
-            </a:r>
-            <a:r>
-              <a:rPr kumimoji="1" lang="en-US" altLang="ja-JP" dirty="0" smtClean="0">
-                <a:latin typeface="メイリオ" panose="020B0604030504040204" pitchFamily="50" charset="-128"/>
-                <a:ea typeface="メイリオ" panose="020B0604030504040204" pitchFamily="50" charset="-128"/>
-              </a:rPr>
-              <a:t>Exit</a:t>
-            </a:r>
-            <a:r>
-              <a:rPr kumimoji="1" lang="ja-JP" altLang="en-US" dirty="0" smtClean="0">
-                <a:latin typeface="メイリオ" panose="020B0604030504040204" pitchFamily="50" charset="-128"/>
-                <a:ea typeface="メイリオ" panose="020B0604030504040204" pitchFamily="50" charset="-128"/>
-              </a:rPr>
-              <a:t>クライテリア項目の途上確認を実施する。</a:t>
-            </a:r>
-            <a:endParaRPr kumimoji="1" lang="en-US" altLang="ja-JP" dirty="0" smtClean="0">
-              <a:latin typeface="メイリオ" panose="020B0604030504040204" pitchFamily="50" charset="-128"/>
-              <a:ea typeface="メイリオ" panose="020B0604030504040204" pitchFamily="50" charset="-128"/>
-            </a:endParaRPr>
-          </a:p>
-          <a:p>
-            <a:r>
-              <a:rPr lang="ja-JP" altLang="en-US" dirty="0" smtClean="0">
-                <a:latin typeface="メイリオ" panose="020B0604030504040204" pitchFamily="50" charset="-128"/>
-                <a:ea typeface="メイリオ" panose="020B0604030504040204" pitchFamily="50" charset="-128"/>
-              </a:rPr>
-              <a:t>・各工程の途中で、次工程の</a:t>
-            </a:r>
-            <a:r>
-              <a:rPr lang="en-US" altLang="ja-JP" dirty="0" smtClean="0">
-                <a:latin typeface="メイリオ" panose="020B0604030504040204" pitchFamily="50" charset="-128"/>
-                <a:ea typeface="メイリオ" panose="020B0604030504040204" pitchFamily="50" charset="-128"/>
-              </a:rPr>
-              <a:t>Entry</a:t>
-            </a:r>
-            <a:r>
-              <a:rPr lang="ja-JP" altLang="en-US" dirty="0" smtClean="0">
-                <a:latin typeface="メイリオ" panose="020B0604030504040204" pitchFamily="50" charset="-128"/>
-                <a:ea typeface="メイリオ" panose="020B0604030504040204" pitchFamily="50" charset="-128"/>
-              </a:rPr>
-              <a:t>クライテリア項目の途上確認を実施する。</a:t>
-            </a:r>
-          </a:p>
-          <a:p>
+              <a:t>クライテリア審査を実施する。</a:t>
+            </a:r>
             <a:endParaRPr lang="en-US" altLang="ja-JP" dirty="0">
               <a:latin typeface="メイリオ" panose="020B0604030504040204" pitchFamily="50" charset="-128"/>
               <a:ea typeface="メイリオ" panose="020B0604030504040204" pitchFamily="50" charset="-128"/>
             </a:endParaRPr>
           </a:p>
+          <a:p>
+            <a:r>
+              <a:rPr kumimoji="1" lang="ja-JP" altLang="en-US" dirty="0">
+                <a:latin typeface="メイリオ" panose="020B0604030504040204" pitchFamily="50" charset="-128"/>
+                <a:ea typeface="メイリオ" panose="020B0604030504040204" pitchFamily="50" charset="-128"/>
+              </a:rPr>
+              <a:t>・各工程の途中で、</a:t>
+            </a:r>
+            <a:r>
+              <a:rPr kumimoji="1" lang="en-US" altLang="ja-JP" dirty="0">
+                <a:latin typeface="メイリオ" panose="020B0604030504040204" pitchFamily="50" charset="-128"/>
+                <a:ea typeface="メイリオ" panose="020B0604030504040204" pitchFamily="50" charset="-128"/>
+              </a:rPr>
+              <a:t>Exit</a:t>
+            </a:r>
+            <a:r>
+              <a:rPr kumimoji="1" lang="ja-JP" altLang="en-US" dirty="0">
+                <a:latin typeface="メイリオ" panose="020B0604030504040204" pitchFamily="50" charset="-128"/>
+                <a:ea typeface="メイリオ" panose="020B0604030504040204" pitchFamily="50" charset="-128"/>
+              </a:rPr>
+              <a:t>クライテリア項目の途上確認を実施する。</a:t>
+            </a:r>
+            <a:endParaRPr kumimoji="1" lang="en-US" altLang="ja-JP" dirty="0">
+              <a:latin typeface="メイリオ" panose="020B0604030504040204" pitchFamily="50" charset="-128"/>
+              <a:ea typeface="メイリオ" panose="020B0604030504040204" pitchFamily="50" charset="-128"/>
+            </a:endParaRPr>
+          </a:p>
+          <a:p>
+            <a:r>
+              <a:rPr lang="ja-JP" altLang="en-US" dirty="0">
+                <a:latin typeface="メイリオ" panose="020B0604030504040204" pitchFamily="50" charset="-128"/>
+                <a:ea typeface="メイリオ" panose="020B0604030504040204" pitchFamily="50" charset="-128"/>
+              </a:rPr>
+              <a:t>・各工程の途中で、次工程の</a:t>
+            </a:r>
+            <a:r>
+              <a:rPr lang="en-US" altLang="ja-JP" dirty="0">
+                <a:latin typeface="メイリオ" panose="020B0604030504040204" pitchFamily="50" charset="-128"/>
+                <a:ea typeface="メイリオ" panose="020B0604030504040204" pitchFamily="50" charset="-128"/>
+              </a:rPr>
+              <a:t>Entry</a:t>
+            </a:r>
+            <a:r>
+              <a:rPr lang="ja-JP" altLang="en-US" dirty="0">
+                <a:latin typeface="メイリオ" panose="020B0604030504040204" pitchFamily="50" charset="-128"/>
+                <a:ea typeface="メイリオ" panose="020B0604030504040204" pitchFamily="50" charset="-128"/>
+              </a:rPr>
+              <a:t>クライテリア項目の途上確認を実施する。</a:t>
+            </a:r>
+          </a:p>
+          <a:p>
+            <a:endParaRPr lang="en-US" altLang="ja-JP" dirty="0">
+              <a:latin typeface="メイリオ" panose="020B0604030504040204" pitchFamily="50" charset="-128"/>
+              <a:ea typeface="メイリオ" panose="020B0604030504040204" pitchFamily="50" charset="-128"/>
+            </a:endParaRPr>
+          </a:p>
         </p:txBody>
       </p:sp>
       <p:sp>
@@ -5932,30 +5619,26 @@
           <a:lstStyle/>
           <a:p>
             <a:r>
-              <a:rPr kumimoji="1" lang="ja-JP" altLang="en-US" dirty="0" smtClean="0">
+              <a:rPr kumimoji="1" lang="ja-JP" altLang="en-US" dirty="0">
                 <a:latin typeface="メイリオ" panose="020B0604030504040204" pitchFamily="50" charset="-128"/>
                 <a:ea typeface="メイリオ" panose="020B0604030504040204" pitchFamily="50" charset="-128"/>
               </a:rPr>
               <a:t>ウォーターフォール開発（</a:t>
             </a:r>
             <a:r>
-              <a:rPr kumimoji="1" lang="en-US" altLang="ja-JP" dirty="0" smtClean="0">
+              <a:rPr kumimoji="1" lang="en-US" altLang="ja-JP" dirty="0">
                 <a:latin typeface="メイリオ" panose="020B0604030504040204" pitchFamily="50" charset="-128"/>
                 <a:ea typeface="メイリオ" panose="020B0604030504040204" pitchFamily="50" charset="-128"/>
               </a:rPr>
               <a:t>V</a:t>
             </a:r>
             <a:r>
-              <a:rPr kumimoji="1" lang="ja-JP" altLang="en-US" dirty="0" smtClean="0">
+              <a:rPr kumimoji="1" lang="ja-JP" altLang="en-US" dirty="0">
                 <a:latin typeface="メイリオ" panose="020B0604030504040204" pitchFamily="50" charset="-128"/>
                 <a:ea typeface="メイリオ" panose="020B0604030504040204" pitchFamily="50" charset="-128"/>
               </a:rPr>
               <a:t>字開発プロセス）の審査タイミングは以下の通り。</a:t>
             </a:r>
-            <a:endParaRPr kumimoji="1" lang="ja-JP" altLang="en-US" dirty="0">
-              <a:latin typeface="メイリオ" panose="020B0604030504040204" pitchFamily="50" charset="-128"/>
-              <a:ea typeface="メイリオ" panose="020B0604030504040204" pitchFamily="50" charset="-128"/>
-            </a:endParaRPr>
           </a:p>
         </p:txBody>
       </p:sp>
@@ -6028,16 +5711,12 @@
           <a:p>
             <a:pPr algn="ctr"/>
             <a:r>
-              <a:rPr kumimoji="1" lang="ja-JP" altLang="en-US" sz="900" dirty="0" smtClean="0">
+              <a:rPr kumimoji="1" lang="ja-JP" altLang="en-US" sz="900" dirty="0">
                 <a:latin typeface="メイリオ" panose="020B0604030504040204" pitchFamily="50" charset="-128"/>
                 <a:ea typeface="メイリオ" panose="020B0604030504040204" pitchFamily="50" charset="-128"/>
               </a:rPr>
               <a:t>要件定義</a:t>
             </a:r>
-            <a:endParaRPr kumimoji="1" lang="ja-JP" altLang="en-US" sz="900" dirty="0">
-              <a:latin typeface="メイリオ" panose="020B0604030504040204" pitchFamily="50" charset="-128"/>
-              <a:ea typeface="メイリオ" panose="020B0604030504040204" pitchFamily="50" charset="-128"/>
-            </a:endParaRPr>
           </a:p>
         </p:txBody>
       </p:sp>
@@ -6076,16 +5755,12 @@
           <a:p>
             <a:pPr algn="ctr"/>
             <a:r>
-              <a:rPr kumimoji="1" lang="ja-JP" altLang="en-US" sz="900" dirty="0" smtClean="0">
+              <a:rPr kumimoji="1" lang="ja-JP" altLang="en-US" sz="900" dirty="0">
                 <a:latin typeface="メイリオ" panose="020B0604030504040204" pitchFamily="50" charset="-128"/>
                 <a:ea typeface="メイリオ" panose="020B0604030504040204" pitchFamily="50" charset="-128"/>
               </a:rPr>
               <a:t>外部設計</a:t>
             </a:r>
-            <a:endParaRPr kumimoji="1" lang="ja-JP" altLang="en-US" sz="900" dirty="0">
-              <a:latin typeface="メイリオ" panose="020B0604030504040204" pitchFamily="50" charset="-128"/>
-              <a:ea typeface="メイリオ" panose="020B0604030504040204" pitchFamily="50" charset="-128"/>
-            </a:endParaRPr>
           </a:p>
         </p:txBody>
       </p:sp>
@@ -6124,16 +5799,12 @@
           <a:p>
             <a:pPr algn="ctr"/>
             <a:r>
-              <a:rPr kumimoji="1" lang="ja-JP" altLang="en-US" sz="900" dirty="0" smtClean="0">
+              <a:rPr kumimoji="1" lang="ja-JP" altLang="en-US" sz="900" dirty="0">
                 <a:latin typeface="メイリオ" panose="020B0604030504040204" pitchFamily="50" charset="-128"/>
                 <a:ea typeface="メイリオ" panose="020B0604030504040204" pitchFamily="50" charset="-128"/>
               </a:rPr>
               <a:t>内部設計</a:t>
             </a:r>
-            <a:endParaRPr kumimoji="1" lang="ja-JP" altLang="en-US" sz="900" dirty="0">
-              <a:latin typeface="メイリオ" panose="020B0604030504040204" pitchFamily="50" charset="-128"/>
-              <a:ea typeface="メイリオ" panose="020B0604030504040204" pitchFamily="50" charset="-128"/>
-            </a:endParaRPr>
           </a:p>
         </p:txBody>
       </p:sp>
@@ -6172,16 +5843,12 @@
           <a:p>
             <a:pPr algn="ctr"/>
             <a:r>
-              <a:rPr kumimoji="1" lang="ja-JP" altLang="en-US" sz="900" dirty="0" smtClean="0">
+              <a:rPr kumimoji="1" lang="ja-JP" altLang="en-US" sz="900" dirty="0">
                 <a:latin typeface="メイリオ" panose="020B0604030504040204" pitchFamily="50" charset="-128"/>
                 <a:ea typeface="メイリオ" panose="020B0604030504040204" pitchFamily="50" charset="-128"/>
               </a:rPr>
               <a:t>プログラミング</a:t>
             </a:r>
-            <a:endParaRPr kumimoji="1" lang="ja-JP" altLang="en-US" sz="900" dirty="0">
-              <a:latin typeface="メイリオ" panose="020B0604030504040204" pitchFamily="50" charset="-128"/>
-              <a:ea typeface="メイリオ" panose="020B0604030504040204" pitchFamily="50" charset="-128"/>
-            </a:endParaRPr>
           </a:p>
         </p:txBody>
       </p:sp>
@@ -6220,16 +5887,12 @@
           <a:p>
             <a:pPr algn="ctr"/>
             <a:r>
-              <a:rPr kumimoji="1" lang="ja-JP" altLang="en-US" sz="900" dirty="0" smtClean="0">
+              <a:rPr kumimoji="1" lang="ja-JP" altLang="en-US" sz="900" dirty="0">
                 <a:latin typeface="メイリオ" panose="020B0604030504040204" pitchFamily="50" charset="-128"/>
                 <a:ea typeface="メイリオ" panose="020B0604030504040204" pitchFamily="50" charset="-128"/>
               </a:rPr>
               <a:t>結合テスト</a:t>
             </a:r>
-            <a:endParaRPr kumimoji="1" lang="ja-JP" altLang="en-US" sz="900" dirty="0">
-              <a:latin typeface="メイリオ" panose="020B0604030504040204" pitchFamily="50" charset="-128"/>
-              <a:ea typeface="メイリオ" panose="020B0604030504040204" pitchFamily="50" charset="-128"/>
-            </a:endParaRPr>
           </a:p>
         </p:txBody>
       </p:sp>
@@ -6268,16 +5931,12 @@
           <a:p>
             <a:pPr algn="ctr"/>
             <a:r>
-              <a:rPr kumimoji="1" lang="ja-JP" altLang="en-US" sz="900" dirty="0" smtClean="0">
+              <a:rPr kumimoji="1" lang="ja-JP" altLang="en-US" sz="900" dirty="0">
                 <a:latin typeface="メイリオ" panose="020B0604030504040204" pitchFamily="50" charset="-128"/>
                 <a:ea typeface="メイリオ" panose="020B0604030504040204" pitchFamily="50" charset="-128"/>
               </a:rPr>
               <a:t>システムテスト</a:t>
             </a:r>
-            <a:endParaRPr kumimoji="1" lang="ja-JP" altLang="en-US" sz="900" dirty="0">
-              <a:latin typeface="メイリオ" panose="020B0604030504040204" pitchFamily="50" charset="-128"/>
-              <a:ea typeface="メイリオ" panose="020B0604030504040204" pitchFamily="50" charset="-128"/>
-            </a:endParaRPr>
           </a:p>
         </p:txBody>
       </p:sp>
@@ -6316,7 +5975,7 @@
           <a:p>
             <a:pPr algn="ctr"/>
             <a:r>
-              <a:rPr lang="ja-JP" altLang="en-US" sz="900" dirty="0" smtClean="0">
+              <a:rPr lang="ja-JP" altLang="en-US" sz="900" dirty="0">
                 <a:latin typeface="メイリオ" panose="020B0604030504040204" pitchFamily="50" charset="-128"/>
                 <a:ea typeface="メイリオ" panose="020B0604030504040204" pitchFamily="50" charset="-128"/>
               </a:rPr>
@@ -6352,11 +6011,58 @@
           <a:lstStyle/>
           <a:p>
             <a:r>
-              <a:rPr kumimoji="1" lang="ja-JP" altLang="en-US" sz="800" dirty="0" smtClean="0">
+              <a:rPr kumimoji="1" lang="ja-JP" altLang="en-US" sz="800" dirty="0">
                 <a:latin typeface="メイリオ" panose="020B0604030504040204" pitchFamily="50" charset="-128"/>
                 <a:ea typeface="メイリオ" panose="020B0604030504040204" pitchFamily="50" charset="-128"/>
               </a:rPr>
               <a:t>数ヵ月～数年</a:t>
+            </a:r>
+          </a:p>
+        </p:txBody>
+      </p:sp>
+      <p:sp>
+        <p:nvSpPr>
+          <p:cNvPr id="28" name="テキスト ボックス 27"/>
+          <p:cNvSpPr txBox="1"/>
+          <p:nvPr/>
+        </p:nvSpPr>
+        <p:spPr>
+          <a:xfrm>
+            <a:off x="539552" y="4089565"/>
+            <a:ext cx="450764" cy="338554"/>
+          </a:xfrm>
+          <a:prstGeom prst="rect">
+            <a:avLst/>
+          </a:prstGeom>
+          <a:noFill/>
+        </p:spPr>
+        <p:txBody>
+          <a:bodyPr wrap="none" rtlCol="0">
+            <a:spAutoFit/>
+          </a:bodyPr>
+          <a:lstStyle/>
+          <a:p>
+            <a:pPr algn="ctr"/>
+            <a:r>
+              <a:rPr kumimoji="1" lang="ja-JP" altLang="en-US" sz="800" dirty="0">
+                <a:latin typeface="メイリオ" panose="020B0604030504040204" pitchFamily="50" charset="-128"/>
+                <a:ea typeface="メイリオ" panose="020B0604030504040204" pitchFamily="50" charset="-128"/>
+              </a:rPr>
+              <a:t>▲</a:t>
+            </a:r>
+            <a:endParaRPr kumimoji="1" lang="en-US" altLang="ja-JP" sz="800" dirty="0">
+              <a:latin typeface="メイリオ" panose="020B0604030504040204" pitchFamily="50" charset="-128"/>
+              <a:ea typeface="メイリオ" panose="020B0604030504040204" pitchFamily="50" charset="-128"/>
+            </a:endParaRPr>
+          </a:p>
+          <a:p>
+            <a:pPr algn="ctr"/>
+            <a:r>
+              <a:rPr lang="en-US" altLang="ja-JP" sz="800" dirty="0">
+                <a:latin typeface="メイリオ" panose="020B0604030504040204" pitchFamily="50" charset="-128"/>
+                <a:ea typeface="メイリオ" panose="020B0604030504040204" pitchFamily="50" charset="-128"/>
+              </a:rPr>
+              <a:t>Entry</a:t>
             </a:r>
             <a:endParaRPr kumimoji="1" lang="ja-JP" altLang="en-US" sz="800" dirty="0">
               <a:latin typeface="メイリオ" panose="020B0604030504040204" pitchFamily="50" charset="-128"/>
@@ -6367,13 +6073,13 @@
       </p:sp>
       <p:sp>
         <p:nvSpPr>
-          <p:cNvPr id="28" name="テキスト ボックス 27"/>
+          <p:cNvPr id="29" name="テキスト ボックス 28"/>
           <p:cNvSpPr txBox="1"/>
           <p:nvPr/>
         </p:nvSpPr>
         <p:spPr>
           <a:xfrm>
-            <a:off x="539552" y="4089565"/>
+            <a:off x="1672964" y="4386590"/>
             <a:ext cx="450764" cy="338554"/>
           </a:xfrm>
           <a:prstGeom prst="rect">
@@ -6389,13 +6095,13 @@
           <a:p>
             <a:pPr algn="ctr"/>
             <a:r>
-              <a:rPr kumimoji="1" lang="ja-JP" altLang="en-US" sz="800" dirty="0" smtClean="0">
+              <a:rPr kumimoji="1" lang="ja-JP" altLang="en-US" sz="800" dirty="0">
                 <a:latin typeface="メイリオ" panose="020B0604030504040204" pitchFamily="50" charset="-128"/>
                 <a:ea typeface="メイリオ" panose="020B0604030504040204" pitchFamily="50" charset="-128"/>
               </a:rPr>
               <a:t>▲</a:t>
             </a:r>
-            <a:endParaRPr kumimoji="1" lang="en-US" altLang="ja-JP" sz="800" dirty="0" smtClean="0">
+            <a:endParaRPr kumimoji="1" lang="en-US" altLang="ja-JP" sz="800" dirty="0">
               <a:latin typeface="メイリオ" panose="020B0604030504040204" pitchFamily="50" charset="-128"/>
               <a:ea typeface="メイリオ" panose="020B0604030504040204" pitchFamily="50" charset="-128"/>
             </a:endParaRPr>
@@ -6403,7 +6109,7 @@
           <a:p>
             <a:pPr algn="ctr"/>
             <a:r>
-              <a:rPr lang="en-US" altLang="ja-JP" sz="800" dirty="0" smtClean="0">
+              <a:rPr lang="en-US" altLang="ja-JP" sz="800" dirty="0">
                 <a:latin typeface="メイリオ" panose="020B0604030504040204" pitchFamily="50" charset="-128"/>
                 <a:ea typeface="メイリオ" panose="020B0604030504040204" pitchFamily="50" charset="-128"/>
               </a:rPr>
@@ -6418,13 +6124,13 @@
       </p:sp>
       <p:sp>
         <p:nvSpPr>
-          <p:cNvPr id="29" name="テキスト ボックス 28"/>
+          <p:cNvPr id="30" name="テキスト ボックス 29"/>
           <p:cNvSpPr txBox="1"/>
           <p:nvPr/>
         </p:nvSpPr>
         <p:spPr>
           <a:xfrm>
-            <a:off x="1672964" y="4386590"/>
+            <a:off x="2771800" y="4674622"/>
             <a:ext cx="450764" cy="338554"/>
           </a:xfrm>
           <a:prstGeom prst="rect">
@@ -6440,13 +6146,13 @@
           <a:p>
             <a:pPr algn="ctr"/>
             <a:r>
-              <a:rPr kumimoji="1" lang="ja-JP" altLang="en-US" sz="800" dirty="0" smtClean="0">
+              <a:rPr kumimoji="1" lang="ja-JP" altLang="en-US" sz="800" dirty="0">
                 <a:latin typeface="メイリオ" panose="020B0604030504040204" pitchFamily="50" charset="-128"/>
                 <a:ea typeface="メイリオ" panose="020B0604030504040204" pitchFamily="50" charset="-128"/>
               </a:rPr>
               <a:t>▲</a:t>
             </a:r>
-            <a:endParaRPr kumimoji="1" lang="en-US" altLang="ja-JP" sz="800" dirty="0" smtClean="0">
+            <a:endParaRPr kumimoji="1" lang="en-US" altLang="ja-JP" sz="800" dirty="0">
               <a:latin typeface="メイリオ" panose="020B0604030504040204" pitchFamily="50" charset="-128"/>
               <a:ea typeface="メイリオ" panose="020B0604030504040204" pitchFamily="50" charset="-128"/>
             </a:endParaRPr>
@@ -6454,7 +6160,7 @@
           <a:p>
             <a:pPr algn="ctr"/>
             <a:r>
-              <a:rPr lang="en-US" altLang="ja-JP" sz="800" dirty="0" smtClean="0">
+              <a:rPr lang="en-US" altLang="ja-JP" sz="800" dirty="0">
                 <a:latin typeface="メイリオ" panose="020B0604030504040204" pitchFamily="50" charset="-128"/>
                 <a:ea typeface="メイリオ" panose="020B0604030504040204" pitchFamily="50" charset="-128"/>
               </a:rPr>
@@ -6469,13 +6175,13 @@
       </p:sp>
       <p:sp>
         <p:nvSpPr>
-          <p:cNvPr id="30" name="テキスト ボックス 29"/>
+          <p:cNvPr id="31" name="テキスト ボックス 30"/>
           <p:cNvSpPr txBox="1"/>
           <p:nvPr/>
         </p:nvSpPr>
         <p:spPr>
           <a:xfrm>
-            <a:off x="2771800" y="4674622"/>
+            <a:off x="3905212" y="4962654"/>
             <a:ext cx="450764" cy="338554"/>
           </a:xfrm>
           <a:prstGeom prst="rect">
@@ -6491,13 +6197,13 @@
           <a:p>
             <a:pPr algn="ctr"/>
             <a:r>
-              <a:rPr kumimoji="1" lang="ja-JP" altLang="en-US" sz="800" dirty="0" smtClean="0">
+              <a:rPr kumimoji="1" lang="ja-JP" altLang="en-US" sz="800" dirty="0">
                 <a:latin typeface="メイリオ" panose="020B0604030504040204" pitchFamily="50" charset="-128"/>
                 <a:ea typeface="メイリオ" panose="020B0604030504040204" pitchFamily="50" charset="-128"/>
               </a:rPr>
               <a:t>▲</a:t>
             </a:r>
-            <a:endParaRPr kumimoji="1" lang="en-US" altLang="ja-JP" sz="800" dirty="0" smtClean="0">
+            <a:endParaRPr kumimoji="1" lang="en-US" altLang="ja-JP" sz="800" dirty="0">
               <a:latin typeface="メイリオ" panose="020B0604030504040204" pitchFamily="50" charset="-128"/>
               <a:ea typeface="メイリオ" panose="020B0604030504040204" pitchFamily="50" charset="-128"/>
             </a:endParaRPr>
@@ -6505,7 +6211,7 @@
           <a:p>
             <a:pPr algn="ctr"/>
             <a:r>
-              <a:rPr lang="en-US" altLang="ja-JP" sz="800" dirty="0" smtClean="0">
+              <a:rPr lang="en-US" altLang="ja-JP" sz="800" dirty="0">
                 <a:latin typeface="メイリオ" panose="020B0604030504040204" pitchFamily="50" charset="-128"/>
                 <a:ea typeface="メイリオ" panose="020B0604030504040204" pitchFamily="50" charset="-128"/>
               </a:rPr>
@@ -6520,13 +6226,13 @@
       </p:sp>
       <p:sp>
         <p:nvSpPr>
-          <p:cNvPr id="31" name="テキスト ボックス 30"/>
+          <p:cNvPr id="32" name="テキスト ボックス 31"/>
           <p:cNvSpPr txBox="1"/>
           <p:nvPr/>
         </p:nvSpPr>
         <p:spPr>
           <a:xfrm>
-            <a:off x="3905212" y="4962654"/>
+            <a:off x="5004048" y="5229200"/>
             <a:ext cx="450764" cy="338554"/>
           </a:xfrm>
           <a:prstGeom prst="rect">
@@ -6542,13 +6248,13 @@
           <a:p>
             <a:pPr algn="ctr"/>
             <a:r>
-              <a:rPr kumimoji="1" lang="ja-JP" altLang="en-US" sz="800" dirty="0" smtClean="0">
+              <a:rPr kumimoji="1" lang="ja-JP" altLang="en-US" sz="800" dirty="0">
                 <a:latin typeface="メイリオ" panose="020B0604030504040204" pitchFamily="50" charset="-128"/>
                 <a:ea typeface="メイリオ" panose="020B0604030504040204" pitchFamily="50" charset="-128"/>
               </a:rPr>
               <a:t>▲</a:t>
             </a:r>
-            <a:endParaRPr kumimoji="1" lang="en-US" altLang="ja-JP" sz="800" dirty="0" smtClean="0">
+            <a:endParaRPr kumimoji="1" lang="en-US" altLang="ja-JP" sz="800" dirty="0">
               <a:latin typeface="メイリオ" panose="020B0604030504040204" pitchFamily="50" charset="-128"/>
               <a:ea typeface="メイリオ" panose="020B0604030504040204" pitchFamily="50" charset="-128"/>
             </a:endParaRPr>
@@ -6556,7 +6262,7 @@
           <a:p>
             <a:pPr algn="ctr"/>
             <a:r>
-              <a:rPr lang="en-US" altLang="ja-JP" sz="800" dirty="0" smtClean="0">
+              <a:rPr lang="en-US" altLang="ja-JP" sz="800" dirty="0">
                 <a:latin typeface="メイリオ" panose="020B0604030504040204" pitchFamily="50" charset="-128"/>
                 <a:ea typeface="メイリオ" panose="020B0604030504040204" pitchFamily="50" charset="-128"/>
               </a:rPr>
@@ -6571,13 +6277,13 @@
       </p:sp>
       <p:sp>
         <p:nvSpPr>
-          <p:cNvPr id="32" name="テキスト ボックス 31"/>
+          <p:cNvPr id="33" name="テキスト ボックス 32"/>
           <p:cNvSpPr txBox="1"/>
           <p:nvPr/>
         </p:nvSpPr>
         <p:spPr>
           <a:xfrm>
-            <a:off x="5004048" y="5229200"/>
+            <a:off x="6137460" y="5538718"/>
             <a:ext cx="450764" cy="338554"/>
           </a:xfrm>
           <a:prstGeom prst="rect">
@@ -6593,13 +6299,13 @@
           <a:p>
             <a:pPr algn="ctr"/>
             <a:r>
-              <a:rPr kumimoji="1" lang="ja-JP" altLang="en-US" sz="800" dirty="0" smtClean="0">
+              <a:rPr kumimoji="1" lang="ja-JP" altLang="en-US" sz="800" dirty="0">
                 <a:latin typeface="メイリオ" panose="020B0604030504040204" pitchFamily="50" charset="-128"/>
                 <a:ea typeface="メイリオ" panose="020B0604030504040204" pitchFamily="50" charset="-128"/>
               </a:rPr>
               <a:t>▲</a:t>
             </a:r>
-            <a:endParaRPr kumimoji="1" lang="en-US" altLang="ja-JP" sz="800" dirty="0" smtClean="0">
+            <a:endParaRPr kumimoji="1" lang="en-US" altLang="ja-JP" sz="800" dirty="0">
               <a:latin typeface="メイリオ" panose="020B0604030504040204" pitchFamily="50" charset="-128"/>
               <a:ea typeface="メイリオ" panose="020B0604030504040204" pitchFamily="50" charset="-128"/>
             </a:endParaRPr>
@@ -6607,7 +6313,7 @@
           <a:p>
             <a:pPr algn="ctr"/>
             <a:r>
-              <a:rPr lang="en-US" altLang="ja-JP" sz="800" dirty="0" smtClean="0">
+              <a:rPr lang="en-US" altLang="ja-JP" sz="800" dirty="0">
                 <a:latin typeface="メイリオ" panose="020B0604030504040204" pitchFamily="50" charset="-128"/>
                 <a:ea typeface="メイリオ" panose="020B0604030504040204" pitchFamily="50" charset="-128"/>
               </a:rPr>
@@ -6622,13 +6328,13 @@
       </p:sp>
       <p:sp>
         <p:nvSpPr>
-          <p:cNvPr id="33" name="テキスト ボックス 32"/>
+          <p:cNvPr id="34" name="テキスト ボックス 33"/>
           <p:cNvSpPr txBox="1"/>
           <p:nvPr/>
         </p:nvSpPr>
         <p:spPr>
           <a:xfrm>
-            <a:off x="6137460" y="5538718"/>
+            <a:off x="7217580" y="5826750"/>
             <a:ext cx="450764" cy="338554"/>
           </a:xfrm>
           <a:prstGeom prst="rect">
@@ -6644,13 +6350,13 @@
           <a:p>
             <a:pPr algn="ctr"/>
             <a:r>
-              <a:rPr kumimoji="1" lang="ja-JP" altLang="en-US" sz="800" dirty="0" smtClean="0">
+              <a:rPr kumimoji="1" lang="ja-JP" altLang="en-US" sz="800" dirty="0">
                 <a:latin typeface="メイリオ" panose="020B0604030504040204" pitchFamily="50" charset="-128"/>
                 <a:ea typeface="メイリオ" panose="020B0604030504040204" pitchFamily="50" charset="-128"/>
               </a:rPr>
               <a:t>▲</a:t>
             </a:r>
-            <a:endParaRPr kumimoji="1" lang="en-US" altLang="ja-JP" sz="800" dirty="0" smtClean="0">
+            <a:endParaRPr kumimoji="1" lang="en-US" altLang="ja-JP" sz="800" dirty="0">
               <a:latin typeface="メイリオ" panose="020B0604030504040204" pitchFamily="50" charset="-128"/>
               <a:ea typeface="メイリオ" panose="020B0604030504040204" pitchFamily="50" charset="-128"/>
             </a:endParaRPr>
@@ -6658,7 +6364,7 @@
           <a:p>
             <a:pPr algn="ctr"/>
             <a:r>
-              <a:rPr lang="en-US" altLang="ja-JP" sz="800" dirty="0" smtClean="0">
+              <a:rPr lang="en-US" altLang="ja-JP" sz="800" dirty="0">
                 <a:latin typeface="メイリオ" panose="020B0604030504040204" pitchFamily="50" charset="-128"/>
                 <a:ea typeface="メイリオ" panose="020B0604030504040204" pitchFamily="50" charset="-128"/>
               </a:rPr>
@@ -6673,14 +6379,14 @@
       </p:sp>
       <p:sp>
         <p:nvSpPr>
-          <p:cNvPr id="34" name="テキスト ボックス 33"/>
+          <p:cNvPr id="35" name="テキスト ボックス 34"/>
           <p:cNvSpPr txBox="1"/>
           <p:nvPr/>
         </p:nvSpPr>
         <p:spPr>
           <a:xfrm>
-            <a:off x="7217580" y="5826750"/>
-            <a:ext cx="450764" cy="338554"/>
+            <a:off x="1582128" y="4099550"/>
+            <a:ext cx="381836" cy="338554"/>
           </a:xfrm>
           <a:prstGeom prst="rect">
             <a:avLst/>
@@ -6695,13 +6401,13 @@
           <a:p>
             <a:pPr algn="ctr"/>
             <a:r>
-              <a:rPr kumimoji="1" lang="ja-JP" altLang="en-US" sz="800" dirty="0" smtClean="0">
+              <a:rPr kumimoji="1" lang="ja-JP" altLang="en-US" sz="800" dirty="0">
                 <a:latin typeface="メイリオ" panose="020B0604030504040204" pitchFamily="50" charset="-128"/>
                 <a:ea typeface="メイリオ" panose="020B0604030504040204" pitchFamily="50" charset="-128"/>
               </a:rPr>
               <a:t>▲</a:t>
             </a:r>
-            <a:endParaRPr kumimoji="1" lang="en-US" altLang="ja-JP" sz="800" dirty="0" smtClean="0">
+            <a:endParaRPr kumimoji="1" lang="en-US" altLang="ja-JP" sz="800" dirty="0">
               <a:latin typeface="メイリオ" panose="020B0604030504040204" pitchFamily="50" charset="-128"/>
               <a:ea typeface="メイリオ" panose="020B0604030504040204" pitchFamily="50" charset="-128"/>
             </a:endParaRPr>
@@ -6709,11 +6415,11 @@
           <a:p>
             <a:pPr algn="ctr"/>
             <a:r>
-              <a:rPr lang="en-US" altLang="ja-JP" sz="800" dirty="0" smtClean="0">
-                <a:latin typeface="メイリオ" panose="020B0604030504040204" pitchFamily="50" charset="-128"/>
-                <a:ea typeface="メイリオ" panose="020B0604030504040204" pitchFamily="50" charset="-128"/>
-              </a:rPr>
-              <a:t>Entry</a:t>
+              <a:rPr lang="en-US" altLang="ja-JP" sz="800" dirty="0">
+                <a:latin typeface="メイリオ" panose="020B0604030504040204" pitchFamily="50" charset="-128"/>
+                <a:ea typeface="メイリオ" panose="020B0604030504040204" pitchFamily="50" charset="-128"/>
+              </a:rPr>
+              <a:t>Exit</a:t>
             </a:r>
             <a:endParaRPr kumimoji="1" lang="ja-JP" altLang="en-US" sz="800" dirty="0">
               <a:latin typeface="メイリオ" panose="020B0604030504040204" pitchFamily="50" charset="-128"/>
@@ -6724,13 +6430,13 @@
       </p:sp>
       <p:sp>
         <p:nvSpPr>
-          <p:cNvPr id="35" name="テキスト ボックス 34"/>
+          <p:cNvPr id="36" name="テキスト ボックス 35"/>
           <p:cNvSpPr txBox="1"/>
           <p:nvPr/>
         </p:nvSpPr>
         <p:spPr>
           <a:xfrm>
-            <a:off x="1582128" y="4099550"/>
+            <a:off x="3811444" y="4674622"/>
             <a:ext cx="381836" cy="338554"/>
           </a:xfrm>
           <a:prstGeom prst="rect">
@@ -6746,13 +6452,13 @@
           <a:p>
             <a:pPr algn="ctr"/>
             <a:r>
-              <a:rPr kumimoji="1" lang="ja-JP" altLang="en-US" sz="800" dirty="0" smtClean="0">
+              <a:rPr kumimoji="1" lang="ja-JP" altLang="en-US" sz="800" dirty="0">
                 <a:latin typeface="メイリオ" panose="020B0604030504040204" pitchFamily="50" charset="-128"/>
                 <a:ea typeface="メイリオ" panose="020B0604030504040204" pitchFamily="50" charset="-128"/>
               </a:rPr>
               <a:t>▲</a:t>
             </a:r>
-            <a:endParaRPr kumimoji="1" lang="en-US" altLang="ja-JP" sz="800" dirty="0" smtClean="0">
+            <a:endParaRPr kumimoji="1" lang="en-US" altLang="ja-JP" sz="800" dirty="0">
               <a:latin typeface="メイリオ" panose="020B0604030504040204" pitchFamily="50" charset="-128"/>
               <a:ea typeface="メイリオ" panose="020B0604030504040204" pitchFamily="50" charset="-128"/>
             </a:endParaRPr>
@@ -6760,7 +6466,7 @@
           <a:p>
             <a:pPr algn="ctr"/>
             <a:r>
-              <a:rPr lang="en-US" altLang="ja-JP" sz="800" dirty="0" smtClean="0">
+              <a:rPr lang="en-US" altLang="ja-JP" sz="800" dirty="0">
                 <a:latin typeface="メイリオ" panose="020B0604030504040204" pitchFamily="50" charset="-128"/>
                 <a:ea typeface="メイリオ" panose="020B0604030504040204" pitchFamily="50" charset="-128"/>
               </a:rPr>
@@ -6775,13 +6481,13 @@
       </p:sp>
       <p:sp>
         <p:nvSpPr>
-          <p:cNvPr id="36" name="テキスト ボックス 35"/>
+          <p:cNvPr id="37" name="テキスト ボックス 36"/>
           <p:cNvSpPr txBox="1"/>
           <p:nvPr/>
         </p:nvSpPr>
         <p:spPr>
           <a:xfrm>
-            <a:off x="3811444" y="4674622"/>
+            <a:off x="4927071" y="4962654"/>
             <a:ext cx="381836" cy="338554"/>
           </a:xfrm>
           <a:prstGeom prst="rect">
@@ -6797,13 +6503,13 @@
           <a:p>
             <a:pPr algn="ctr"/>
             <a:r>
-              <a:rPr kumimoji="1" lang="ja-JP" altLang="en-US" sz="800" dirty="0" smtClean="0">
+              <a:rPr kumimoji="1" lang="ja-JP" altLang="en-US" sz="800" dirty="0">
                 <a:latin typeface="メイリオ" panose="020B0604030504040204" pitchFamily="50" charset="-128"/>
                 <a:ea typeface="メイリオ" panose="020B0604030504040204" pitchFamily="50" charset="-128"/>
               </a:rPr>
               <a:t>▲</a:t>
             </a:r>
-            <a:endParaRPr kumimoji="1" lang="en-US" altLang="ja-JP" sz="800" dirty="0" smtClean="0">
+            <a:endParaRPr kumimoji="1" lang="en-US" altLang="ja-JP" sz="800" dirty="0">
               <a:latin typeface="メイリオ" panose="020B0604030504040204" pitchFamily="50" charset="-128"/>
               <a:ea typeface="メイリオ" panose="020B0604030504040204" pitchFamily="50" charset="-128"/>
             </a:endParaRPr>
@@ -6811,7 +6517,7 @@
           <a:p>
             <a:pPr algn="ctr"/>
             <a:r>
-              <a:rPr lang="en-US" altLang="ja-JP" sz="800" dirty="0" smtClean="0">
+              <a:rPr lang="en-US" altLang="ja-JP" sz="800" dirty="0">
                 <a:latin typeface="メイリオ" panose="020B0604030504040204" pitchFamily="50" charset="-128"/>
                 <a:ea typeface="メイリオ" panose="020B0604030504040204" pitchFamily="50" charset="-128"/>
               </a:rPr>
@@ -6826,13 +6532,13 @@
       </p:sp>
       <p:sp>
         <p:nvSpPr>
-          <p:cNvPr id="37" name="テキスト ボックス 36"/>
+          <p:cNvPr id="38" name="テキスト ボックス 37"/>
           <p:cNvSpPr txBox="1"/>
           <p:nvPr/>
         </p:nvSpPr>
         <p:spPr>
           <a:xfrm>
-            <a:off x="4927071" y="4962654"/>
+            <a:off x="6038723" y="5229200"/>
             <a:ext cx="381836" cy="338554"/>
           </a:xfrm>
           <a:prstGeom prst="rect">
@@ -6848,13 +6554,13 @@
           <a:p>
             <a:pPr algn="ctr"/>
             <a:r>
-              <a:rPr kumimoji="1" lang="ja-JP" altLang="en-US" sz="800" dirty="0" smtClean="0">
+              <a:rPr kumimoji="1" lang="ja-JP" altLang="en-US" sz="800" dirty="0">
                 <a:latin typeface="メイリオ" panose="020B0604030504040204" pitchFamily="50" charset="-128"/>
                 <a:ea typeface="メイリオ" panose="020B0604030504040204" pitchFamily="50" charset="-128"/>
               </a:rPr>
               <a:t>▲</a:t>
             </a:r>
-            <a:endParaRPr kumimoji="1" lang="en-US" altLang="ja-JP" sz="800" dirty="0" smtClean="0">
+            <a:endParaRPr kumimoji="1" lang="en-US" altLang="ja-JP" sz="800" dirty="0">
               <a:latin typeface="メイリオ" panose="020B0604030504040204" pitchFamily="50" charset="-128"/>
               <a:ea typeface="メイリオ" panose="020B0604030504040204" pitchFamily="50" charset="-128"/>
             </a:endParaRPr>
@@ -6862,7 +6568,7 @@
           <a:p>
             <a:pPr algn="ctr"/>
             <a:r>
-              <a:rPr lang="en-US" altLang="ja-JP" sz="800" dirty="0" smtClean="0">
+              <a:rPr lang="en-US" altLang="ja-JP" sz="800" dirty="0">
                 <a:latin typeface="メイリオ" panose="020B0604030504040204" pitchFamily="50" charset="-128"/>
                 <a:ea typeface="メイリオ" panose="020B0604030504040204" pitchFamily="50" charset="-128"/>
               </a:rPr>
@@ -6877,13 +6583,13 @@
       </p:sp>
       <p:sp>
         <p:nvSpPr>
-          <p:cNvPr id="38" name="テキスト ボックス 37"/>
+          <p:cNvPr id="39" name="テキスト ボックス 38"/>
           <p:cNvSpPr txBox="1"/>
           <p:nvPr/>
         </p:nvSpPr>
         <p:spPr>
           <a:xfrm>
-            <a:off x="6038723" y="5229200"/>
+            <a:off x="7151436" y="5538718"/>
             <a:ext cx="381836" cy="338554"/>
           </a:xfrm>
           <a:prstGeom prst="rect">
@@ -6899,13 +6605,13 @@
           <a:p>
             <a:pPr algn="ctr"/>
             <a:r>
-              <a:rPr kumimoji="1" lang="ja-JP" altLang="en-US" sz="800" dirty="0" smtClean="0">
+              <a:rPr kumimoji="1" lang="ja-JP" altLang="en-US" sz="800" dirty="0">
                 <a:latin typeface="メイリオ" panose="020B0604030504040204" pitchFamily="50" charset="-128"/>
                 <a:ea typeface="メイリオ" panose="020B0604030504040204" pitchFamily="50" charset="-128"/>
               </a:rPr>
               <a:t>▲</a:t>
             </a:r>
-            <a:endParaRPr kumimoji="1" lang="en-US" altLang="ja-JP" sz="800" dirty="0" smtClean="0">
+            <a:endParaRPr kumimoji="1" lang="en-US" altLang="ja-JP" sz="800" dirty="0">
               <a:latin typeface="メイリオ" panose="020B0604030504040204" pitchFamily="50" charset="-128"/>
               <a:ea typeface="メイリオ" panose="020B0604030504040204" pitchFamily="50" charset="-128"/>
             </a:endParaRPr>
@@ -6913,7 +6619,7 @@
           <a:p>
             <a:pPr algn="ctr"/>
             <a:r>
-              <a:rPr lang="en-US" altLang="ja-JP" sz="800" dirty="0" smtClean="0">
+              <a:rPr lang="en-US" altLang="ja-JP" sz="800" dirty="0">
                 <a:latin typeface="メイリオ" panose="020B0604030504040204" pitchFamily="50" charset="-128"/>
                 <a:ea typeface="メイリオ" panose="020B0604030504040204" pitchFamily="50" charset="-128"/>
               </a:rPr>
@@ -6928,13 +6634,13 @@
       </p:sp>
       <p:sp>
         <p:nvSpPr>
-          <p:cNvPr id="39" name="テキスト ボックス 38"/>
+          <p:cNvPr id="40" name="テキスト ボックス 39"/>
           <p:cNvSpPr txBox="1"/>
           <p:nvPr/>
         </p:nvSpPr>
         <p:spPr>
           <a:xfrm>
-            <a:off x="7151436" y="5538718"/>
+            <a:off x="8366628" y="5826750"/>
             <a:ext cx="381836" cy="338554"/>
           </a:xfrm>
           <a:prstGeom prst="rect">
@@ -6950,13 +6656,13 @@
           <a:p>
             <a:pPr algn="ctr"/>
             <a:r>
-              <a:rPr kumimoji="1" lang="ja-JP" altLang="en-US" sz="800" dirty="0" smtClean="0">
+              <a:rPr kumimoji="1" lang="ja-JP" altLang="en-US" sz="800" dirty="0">
                 <a:latin typeface="メイリオ" panose="020B0604030504040204" pitchFamily="50" charset="-128"/>
                 <a:ea typeface="メイリオ" panose="020B0604030504040204" pitchFamily="50" charset="-128"/>
               </a:rPr>
               <a:t>▲</a:t>
             </a:r>
-            <a:endParaRPr kumimoji="1" lang="en-US" altLang="ja-JP" sz="800" dirty="0" smtClean="0">
+            <a:endParaRPr kumimoji="1" lang="en-US" altLang="ja-JP" sz="800" dirty="0">
               <a:latin typeface="メイリオ" panose="020B0604030504040204" pitchFamily="50" charset="-128"/>
               <a:ea typeface="メイリオ" panose="020B0604030504040204" pitchFamily="50" charset="-128"/>
             </a:endParaRPr>
@@ -6964,7 +6670,7 @@
           <a:p>
             <a:pPr algn="ctr"/>
             <a:r>
-              <a:rPr lang="en-US" altLang="ja-JP" sz="800" dirty="0" smtClean="0">
+              <a:rPr lang="en-US" altLang="ja-JP" sz="800" dirty="0">
                 <a:latin typeface="メイリオ" panose="020B0604030504040204" pitchFamily="50" charset="-128"/>
                 <a:ea typeface="メイリオ" panose="020B0604030504040204" pitchFamily="50" charset="-128"/>
               </a:rPr>
@@ -6979,14 +6685,14 @@
       </p:sp>
       <p:sp>
         <p:nvSpPr>
-          <p:cNvPr id="40" name="テキスト ボックス 39"/>
+          <p:cNvPr id="42" name="テキスト ボックス 41"/>
           <p:cNvSpPr txBox="1"/>
           <p:nvPr/>
         </p:nvSpPr>
         <p:spPr>
           <a:xfrm>
-            <a:off x="8366628" y="5826750"/>
-            <a:ext cx="381836" cy="338554"/>
+            <a:off x="2701914" y="4386590"/>
+            <a:ext cx="370614" cy="338554"/>
           </a:xfrm>
           <a:prstGeom prst="rect">
             <a:avLst/>
@@ -7001,13 +6707,13 @@
           <a:p>
             <a:pPr algn="ctr"/>
             <a:r>
-              <a:rPr kumimoji="1" lang="ja-JP" altLang="en-US" sz="800" dirty="0" smtClean="0">
+              <a:rPr kumimoji="1" lang="ja-JP" altLang="en-US" sz="800" dirty="0">
                 <a:latin typeface="メイリオ" panose="020B0604030504040204" pitchFamily="50" charset="-128"/>
                 <a:ea typeface="メイリオ" panose="020B0604030504040204" pitchFamily="50" charset="-128"/>
               </a:rPr>
               <a:t>▲</a:t>
             </a:r>
-            <a:endParaRPr kumimoji="1" lang="en-US" altLang="ja-JP" sz="800" dirty="0" smtClean="0">
+            <a:endParaRPr kumimoji="1" lang="en-US" altLang="ja-JP" sz="800" dirty="0">
               <a:latin typeface="メイリオ" panose="020B0604030504040204" pitchFamily="50" charset="-128"/>
               <a:ea typeface="メイリオ" panose="020B0604030504040204" pitchFamily="50" charset="-128"/>
             </a:endParaRPr>
@@ -7015,58 +6721,7 @@
           <a:p>
             <a:pPr algn="ctr"/>
             <a:r>
-              <a:rPr lang="en-US" altLang="ja-JP" sz="800" dirty="0" smtClean="0">
-                <a:latin typeface="メイリオ" panose="020B0604030504040204" pitchFamily="50" charset="-128"/>
-                <a:ea typeface="メイリオ" panose="020B0604030504040204" pitchFamily="50" charset="-128"/>
-              </a:rPr>
-              <a:t>Exit</a:t>
-            </a:r>
-            <a:endParaRPr kumimoji="1" lang="ja-JP" altLang="en-US" sz="800" dirty="0">
-              <a:latin typeface="メイリオ" panose="020B0604030504040204" pitchFamily="50" charset="-128"/>
-              <a:ea typeface="メイリオ" panose="020B0604030504040204" pitchFamily="50" charset="-128"/>
-            </a:endParaRPr>
-          </a:p>
-        </p:txBody>
-      </p:sp>
-      <p:sp>
-        <p:nvSpPr>
-          <p:cNvPr id="42" name="テキスト ボックス 41"/>
-          <p:cNvSpPr txBox="1"/>
-          <p:nvPr/>
-        </p:nvSpPr>
-        <p:spPr>
-          <a:xfrm>
-            <a:off x="2701914" y="4386590"/>
-            <a:ext cx="370614" cy="338554"/>
-          </a:xfrm>
-          <a:prstGeom prst="rect">
-            <a:avLst/>
-          </a:prstGeom>
-          <a:noFill/>
-        </p:spPr>
-        <p:txBody>
-          <a:bodyPr wrap="none" rtlCol="0">
-            <a:spAutoFit/>
-          </a:bodyPr>
-          <a:lstStyle/>
-          <a:p>
-            <a:pPr algn="ctr"/>
-            <a:r>
-              <a:rPr kumimoji="1" lang="ja-JP" altLang="en-US" sz="800" dirty="0" smtClean="0">
-                <a:latin typeface="メイリオ" panose="020B0604030504040204" pitchFamily="50" charset="-128"/>
-                <a:ea typeface="メイリオ" panose="020B0604030504040204" pitchFamily="50" charset="-128"/>
-              </a:rPr>
-              <a:t>▲</a:t>
-            </a:r>
-            <a:endParaRPr kumimoji="1" lang="en-US" altLang="ja-JP" sz="800" dirty="0" smtClean="0">
-              <a:latin typeface="メイリオ" panose="020B0604030504040204" pitchFamily="50" charset="-128"/>
-              <a:ea typeface="メイリオ" panose="020B0604030504040204" pitchFamily="50" charset="-128"/>
-            </a:endParaRPr>
-          </a:p>
-          <a:p>
-            <a:pPr algn="ctr"/>
-            <a:r>
-              <a:rPr lang="en-US" altLang="ja-JP" sz="800" dirty="0" smtClean="0">
+              <a:rPr lang="en-US" altLang="ja-JP" sz="800" dirty="0">
                 <a:latin typeface="メイリオ" panose="020B0604030504040204" pitchFamily="50" charset="-128"/>
                 <a:ea typeface="メイリオ" panose="020B0604030504040204" pitchFamily="50" charset="-128"/>
               </a:rPr>
@@ -7089,13 +6744,6 @@
   <p:clrMapOvr>
     <a:masterClrMapping/>
   </p:clrMapOvr>
-  <p:timing>
-    <p:tnLst>
-      <p:par>
-        <p:cTn id="1" dur="indefinite" restart="never" nodeType="tmRoot"/>
-      </p:par>
-    </p:tnLst>
-  </p:timing>
 </p:sld>
 </file>
 
@@ -7138,14 +6786,11 @@
               <a:t>スクラム</a:t>
             </a:r>
             <a:r>
-              <a:rPr kumimoji="1" lang="ja-JP" altLang="en-US" dirty="0" smtClean="0">
+              <a:rPr kumimoji="1" lang="ja-JP" altLang="en-US" dirty="0">
                 <a:latin typeface="メイリオ" panose="020B0604030504040204" pitchFamily="50" charset="-128"/>
               </a:rPr>
               <a:t>開発</a:t>
             </a:r>
-            <a:endParaRPr kumimoji="1" lang="ja-JP" altLang="en-US" dirty="0">
-              <a:latin typeface="メイリオ" panose="020B0604030504040204" pitchFamily="50" charset="-128"/>
-            </a:endParaRPr>
           </a:p>
         </p:txBody>
       </p:sp>
@@ -7212,28 +6857,28 @@
           <a:lstStyle/>
           <a:p>
             <a:r>
-              <a:rPr kumimoji="1" lang="ja-JP" altLang="en-US" dirty="0" smtClean="0">
+              <a:rPr kumimoji="1" lang="ja-JP" altLang="en-US" dirty="0">
                 <a:latin typeface="メイリオ" panose="020B0604030504040204" pitchFamily="50" charset="-128"/>
                 <a:ea typeface="メイリオ" panose="020B0604030504040204" pitchFamily="50" charset="-128"/>
               </a:rPr>
               <a:t>・</a:t>
             </a:r>
             <a:r>
-              <a:rPr kumimoji="1" lang="en-US" altLang="ja-JP" dirty="0" smtClean="0">
+              <a:rPr kumimoji="1" lang="en-US" altLang="ja-JP" dirty="0">
                 <a:latin typeface="メイリオ" panose="020B0604030504040204" pitchFamily="50" charset="-128"/>
                 <a:ea typeface="メイリオ" panose="020B0604030504040204" pitchFamily="50" charset="-128"/>
               </a:rPr>
               <a:t>PJ</a:t>
             </a:r>
             <a:r>
-              <a:rPr kumimoji="1" lang="ja-JP" altLang="en-US" dirty="0" smtClean="0">
+              <a:rPr kumimoji="1" lang="ja-JP" altLang="en-US" dirty="0">
                 <a:latin typeface="メイリオ" panose="020B0604030504040204" pitchFamily="50" charset="-128"/>
                 <a:ea typeface="メイリオ" panose="020B0604030504040204" pitchFamily="50" charset="-128"/>
               </a:rPr>
               <a:t>開始前に</a:t>
             </a:r>
             <a:r>
-              <a:rPr kumimoji="1" lang="en-US" altLang="ja-JP" dirty="0" smtClean="0">
+              <a:rPr kumimoji="1" lang="en-US" altLang="ja-JP" dirty="0">
                 <a:latin typeface="メイリオ" panose="020B0604030504040204" pitchFamily="50" charset="-128"/>
                 <a:ea typeface="メイリオ" panose="020B0604030504040204" pitchFamily="50" charset="-128"/>
               </a:rPr>
@@ -7247,243 +6892,222 @@
               <a:t>クライテリア</a:t>
             </a:r>
             <a:r>
-              <a:rPr kumimoji="1" lang="ja-JP" altLang="en-US" dirty="0" smtClean="0">
+              <a:rPr kumimoji="1" lang="ja-JP" altLang="en-US" dirty="0">
                 <a:latin typeface="メイリオ" panose="020B0604030504040204" pitchFamily="50" charset="-128"/>
                 <a:ea typeface="メイリオ" panose="020B0604030504040204" pitchFamily="50" charset="-128"/>
               </a:rPr>
               <a:t>審査を実施する。</a:t>
             </a:r>
-            <a:endParaRPr kumimoji="1" lang="en-US" altLang="ja-JP" dirty="0" smtClean="0">
+            <a:endParaRPr kumimoji="1" lang="en-US" altLang="ja-JP" dirty="0">
               <a:latin typeface="メイリオ" panose="020B0604030504040204" pitchFamily="50" charset="-128"/>
               <a:ea typeface="メイリオ" panose="020B0604030504040204" pitchFamily="50" charset="-128"/>
             </a:endParaRPr>
           </a:p>
           <a:p>
             <a:r>
-              <a:rPr lang="ja-JP" altLang="en-US" dirty="0" smtClean="0">
+              <a:rPr lang="ja-JP" altLang="en-US" dirty="0">
                 <a:latin typeface="メイリオ" panose="020B0604030504040204" pitchFamily="50" charset="-128"/>
                 <a:ea typeface="メイリオ" panose="020B0604030504040204" pitchFamily="50" charset="-128"/>
               </a:rPr>
               <a:t>・スプリントゼロ終了前に</a:t>
             </a:r>
             <a:r>
-              <a:rPr lang="en-US" altLang="ja-JP" dirty="0" smtClean="0">
+              <a:rPr lang="en-US" altLang="ja-JP" dirty="0">
                 <a:latin typeface="メイリオ" panose="020B0604030504040204" pitchFamily="50" charset="-128"/>
                 <a:ea typeface="メイリオ" panose="020B0604030504040204" pitchFamily="50" charset="-128"/>
               </a:rPr>
               <a:t>Exit</a:t>
             </a:r>
             <a:r>
-              <a:rPr lang="ja-JP" altLang="en-US" dirty="0" smtClean="0">
+              <a:rPr lang="ja-JP" altLang="en-US" dirty="0">
                 <a:latin typeface="メイリオ" panose="020B0604030504040204" pitchFamily="50" charset="-128"/>
                 <a:ea typeface="メイリオ" panose="020B0604030504040204" pitchFamily="50" charset="-128"/>
               </a:rPr>
               <a:t>クライテリア審査を実施する。</a:t>
             </a:r>
-            <a:endParaRPr lang="en-US" altLang="ja-JP" dirty="0" smtClean="0">
-              <a:latin typeface="メイリオ" panose="020B0604030504040204" pitchFamily="50" charset="-128"/>
-              <a:ea typeface="メイリオ" panose="020B0604030504040204" pitchFamily="50" charset="-128"/>
-            </a:endParaRPr>
-          </a:p>
-          <a:p>
-            <a:r>
-              <a:rPr lang="ja-JP" altLang="en-US" dirty="0" smtClean="0">
-                <a:latin typeface="メイリオ" panose="020B0604030504040204" pitchFamily="50" charset="-128"/>
-                <a:ea typeface="メイリオ" panose="020B0604030504040204" pitchFamily="50" charset="-128"/>
-              </a:rPr>
-              <a:t>・スプリント開始前に</a:t>
-            </a:r>
-            <a:r>
-              <a:rPr lang="en-US" altLang="ja-JP" dirty="0" smtClean="0">
-                <a:latin typeface="メイリオ" panose="020B0604030504040204" pitchFamily="50" charset="-128"/>
-                <a:ea typeface="メイリオ" panose="020B0604030504040204" pitchFamily="50" charset="-128"/>
-              </a:rPr>
-              <a:t>Entry</a:t>
-            </a:r>
-            <a:r>
-              <a:rPr lang="ja-JP" altLang="en-US" dirty="0" smtClean="0">
-                <a:latin typeface="メイリオ" panose="020B0604030504040204" pitchFamily="50" charset="-128"/>
-                <a:ea typeface="メイリオ" panose="020B0604030504040204" pitchFamily="50" charset="-128"/>
-              </a:rPr>
-              <a:t>クライテリア審査を実施する。</a:t>
-            </a:r>
-            <a:r>
-              <a:rPr lang="en-US" altLang="ja-JP" dirty="0" smtClean="0">
-                <a:latin typeface="メイリオ" panose="020B0604030504040204" pitchFamily="50" charset="-128"/>
-                <a:ea typeface="メイリオ" panose="020B0604030504040204" pitchFamily="50" charset="-128"/>
-              </a:rPr>
-              <a:t>(※1)</a:t>
-            </a:r>
-            <a:endParaRPr kumimoji="1" lang="en-US" altLang="ja-JP" dirty="0" smtClean="0">
-              <a:latin typeface="メイリオ" panose="020B0604030504040204" pitchFamily="50" charset="-128"/>
-              <a:ea typeface="メイリオ" panose="020B0604030504040204" pitchFamily="50" charset="-128"/>
-            </a:endParaRPr>
-          </a:p>
-          <a:p>
-            <a:r>
-              <a:rPr lang="ja-JP" altLang="en-US" dirty="0" smtClean="0">
-                <a:latin typeface="メイリオ" panose="020B0604030504040204" pitchFamily="50" charset="-128"/>
-                <a:ea typeface="メイリオ" panose="020B0604030504040204" pitchFamily="50" charset="-128"/>
-              </a:rPr>
-              <a:t>・スプリント終了前に</a:t>
-            </a:r>
-            <a:r>
-              <a:rPr lang="en-US" altLang="ja-JP" dirty="0" smtClean="0">
-                <a:latin typeface="メイリオ" panose="020B0604030504040204" pitchFamily="50" charset="-128"/>
-                <a:ea typeface="メイリオ" panose="020B0604030504040204" pitchFamily="50" charset="-128"/>
-              </a:rPr>
-              <a:t>Exit</a:t>
-            </a:r>
-            <a:r>
-              <a:rPr lang="ja-JP" altLang="en-US" dirty="0" smtClean="0">
-                <a:latin typeface="メイリオ" panose="020B0604030504040204" pitchFamily="50" charset="-128"/>
-                <a:ea typeface="メイリオ" panose="020B0604030504040204" pitchFamily="50" charset="-128"/>
-              </a:rPr>
-              <a:t>クライテリア審査を実施する。</a:t>
-            </a:r>
-            <a:r>
-              <a:rPr lang="en-US" altLang="ja-JP" dirty="0">
-                <a:latin typeface="メイリオ" panose="020B0604030504040204" pitchFamily="50" charset="-128"/>
-                <a:ea typeface="メイリオ" panose="020B0604030504040204" pitchFamily="50" charset="-128"/>
-              </a:rPr>
-              <a:t> (※1</a:t>
-            </a:r>
-            <a:r>
-              <a:rPr lang="en-US" altLang="ja-JP" dirty="0" smtClean="0">
-                <a:latin typeface="メイリオ" panose="020B0604030504040204" pitchFamily="50" charset="-128"/>
-                <a:ea typeface="メイリオ" panose="020B0604030504040204" pitchFamily="50" charset="-128"/>
-              </a:rPr>
-              <a:t>)</a:t>
-            </a:r>
-          </a:p>
-          <a:p>
-            <a:r>
-              <a:rPr lang="ja-JP" altLang="en-US" dirty="0" smtClean="0">
-                <a:latin typeface="メイリオ" panose="020B0604030504040204" pitchFamily="50" charset="-128"/>
-                <a:ea typeface="メイリオ" panose="020B0604030504040204" pitchFamily="50" charset="-128"/>
-              </a:rPr>
-              <a:t>・本番リリース前に</a:t>
-            </a:r>
-            <a:r>
-              <a:rPr lang="en-US" altLang="ja-JP" dirty="0" smtClean="0">
-                <a:latin typeface="メイリオ" panose="020B0604030504040204" pitchFamily="50" charset="-128"/>
-                <a:ea typeface="メイリオ" panose="020B0604030504040204" pitchFamily="50" charset="-128"/>
-              </a:rPr>
-              <a:t>Entry</a:t>
-            </a:r>
-            <a:r>
-              <a:rPr lang="ja-JP" altLang="en-US" dirty="0" smtClean="0">
-                <a:latin typeface="メイリオ" panose="020B0604030504040204" pitchFamily="50" charset="-128"/>
-                <a:ea typeface="メイリオ" panose="020B0604030504040204" pitchFamily="50" charset="-128"/>
-              </a:rPr>
-              <a:t>クライテリア審査を実施する。</a:t>
-            </a:r>
-            <a:endParaRPr lang="en-US" altLang="ja-JP" dirty="0" smtClean="0">
-              <a:latin typeface="メイリオ" panose="020B0604030504040204" pitchFamily="50" charset="-128"/>
-              <a:ea typeface="メイリオ" panose="020B0604030504040204" pitchFamily="50" charset="-128"/>
-            </a:endParaRPr>
-          </a:p>
-          <a:p>
-            <a:r>
-              <a:rPr lang="ja-JP" altLang="en-US" dirty="0" smtClean="0">
-                <a:latin typeface="メイリオ" panose="020B0604030504040204" pitchFamily="50" charset="-128"/>
-                <a:ea typeface="メイリオ" panose="020B0604030504040204" pitchFamily="50" charset="-128"/>
-              </a:rPr>
-              <a:t>・本番リリース後に</a:t>
-            </a:r>
-            <a:r>
-              <a:rPr lang="en-US" altLang="ja-JP" dirty="0" smtClean="0">
-                <a:latin typeface="メイリオ" panose="020B0604030504040204" pitchFamily="50" charset="-128"/>
-                <a:ea typeface="メイリオ" panose="020B0604030504040204" pitchFamily="50" charset="-128"/>
-              </a:rPr>
-              <a:t>Exit</a:t>
-            </a:r>
-            <a:r>
-              <a:rPr lang="ja-JP" altLang="en-US" dirty="0" smtClean="0">
-                <a:latin typeface="メイリオ" panose="020B0604030504040204" pitchFamily="50" charset="-128"/>
-                <a:ea typeface="メイリオ" panose="020B0604030504040204" pitchFamily="50" charset="-128"/>
-              </a:rPr>
-              <a:t>クライテリア審査を実施する。</a:t>
-            </a:r>
-            <a:endParaRPr lang="en-US" altLang="ja-JP" dirty="0" smtClean="0">
-              <a:latin typeface="メイリオ" panose="020B0604030504040204" pitchFamily="50" charset="-128"/>
-              <a:ea typeface="メイリオ" panose="020B0604030504040204" pitchFamily="50" charset="-128"/>
-            </a:endParaRPr>
-          </a:p>
-          <a:p>
-            <a:r>
-              <a:rPr kumimoji="1" lang="ja-JP" altLang="en-US" dirty="0" smtClean="0">
-                <a:latin typeface="メイリオ" panose="020B0604030504040204" pitchFamily="50" charset="-128"/>
-                <a:ea typeface="メイリオ" panose="020B0604030504040204" pitchFamily="50" charset="-128"/>
-              </a:rPr>
-              <a:t>・審査間の途中で、</a:t>
-            </a:r>
-            <a:r>
-              <a:rPr kumimoji="1" lang="en-US" altLang="ja-JP" dirty="0" smtClean="0">
-                <a:latin typeface="メイリオ" panose="020B0604030504040204" pitchFamily="50" charset="-128"/>
-                <a:ea typeface="メイリオ" panose="020B0604030504040204" pitchFamily="50" charset="-128"/>
-              </a:rPr>
-              <a:t>Exit</a:t>
-            </a:r>
-            <a:r>
-              <a:rPr kumimoji="1" lang="ja-JP" altLang="en-US" dirty="0" smtClean="0">
-                <a:latin typeface="メイリオ" panose="020B0604030504040204" pitchFamily="50" charset="-128"/>
-                <a:ea typeface="メイリオ" panose="020B0604030504040204" pitchFamily="50" charset="-128"/>
-              </a:rPr>
-              <a:t>クライテリア項目の途上確認を実施する。</a:t>
-            </a:r>
-            <a:endParaRPr kumimoji="1" lang="en-US" altLang="ja-JP" dirty="0" smtClean="0">
-              <a:latin typeface="メイリオ" panose="020B0604030504040204" pitchFamily="50" charset="-128"/>
-              <a:ea typeface="メイリオ" panose="020B0604030504040204" pitchFamily="50" charset="-128"/>
-            </a:endParaRPr>
-          </a:p>
-          <a:p>
-            <a:r>
-              <a:rPr lang="ja-JP" altLang="en-US" dirty="0" smtClean="0">
-                <a:latin typeface="メイリオ" panose="020B0604030504040204" pitchFamily="50" charset="-128"/>
-                <a:ea typeface="メイリオ" panose="020B0604030504040204" pitchFamily="50" charset="-128"/>
-              </a:rPr>
-              <a:t>・</a:t>
-            </a:r>
-            <a:r>
-              <a:rPr lang="ja-JP" altLang="en-US" dirty="0">
-                <a:latin typeface="メイリオ" panose="020B0604030504040204" pitchFamily="50" charset="-128"/>
-                <a:ea typeface="メイリオ" panose="020B0604030504040204" pitchFamily="50" charset="-128"/>
-              </a:rPr>
-              <a:t>審査間の</a:t>
-            </a:r>
-            <a:r>
-              <a:rPr lang="ja-JP" altLang="en-US" dirty="0" smtClean="0">
-                <a:latin typeface="メイリオ" panose="020B0604030504040204" pitchFamily="50" charset="-128"/>
-                <a:ea typeface="メイリオ" panose="020B0604030504040204" pitchFamily="50" charset="-128"/>
-              </a:rPr>
-              <a:t>途中で、次の</a:t>
-            </a:r>
-            <a:r>
-              <a:rPr lang="en-US" altLang="ja-JP" dirty="0" smtClean="0">
-                <a:latin typeface="メイリオ" panose="020B0604030504040204" pitchFamily="50" charset="-128"/>
-                <a:ea typeface="メイリオ" panose="020B0604030504040204" pitchFamily="50" charset="-128"/>
-              </a:rPr>
-              <a:t>Entry</a:t>
-            </a:r>
-            <a:r>
-              <a:rPr lang="ja-JP" altLang="en-US" dirty="0" smtClean="0">
-                <a:latin typeface="メイリオ" panose="020B0604030504040204" pitchFamily="50" charset="-128"/>
-                <a:ea typeface="メイリオ" panose="020B0604030504040204" pitchFamily="50" charset="-128"/>
-              </a:rPr>
-              <a:t>クライテリア項目の途上確認を実施する。</a:t>
-            </a:r>
-            <a:endParaRPr kumimoji="1" lang="en-US" altLang="ja-JP" dirty="0" smtClean="0">
-              <a:latin typeface="メイリオ" panose="020B0604030504040204" pitchFamily="50" charset="-128"/>
-              <a:ea typeface="メイリオ" panose="020B0604030504040204" pitchFamily="50" charset="-128"/>
-            </a:endParaRPr>
-          </a:p>
-          <a:p>
             <a:endParaRPr lang="en-US" altLang="ja-JP" dirty="0">
               <a:latin typeface="メイリオ" panose="020B0604030504040204" pitchFamily="50" charset="-128"/>
               <a:ea typeface="メイリオ" panose="020B0604030504040204" pitchFamily="50" charset="-128"/>
             </a:endParaRPr>
           </a:p>
+          <a:p>
+            <a:r>
+              <a:rPr lang="ja-JP" altLang="en-US" dirty="0">
+                <a:latin typeface="メイリオ" panose="020B0604030504040204" pitchFamily="50" charset="-128"/>
+                <a:ea typeface="メイリオ" panose="020B0604030504040204" pitchFamily="50" charset="-128"/>
+              </a:rPr>
+              <a:t>・スプリント開始前に</a:t>
+            </a:r>
+            <a:r>
+              <a:rPr lang="en-US" altLang="ja-JP" dirty="0">
+                <a:latin typeface="メイリオ" panose="020B0604030504040204" pitchFamily="50" charset="-128"/>
+                <a:ea typeface="メイリオ" panose="020B0604030504040204" pitchFamily="50" charset="-128"/>
+              </a:rPr>
+              <a:t>Entry</a:t>
+            </a:r>
+            <a:r>
+              <a:rPr lang="ja-JP" altLang="en-US" dirty="0">
+                <a:latin typeface="メイリオ" panose="020B0604030504040204" pitchFamily="50" charset="-128"/>
+                <a:ea typeface="メイリオ" panose="020B0604030504040204" pitchFamily="50" charset="-128"/>
+              </a:rPr>
+              <a:t>クライテリア審査を実施する。</a:t>
+            </a:r>
+            <a:r>
+              <a:rPr lang="en-US" altLang="ja-JP" dirty="0">
+                <a:latin typeface="メイリオ" panose="020B0604030504040204" pitchFamily="50" charset="-128"/>
+                <a:ea typeface="メイリオ" panose="020B0604030504040204" pitchFamily="50" charset="-128"/>
+              </a:rPr>
+              <a:t>(※1)</a:t>
+            </a:r>
+            <a:endParaRPr kumimoji="1" lang="en-US" altLang="ja-JP" dirty="0">
+              <a:latin typeface="メイリオ" panose="020B0604030504040204" pitchFamily="50" charset="-128"/>
+              <a:ea typeface="メイリオ" panose="020B0604030504040204" pitchFamily="50" charset="-128"/>
+            </a:endParaRPr>
+          </a:p>
+          <a:p>
+            <a:r>
+              <a:rPr lang="ja-JP" altLang="en-US" dirty="0">
+                <a:latin typeface="メイリオ" panose="020B0604030504040204" pitchFamily="50" charset="-128"/>
+                <a:ea typeface="メイリオ" panose="020B0604030504040204" pitchFamily="50" charset="-128"/>
+              </a:rPr>
+              <a:t>・スプリント終了前に</a:t>
+            </a:r>
+            <a:r>
+              <a:rPr lang="en-US" altLang="ja-JP" dirty="0">
+                <a:latin typeface="メイリオ" panose="020B0604030504040204" pitchFamily="50" charset="-128"/>
+                <a:ea typeface="メイリオ" panose="020B0604030504040204" pitchFamily="50" charset="-128"/>
+              </a:rPr>
+              <a:t>Exit</a:t>
+            </a:r>
+            <a:r>
+              <a:rPr lang="ja-JP" altLang="en-US" dirty="0">
+                <a:latin typeface="メイリオ" panose="020B0604030504040204" pitchFamily="50" charset="-128"/>
+                <a:ea typeface="メイリオ" panose="020B0604030504040204" pitchFamily="50" charset="-128"/>
+              </a:rPr>
+              <a:t>クライテリア審査を実施する。</a:t>
+            </a:r>
+            <a:r>
+              <a:rPr lang="en-US" altLang="ja-JP" dirty="0">
+                <a:latin typeface="メイリオ" panose="020B0604030504040204" pitchFamily="50" charset="-128"/>
+                <a:ea typeface="メイリオ" panose="020B0604030504040204" pitchFamily="50" charset="-128"/>
+              </a:rPr>
+              <a:t> (※1)</a:t>
+            </a:r>
+          </a:p>
+          <a:p>
+            <a:r>
+              <a:rPr lang="ja-JP" altLang="en-US" dirty="0">
+                <a:latin typeface="メイリオ" panose="020B0604030504040204" pitchFamily="50" charset="-128"/>
+                <a:ea typeface="メイリオ" panose="020B0604030504040204" pitchFamily="50" charset="-128"/>
+              </a:rPr>
+              <a:t>・本番リリース前に</a:t>
+            </a:r>
+            <a:r>
+              <a:rPr lang="en-US" altLang="ja-JP" dirty="0">
+                <a:latin typeface="メイリオ" panose="020B0604030504040204" pitchFamily="50" charset="-128"/>
+                <a:ea typeface="メイリオ" panose="020B0604030504040204" pitchFamily="50" charset="-128"/>
+              </a:rPr>
+              <a:t>Entry</a:t>
+            </a:r>
+            <a:r>
+              <a:rPr lang="ja-JP" altLang="en-US" dirty="0">
+                <a:latin typeface="メイリオ" panose="020B0604030504040204" pitchFamily="50" charset="-128"/>
+                <a:ea typeface="メイリオ" panose="020B0604030504040204" pitchFamily="50" charset="-128"/>
+              </a:rPr>
+              <a:t>クライテリア審査を実施する。</a:t>
+            </a:r>
+            <a:endParaRPr lang="en-US" altLang="ja-JP" dirty="0">
+              <a:latin typeface="メイリオ" panose="020B0604030504040204" pitchFamily="50" charset="-128"/>
+              <a:ea typeface="メイリオ" panose="020B0604030504040204" pitchFamily="50" charset="-128"/>
+            </a:endParaRPr>
+          </a:p>
+          <a:p>
+            <a:r>
+              <a:rPr lang="ja-JP" altLang="en-US" dirty="0">
+                <a:latin typeface="メイリオ" panose="020B0604030504040204" pitchFamily="50" charset="-128"/>
+                <a:ea typeface="メイリオ" panose="020B0604030504040204" pitchFamily="50" charset="-128"/>
+              </a:rPr>
+              <a:t>・本番リリース後に</a:t>
+            </a:r>
+            <a:r>
+              <a:rPr lang="en-US" altLang="ja-JP" dirty="0">
+                <a:latin typeface="メイリオ" panose="020B0604030504040204" pitchFamily="50" charset="-128"/>
+                <a:ea typeface="メイリオ" panose="020B0604030504040204" pitchFamily="50" charset="-128"/>
+              </a:rPr>
+              <a:t>Exit</a:t>
+            </a:r>
+            <a:r>
+              <a:rPr lang="ja-JP" altLang="en-US" dirty="0">
+                <a:latin typeface="メイリオ" panose="020B0604030504040204" pitchFamily="50" charset="-128"/>
+                <a:ea typeface="メイリオ" panose="020B0604030504040204" pitchFamily="50" charset="-128"/>
+              </a:rPr>
+              <a:t>クライテリア審査を実施する。</a:t>
+            </a:r>
+            <a:endParaRPr lang="en-US" altLang="ja-JP" dirty="0">
+              <a:latin typeface="メイリオ" panose="020B0604030504040204" pitchFamily="50" charset="-128"/>
+              <a:ea typeface="メイリオ" panose="020B0604030504040204" pitchFamily="50" charset="-128"/>
+            </a:endParaRPr>
+          </a:p>
+          <a:p>
+            <a:r>
+              <a:rPr kumimoji="1" lang="ja-JP" altLang="en-US" dirty="0">
+                <a:latin typeface="メイリオ" panose="020B0604030504040204" pitchFamily="50" charset="-128"/>
+                <a:ea typeface="メイリオ" panose="020B0604030504040204" pitchFamily="50" charset="-128"/>
+              </a:rPr>
+              <a:t>・審査間の途中で、</a:t>
+            </a:r>
+            <a:r>
+              <a:rPr kumimoji="1" lang="en-US" altLang="ja-JP" dirty="0">
+                <a:latin typeface="メイリオ" panose="020B0604030504040204" pitchFamily="50" charset="-128"/>
+                <a:ea typeface="メイリオ" panose="020B0604030504040204" pitchFamily="50" charset="-128"/>
+              </a:rPr>
+              <a:t>Exit</a:t>
+            </a:r>
+            <a:r>
+              <a:rPr kumimoji="1" lang="ja-JP" altLang="en-US" dirty="0">
+                <a:latin typeface="メイリオ" panose="020B0604030504040204" pitchFamily="50" charset="-128"/>
+                <a:ea typeface="メイリオ" panose="020B0604030504040204" pitchFamily="50" charset="-128"/>
+              </a:rPr>
+              <a:t>クライテリア項目の途上確認を実施する。</a:t>
+            </a:r>
+            <a:endParaRPr kumimoji="1" lang="en-US" altLang="ja-JP" dirty="0">
+              <a:latin typeface="メイリオ" panose="020B0604030504040204" pitchFamily="50" charset="-128"/>
+              <a:ea typeface="メイリオ" panose="020B0604030504040204" pitchFamily="50" charset="-128"/>
+            </a:endParaRPr>
+          </a:p>
+          <a:p>
+            <a:r>
+              <a:rPr lang="ja-JP" altLang="en-US" dirty="0">
+                <a:latin typeface="メイリオ" panose="020B0604030504040204" pitchFamily="50" charset="-128"/>
+                <a:ea typeface="メイリオ" panose="020B0604030504040204" pitchFamily="50" charset="-128"/>
+              </a:rPr>
+              <a:t>・審査間の途中で、次の</a:t>
+            </a:r>
+            <a:r>
+              <a:rPr lang="en-US" altLang="ja-JP" dirty="0">
+                <a:latin typeface="メイリオ" panose="020B0604030504040204" pitchFamily="50" charset="-128"/>
+                <a:ea typeface="メイリオ" panose="020B0604030504040204" pitchFamily="50" charset="-128"/>
+              </a:rPr>
+              <a:t>Entry</a:t>
+            </a:r>
+            <a:r>
+              <a:rPr lang="ja-JP" altLang="en-US" dirty="0">
+                <a:latin typeface="メイリオ" panose="020B0604030504040204" pitchFamily="50" charset="-128"/>
+                <a:ea typeface="メイリオ" panose="020B0604030504040204" pitchFamily="50" charset="-128"/>
+              </a:rPr>
+              <a:t>クライテリア項目の途上確認を実施する。</a:t>
+            </a:r>
+            <a:endParaRPr kumimoji="1" lang="en-US" altLang="ja-JP" dirty="0">
+              <a:latin typeface="メイリオ" panose="020B0604030504040204" pitchFamily="50" charset="-128"/>
+              <a:ea typeface="メイリオ" panose="020B0604030504040204" pitchFamily="50" charset="-128"/>
+            </a:endParaRPr>
+          </a:p>
+          <a:p>
+            <a:endParaRPr lang="en-US" altLang="ja-JP" dirty="0">
+              <a:latin typeface="メイリオ" panose="020B0604030504040204" pitchFamily="50" charset="-128"/>
+              <a:ea typeface="メイリオ" panose="020B0604030504040204" pitchFamily="50" charset="-128"/>
+            </a:endParaRPr>
+          </a:p>
         </p:txBody>
       </p:sp>
       <p:sp>
@@ -7509,16 +7133,12 @@
           <a:lstStyle/>
           <a:p>
             <a:r>
-              <a:rPr kumimoji="1" lang="ja-JP" altLang="en-US" dirty="0" smtClean="0">
+              <a:rPr kumimoji="1" lang="ja-JP" altLang="en-US" dirty="0">
                 <a:latin typeface="メイリオ" panose="020B0604030504040204" pitchFamily="50" charset="-128"/>
                 <a:ea typeface="メイリオ" panose="020B0604030504040204" pitchFamily="50" charset="-128"/>
               </a:rPr>
               <a:t>スクラム開発の審査タイミングは以下の通り。</a:t>
             </a:r>
-            <a:endParaRPr kumimoji="1" lang="ja-JP" altLang="en-US" dirty="0">
-              <a:latin typeface="メイリオ" panose="020B0604030504040204" pitchFamily="50" charset="-128"/>
-              <a:ea typeface="メイリオ" panose="020B0604030504040204" pitchFamily="50" charset="-128"/>
-            </a:endParaRPr>
           </a:p>
         </p:txBody>
       </p:sp>
@@ -7559,7 +7179,7 @@
           <a:lstStyle/>
           <a:p>
             <a:r>
-              <a:rPr lang="en-US" altLang="ja-JP" dirty="0" smtClean="0">
+              <a:rPr lang="en-US" altLang="ja-JP" dirty="0">
                 <a:latin typeface="メイリオ" panose="020B0604030504040204" pitchFamily="50" charset="-128"/>
                 <a:ea typeface="メイリオ" panose="020B0604030504040204" pitchFamily="50" charset="-128"/>
               </a:rPr>
@@ -7568,68 +7188,54 @@
           </a:p>
           <a:p>
             <a:r>
-              <a:rPr lang="ja-JP" altLang="en-US" dirty="0" smtClean="0">
-                <a:latin typeface="メイリオ" panose="020B0604030504040204" pitchFamily="50" charset="-128"/>
-                <a:ea typeface="メイリオ" panose="020B0604030504040204" pitchFamily="50" charset="-128"/>
-              </a:rPr>
-              <a:t>スクラム開発</a:t>
-            </a:r>
-            <a:r>
               <a:rPr lang="ja-JP" altLang="en-US" dirty="0">
                 <a:latin typeface="メイリオ" panose="020B0604030504040204" pitchFamily="50" charset="-128"/>
                 <a:ea typeface="メイリオ" panose="020B0604030504040204" pitchFamily="50" charset="-128"/>
               </a:rPr>
-              <a:t>で</a:t>
-            </a:r>
-            <a:r>
-              <a:rPr lang="ja-JP" altLang="en-US" dirty="0" smtClean="0">
-                <a:latin typeface="メイリオ" panose="020B0604030504040204" pitchFamily="50" charset="-128"/>
-                <a:ea typeface="メイリオ" panose="020B0604030504040204" pitchFamily="50" charset="-128"/>
-              </a:rPr>
-              <a:t>は各スプリントは</a:t>
-            </a:r>
-            <a:r>
-              <a:rPr lang="en-US" altLang="ja-JP" dirty="0" smtClean="0">
+              <a:t>スクラム開発では各スプリントは</a:t>
+            </a:r>
+            <a:r>
+              <a:rPr lang="en-US" altLang="ja-JP" dirty="0">
                 <a:latin typeface="メイリオ" panose="020B0604030504040204" pitchFamily="50" charset="-128"/>
                 <a:ea typeface="メイリオ" panose="020B0604030504040204" pitchFamily="50" charset="-128"/>
               </a:rPr>
               <a:t>1</a:t>
             </a:r>
             <a:r>
-              <a:rPr lang="ja-JP" altLang="en-US" dirty="0" smtClean="0">
+              <a:rPr lang="ja-JP" altLang="en-US" dirty="0">
                 <a:latin typeface="メイリオ" panose="020B0604030504040204" pitchFamily="50" charset="-128"/>
                 <a:ea typeface="メイリオ" panose="020B0604030504040204" pitchFamily="50" charset="-128"/>
               </a:rPr>
               <a:t>～</a:t>
             </a:r>
             <a:r>
-              <a:rPr lang="en-US" altLang="ja-JP" dirty="0" smtClean="0">
+              <a:rPr lang="en-US" altLang="ja-JP" dirty="0">
                 <a:latin typeface="メイリオ" panose="020B0604030504040204" pitchFamily="50" charset="-128"/>
                 <a:ea typeface="メイリオ" panose="020B0604030504040204" pitchFamily="50" charset="-128"/>
               </a:rPr>
               <a:t>4</a:t>
             </a:r>
             <a:r>
-              <a:rPr lang="ja-JP" altLang="en-US" dirty="0" smtClean="0">
+              <a:rPr lang="ja-JP" altLang="en-US" dirty="0">
                 <a:latin typeface="メイリオ" panose="020B0604030504040204" pitchFamily="50" charset="-128"/>
                 <a:ea typeface="メイリオ" panose="020B0604030504040204" pitchFamily="50" charset="-128"/>
               </a:rPr>
               <a:t>週間程度の短い期間で実施される。</a:t>
             </a:r>
-            <a:endParaRPr lang="en-US" altLang="ja-JP" dirty="0" smtClean="0">
+            <a:endParaRPr lang="en-US" altLang="ja-JP" dirty="0">
               <a:latin typeface="メイリオ" panose="020B0604030504040204" pitchFamily="50" charset="-128"/>
               <a:ea typeface="メイリオ" panose="020B0604030504040204" pitchFamily="50" charset="-128"/>
             </a:endParaRPr>
           </a:p>
           <a:p>
             <a:r>
-              <a:rPr kumimoji="1" lang="ja-JP" altLang="en-US" dirty="0" smtClean="0">
+              <a:rPr kumimoji="1" lang="ja-JP" altLang="en-US" dirty="0">
                 <a:latin typeface="メイリオ" panose="020B0604030504040204" pitchFamily="50" charset="-128"/>
                 <a:ea typeface="メイリオ" panose="020B0604030504040204" pitchFamily="50" charset="-128"/>
               </a:rPr>
               <a:t>スプリント毎に審査を実施する場合、常に審査している状態となる。</a:t>
             </a:r>
-            <a:endParaRPr kumimoji="1" lang="en-US" altLang="ja-JP" dirty="0" smtClean="0">
+            <a:endParaRPr kumimoji="1" lang="en-US" altLang="ja-JP" dirty="0">
               <a:latin typeface="メイリオ" panose="020B0604030504040204" pitchFamily="50" charset="-128"/>
               <a:ea typeface="メイリオ" panose="020B0604030504040204" pitchFamily="50" charset="-128"/>
             </a:endParaRPr>
@@ -7640,16 +7246,9 @@
                 <a:latin typeface="メイリオ" panose="020B0604030504040204" pitchFamily="50" charset="-128"/>
                 <a:ea typeface="メイリオ" panose="020B0604030504040204" pitchFamily="50" charset="-128"/>
               </a:rPr>
-              <a:t>そのため</a:t>
-            </a:r>
-            <a:r>
-              <a:rPr lang="ja-JP" altLang="en-US" dirty="0" smtClean="0">
-                <a:latin typeface="メイリオ" panose="020B0604030504040204" pitchFamily="50" charset="-128"/>
-                <a:ea typeface="メイリオ" panose="020B0604030504040204" pitchFamily="50" charset="-128"/>
-              </a:rPr>
-              <a:t>、数スプリント毎に審査を実施するようにしても良い。</a:t>
-            </a:r>
-            <a:endParaRPr kumimoji="1" lang="en-US" altLang="ja-JP" dirty="0" smtClean="0">
+              <a:t>そのため、数スプリント毎に審査を実施するようにしても良い。</a:t>
+            </a:r>
+            <a:endParaRPr kumimoji="1" lang="en-US" altLang="ja-JP" dirty="0">
               <a:latin typeface="メイリオ" panose="020B0604030504040204" pitchFamily="50" charset="-128"/>
               <a:ea typeface="メイリオ" panose="020B0604030504040204" pitchFamily="50" charset="-128"/>
             </a:endParaRPr>
@@ -7672,13 +7271,6 @@
   <p:clrMapOvr>
     <a:masterClrMapping/>
   </p:clrMapOvr>
-  <p:timing>
-    <p:tnLst>
-      <p:par>
-        <p:cTn id="1" dur="indefinite" restart="never" nodeType="tmRoot"/>
-      </p:par>
-    </p:tnLst>
-  </p:timing>
 </p:sld>
 </file>
 
@@ -7774,14 +7366,14 @@
           <a:p>
             <a:pPr algn="ctr"/>
             <a:r>
-              <a:rPr kumimoji="1" lang="ja-JP" altLang="en-US" sz="900" dirty="0" smtClean="0">
+              <a:rPr kumimoji="1" lang="ja-JP" altLang="en-US" sz="900" dirty="0">
                 <a:latin typeface="メイリオ" panose="020B0604030504040204" pitchFamily="50" charset="-128"/>
                 <a:ea typeface="メイリオ" panose="020B0604030504040204" pitchFamily="50" charset="-128"/>
               </a:rPr>
               <a:t>スプリント</a:t>
             </a:r>
             <a:r>
-              <a:rPr kumimoji="1" lang="en-US" altLang="ja-JP" sz="900" dirty="0" smtClean="0">
+              <a:rPr kumimoji="1" lang="en-US" altLang="ja-JP" sz="900" dirty="0">
                 <a:latin typeface="メイリオ" panose="020B0604030504040204" pitchFamily="50" charset="-128"/>
                 <a:ea typeface="メイリオ" panose="020B0604030504040204" pitchFamily="50" charset="-128"/>
               </a:rPr>
@@ -7816,14 +7408,11 @@
               <a:t>スクラム</a:t>
             </a:r>
             <a:r>
-              <a:rPr kumimoji="1" lang="ja-JP" altLang="en-US" dirty="0" smtClean="0">
+              <a:rPr kumimoji="1" lang="ja-JP" altLang="en-US" dirty="0">
                 <a:latin typeface="メイリオ" panose="020B0604030504040204" pitchFamily="50" charset="-128"/>
               </a:rPr>
               <a:t>開発</a:t>
             </a:r>
-            <a:endParaRPr kumimoji="1" lang="ja-JP" altLang="en-US" dirty="0">
-              <a:latin typeface="メイリオ" panose="020B0604030504040204" pitchFamily="50" charset="-128"/>
-            </a:endParaRPr>
           </a:p>
         </p:txBody>
       </p:sp>
@@ -7925,16 +7514,12 @@
           <a:p>
             <a:pPr algn="ctr"/>
             <a:r>
-              <a:rPr kumimoji="1" lang="ja-JP" altLang="en-US" sz="900" dirty="0" smtClean="0">
+              <a:rPr kumimoji="1" lang="ja-JP" altLang="en-US" sz="900" dirty="0">
                 <a:latin typeface="メイリオ" panose="020B0604030504040204" pitchFamily="50" charset="-128"/>
                 <a:ea typeface="メイリオ" panose="020B0604030504040204" pitchFamily="50" charset="-128"/>
               </a:rPr>
               <a:t>スプリントゼロ</a:t>
             </a:r>
-            <a:endParaRPr kumimoji="1" lang="ja-JP" altLang="en-US" sz="900" dirty="0">
-              <a:latin typeface="メイリオ" panose="020B0604030504040204" pitchFamily="50" charset="-128"/>
-              <a:ea typeface="メイリオ" panose="020B0604030504040204" pitchFamily="50" charset="-128"/>
-            </a:endParaRPr>
           </a:p>
         </p:txBody>
       </p:sp>
@@ -7973,16 +7558,12 @@
           <a:p>
             <a:pPr algn="ctr"/>
             <a:r>
-              <a:rPr kumimoji="1" lang="ja-JP" altLang="en-US" sz="800" dirty="0" smtClean="0">
+              <a:rPr kumimoji="1" lang="ja-JP" altLang="en-US" sz="800" dirty="0">
                 <a:latin typeface="メイリオ" panose="020B0604030504040204" pitchFamily="50" charset="-128"/>
                 <a:ea typeface="メイリオ" panose="020B0604030504040204" pitchFamily="50" charset="-128"/>
               </a:rPr>
               <a:t>バックログ</a:t>
             </a:r>
-            <a:endParaRPr kumimoji="1" lang="ja-JP" altLang="en-US" sz="800" dirty="0">
-              <a:latin typeface="メイリオ" panose="020B0604030504040204" pitchFamily="50" charset="-128"/>
-              <a:ea typeface="メイリオ" panose="020B0604030504040204" pitchFamily="50" charset="-128"/>
-            </a:endParaRPr>
           </a:p>
         </p:txBody>
       </p:sp>
@@ -8021,16 +7602,12 @@
           <a:p>
             <a:pPr algn="ctr"/>
             <a:r>
-              <a:rPr kumimoji="1" lang="ja-JP" altLang="en-US" sz="800" dirty="0" smtClean="0">
+              <a:rPr kumimoji="1" lang="ja-JP" altLang="en-US" sz="800" dirty="0">
                 <a:latin typeface="メイリオ" panose="020B0604030504040204" pitchFamily="50" charset="-128"/>
                 <a:ea typeface="メイリオ" panose="020B0604030504040204" pitchFamily="50" charset="-128"/>
               </a:rPr>
               <a:t>バックログ</a:t>
             </a:r>
-            <a:endParaRPr kumimoji="1" lang="ja-JP" altLang="en-US" sz="800" dirty="0">
-              <a:latin typeface="メイリオ" panose="020B0604030504040204" pitchFamily="50" charset="-128"/>
-              <a:ea typeface="メイリオ" panose="020B0604030504040204" pitchFamily="50" charset="-128"/>
-            </a:endParaRPr>
           </a:p>
         </p:txBody>
       </p:sp>
@@ -8069,11 +7646,132 @@
           <a:p>
             <a:pPr algn="ctr"/>
             <a:r>
-              <a:rPr kumimoji="1" lang="ja-JP" altLang="en-US" sz="800" dirty="0" smtClean="0">
+              <a:rPr kumimoji="1" lang="ja-JP" altLang="en-US" sz="800" dirty="0">
                 <a:latin typeface="メイリオ" panose="020B0604030504040204" pitchFamily="50" charset="-128"/>
                 <a:ea typeface="メイリオ" panose="020B0604030504040204" pitchFamily="50" charset="-128"/>
               </a:rPr>
               <a:t>バックログ</a:t>
+            </a:r>
+          </a:p>
+        </p:txBody>
+      </p:sp>
+      <p:sp>
+        <p:nvSpPr>
+          <p:cNvPr id="27" name="テキスト ボックス 26"/>
+          <p:cNvSpPr txBox="1"/>
+          <p:nvPr/>
+        </p:nvSpPr>
+        <p:spPr>
+          <a:xfrm>
+            <a:off x="2356182" y="1337562"/>
+            <a:ext cx="620683" cy="215444"/>
+          </a:xfrm>
+          <a:prstGeom prst="rect">
+            <a:avLst/>
+          </a:prstGeom>
+          <a:noFill/>
+        </p:spPr>
+        <p:txBody>
+          <a:bodyPr wrap="none" rtlCol="0">
+            <a:spAutoFit/>
+          </a:bodyPr>
+          <a:lstStyle/>
+          <a:p>
+            <a:r>
+              <a:rPr kumimoji="1" lang="en-US" altLang="ja-JP" sz="800" dirty="0">
+                <a:latin typeface="メイリオ" panose="020B0604030504040204" pitchFamily="50" charset="-128"/>
+                <a:ea typeface="メイリオ" panose="020B0604030504040204" pitchFamily="50" charset="-128"/>
+              </a:rPr>
+              <a:t>1</a:t>
+            </a:r>
+            <a:r>
+              <a:rPr kumimoji="1" lang="ja-JP" altLang="en-US" sz="800" dirty="0">
+                <a:latin typeface="メイリオ" panose="020B0604030504040204" pitchFamily="50" charset="-128"/>
+                <a:ea typeface="メイリオ" panose="020B0604030504040204" pitchFamily="50" charset="-128"/>
+              </a:rPr>
+              <a:t>～</a:t>
+            </a:r>
+            <a:r>
+              <a:rPr kumimoji="1" lang="en-US" altLang="ja-JP" sz="800" dirty="0">
+                <a:latin typeface="メイリオ" panose="020B0604030504040204" pitchFamily="50" charset="-128"/>
+                <a:ea typeface="メイリオ" panose="020B0604030504040204" pitchFamily="50" charset="-128"/>
+              </a:rPr>
+              <a:t>3</a:t>
+            </a:r>
+            <a:r>
+              <a:rPr kumimoji="1" lang="ja-JP" altLang="en-US" sz="800" dirty="0">
+                <a:latin typeface="メイリオ" panose="020B0604030504040204" pitchFamily="50" charset="-128"/>
+                <a:ea typeface="メイリオ" panose="020B0604030504040204" pitchFamily="50" charset="-128"/>
+              </a:rPr>
+              <a:t>週間</a:t>
+            </a:r>
+          </a:p>
+        </p:txBody>
+      </p:sp>
+      <p:sp>
+        <p:nvSpPr>
+          <p:cNvPr id="28" name="テキスト ボックス 27"/>
+          <p:cNvSpPr txBox="1"/>
+          <p:nvPr/>
+        </p:nvSpPr>
+        <p:spPr>
+          <a:xfrm>
+            <a:off x="475719" y="1997547"/>
+            <a:ext cx="598241" cy="461665"/>
+          </a:xfrm>
+          <a:prstGeom prst="rect">
+            <a:avLst/>
+          </a:prstGeom>
+          <a:noFill/>
+        </p:spPr>
+        <p:txBody>
+          <a:bodyPr wrap="none" rtlCol="0">
+            <a:spAutoFit/>
+          </a:bodyPr>
+          <a:lstStyle/>
+          <a:p>
+            <a:pPr algn="ctr"/>
+            <a:r>
+              <a:rPr kumimoji="1" lang="ja-JP" altLang="en-US" sz="800" dirty="0">
+                <a:latin typeface="メイリオ" panose="020B0604030504040204" pitchFamily="50" charset="-128"/>
+                <a:ea typeface="メイリオ" panose="020B0604030504040204" pitchFamily="50" charset="-128"/>
+              </a:rPr>
+              <a:t>▲</a:t>
+            </a:r>
+            <a:endParaRPr kumimoji="1" lang="en-US" altLang="ja-JP" sz="800" dirty="0">
+              <a:latin typeface="メイリオ" panose="020B0604030504040204" pitchFamily="50" charset="-128"/>
+              <a:ea typeface="メイリオ" panose="020B0604030504040204" pitchFamily="50" charset="-128"/>
+            </a:endParaRPr>
+          </a:p>
+          <a:p>
+            <a:pPr algn="ctr"/>
+            <a:r>
+              <a:rPr lang="en-US" altLang="ja-JP" sz="800" dirty="0">
+                <a:latin typeface="メイリオ" panose="020B0604030504040204" pitchFamily="50" charset="-128"/>
+                <a:ea typeface="メイリオ" panose="020B0604030504040204" pitchFamily="50" charset="-128"/>
+              </a:rPr>
+              <a:t>PJ</a:t>
+            </a:r>
+            <a:r>
+              <a:rPr lang="ja-JP" altLang="en-US" sz="800" dirty="0">
+                <a:latin typeface="メイリオ" panose="020B0604030504040204" pitchFamily="50" charset="-128"/>
+                <a:ea typeface="メイリオ" panose="020B0604030504040204" pitchFamily="50" charset="-128"/>
+              </a:rPr>
+              <a:t>開始前</a:t>
+            </a:r>
+            <a:endParaRPr lang="en-US" altLang="ja-JP" sz="800" dirty="0">
+              <a:latin typeface="メイリオ" panose="020B0604030504040204" pitchFamily="50" charset="-128"/>
+              <a:ea typeface="メイリオ" panose="020B0604030504040204" pitchFamily="50" charset="-128"/>
+            </a:endParaRPr>
+          </a:p>
+          <a:p>
+            <a:pPr algn="ctr"/>
+            <a:r>
+              <a:rPr lang="en-US" altLang="ja-JP" sz="800" dirty="0">
+                <a:latin typeface="メイリオ" panose="020B0604030504040204" pitchFamily="50" charset="-128"/>
+                <a:ea typeface="メイリオ" panose="020B0604030504040204" pitchFamily="50" charset="-128"/>
+              </a:rPr>
+              <a:t>Entry</a:t>
             </a:r>
             <a:endParaRPr kumimoji="1" lang="ja-JP" altLang="en-US" sz="800" dirty="0">
               <a:latin typeface="メイリオ" panose="020B0604030504040204" pitchFamily="50" charset="-128"/>
@@ -8084,14 +7782,14 @@
       </p:sp>
       <p:sp>
         <p:nvSpPr>
-          <p:cNvPr id="27" name="テキスト ボックス 26"/>
+          <p:cNvPr id="35" name="テキスト ボックス 34"/>
           <p:cNvSpPr txBox="1"/>
           <p:nvPr/>
         </p:nvSpPr>
         <p:spPr>
           <a:xfrm>
-            <a:off x="2356182" y="1337562"/>
-            <a:ext cx="620683" cy="215444"/>
+            <a:off x="1592033" y="2007532"/>
+            <a:ext cx="381836" cy="338554"/>
           </a:xfrm>
           <a:prstGeom prst="rect">
             <a:avLst/>
@@ -8104,152 +7802,23 @@
           </a:bodyPr>
           <a:lstStyle/>
           <a:p>
-            <a:r>
-              <a:rPr kumimoji="1" lang="en-US" altLang="ja-JP" sz="800" dirty="0" smtClean="0">
-                <a:latin typeface="メイリオ" panose="020B0604030504040204" pitchFamily="50" charset="-128"/>
-                <a:ea typeface="メイリオ" panose="020B0604030504040204" pitchFamily="50" charset="-128"/>
-              </a:rPr>
-              <a:t>1</a:t>
-            </a:r>
-            <a:r>
-              <a:rPr kumimoji="1" lang="ja-JP" altLang="en-US" sz="800" dirty="0" smtClean="0">
-                <a:latin typeface="メイリオ" panose="020B0604030504040204" pitchFamily="50" charset="-128"/>
-                <a:ea typeface="メイリオ" panose="020B0604030504040204" pitchFamily="50" charset="-128"/>
-              </a:rPr>
-              <a:t>～</a:t>
-            </a:r>
-            <a:r>
-              <a:rPr kumimoji="1" lang="en-US" altLang="ja-JP" sz="800" dirty="0" smtClean="0">
-                <a:latin typeface="メイリオ" panose="020B0604030504040204" pitchFamily="50" charset="-128"/>
-                <a:ea typeface="メイリオ" panose="020B0604030504040204" pitchFamily="50" charset="-128"/>
-              </a:rPr>
-              <a:t>3</a:t>
-            </a:r>
-            <a:r>
-              <a:rPr kumimoji="1" lang="ja-JP" altLang="en-US" sz="800" dirty="0" smtClean="0">
-                <a:latin typeface="メイリオ" panose="020B0604030504040204" pitchFamily="50" charset="-128"/>
-                <a:ea typeface="メイリオ" panose="020B0604030504040204" pitchFamily="50" charset="-128"/>
-              </a:rPr>
-              <a:t>週間</a:t>
-            </a:r>
-            <a:endParaRPr kumimoji="1" lang="ja-JP" altLang="en-US" sz="800" dirty="0">
+            <a:pPr algn="ctr"/>
+            <a:r>
+              <a:rPr kumimoji="1" lang="ja-JP" altLang="en-US" sz="800" dirty="0">
+                <a:latin typeface="メイリオ" panose="020B0604030504040204" pitchFamily="50" charset="-128"/>
+                <a:ea typeface="メイリオ" panose="020B0604030504040204" pitchFamily="50" charset="-128"/>
+              </a:rPr>
+              <a:t>▲</a:t>
+            </a:r>
+            <a:endParaRPr kumimoji="1" lang="en-US" altLang="ja-JP" sz="800" dirty="0">
               <a:latin typeface="メイリオ" panose="020B0604030504040204" pitchFamily="50" charset="-128"/>
               <a:ea typeface="メイリオ" panose="020B0604030504040204" pitchFamily="50" charset="-128"/>
             </a:endParaRPr>
           </a:p>
-        </p:txBody>
-      </p:sp>
-      <p:sp>
-        <p:nvSpPr>
-          <p:cNvPr id="28" name="テキスト ボックス 27"/>
-          <p:cNvSpPr txBox="1"/>
-          <p:nvPr/>
-        </p:nvSpPr>
-        <p:spPr>
-          <a:xfrm>
-            <a:off x="475719" y="1997547"/>
-            <a:ext cx="598241" cy="461665"/>
-          </a:xfrm>
-          <a:prstGeom prst="rect">
-            <a:avLst/>
-          </a:prstGeom>
-          <a:noFill/>
-        </p:spPr>
-        <p:txBody>
-          <a:bodyPr wrap="none" rtlCol="0">
-            <a:spAutoFit/>
-          </a:bodyPr>
-          <a:lstStyle/>
           <a:p>
             <a:pPr algn="ctr"/>
             <a:r>
-              <a:rPr kumimoji="1" lang="ja-JP" altLang="en-US" sz="800" dirty="0" smtClean="0">
-                <a:latin typeface="メイリオ" panose="020B0604030504040204" pitchFamily="50" charset="-128"/>
-                <a:ea typeface="メイリオ" panose="020B0604030504040204" pitchFamily="50" charset="-128"/>
-              </a:rPr>
-              <a:t>▲</a:t>
-            </a:r>
-            <a:endParaRPr kumimoji="1" lang="en-US" altLang="ja-JP" sz="800" dirty="0" smtClean="0">
-              <a:latin typeface="メイリオ" panose="020B0604030504040204" pitchFamily="50" charset="-128"/>
-              <a:ea typeface="メイリオ" panose="020B0604030504040204" pitchFamily="50" charset="-128"/>
-            </a:endParaRPr>
-          </a:p>
-          <a:p>
-            <a:pPr algn="ctr"/>
-            <a:r>
-              <a:rPr lang="en-US" altLang="ja-JP" sz="800" dirty="0" smtClean="0">
-                <a:latin typeface="メイリオ" panose="020B0604030504040204" pitchFamily="50" charset="-128"/>
-                <a:ea typeface="メイリオ" panose="020B0604030504040204" pitchFamily="50" charset="-128"/>
-              </a:rPr>
-              <a:t>PJ</a:t>
-            </a:r>
-            <a:r>
-              <a:rPr lang="ja-JP" altLang="en-US" sz="800" dirty="0" smtClean="0">
-                <a:latin typeface="メイリオ" panose="020B0604030504040204" pitchFamily="50" charset="-128"/>
-                <a:ea typeface="メイリオ" panose="020B0604030504040204" pitchFamily="50" charset="-128"/>
-              </a:rPr>
-              <a:t>開始前</a:t>
-            </a:r>
-            <a:endParaRPr lang="en-US" altLang="ja-JP" sz="800" dirty="0" smtClean="0">
-              <a:latin typeface="メイリオ" panose="020B0604030504040204" pitchFamily="50" charset="-128"/>
-              <a:ea typeface="メイリオ" panose="020B0604030504040204" pitchFamily="50" charset="-128"/>
-            </a:endParaRPr>
-          </a:p>
-          <a:p>
-            <a:pPr algn="ctr"/>
-            <a:r>
-              <a:rPr lang="en-US" altLang="ja-JP" sz="800" dirty="0" smtClean="0">
-                <a:latin typeface="メイリオ" panose="020B0604030504040204" pitchFamily="50" charset="-128"/>
-                <a:ea typeface="メイリオ" panose="020B0604030504040204" pitchFamily="50" charset="-128"/>
-              </a:rPr>
-              <a:t>Entry</a:t>
-            </a:r>
-            <a:endParaRPr kumimoji="1" lang="ja-JP" altLang="en-US" sz="800" dirty="0">
-              <a:latin typeface="メイリオ" panose="020B0604030504040204" pitchFamily="50" charset="-128"/>
-              <a:ea typeface="メイリオ" panose="020B0604030504040204" pitchFamily="50" charset="-128"/>
-            </a:endParaRPr>
-          </a:p>
-        </p:txBody>
-      </p:sp>
-      <p:sp>
-        <p:nvSpPr>
-          <p:cNvPr id="35" name="テキスト ボックス 34"/>
-          <p:cNvSpPr txBox="1"/>
-          <p:nvPr/>
-        </p:nvSpPr>
-        <p:spPr>
-          <a:xfrm>
-            <a:off x="1592033" y="2007532"/>
-            <a:ext cx="381836" cy="338554"/>
-          </a:xfrm>
-          <a:prstGeom prst="rect">
-            <a:avLst/>
-          </a:prstGeom>
-          <a:noFill/>
-        </p:spPr>
-        <p:txBody>
-          <a:bodyPr wrap="none" rtlCol="0">
-            <a:spAutoFit/>
-          </a:bodyPr>
-          <a:lstStyle/>
-          <a:p>
-            <a:pPr algn="ctr"/>
-            <a:r>
-              <a:rPr kumimoji="1" lang="ja-JP" altLang="en-US" sz="800" dirty="0" smtClean="0">
-                <a:latin typeface="メイリオ" panose="020B0604030504040204" pitchFamily="50" charset="-128"/>
-                <a:ea typeface="メイリオ" panose="020B0604030504040204" pitchFamily="50" charset="-128"/>
-              </a:rPr>
-              <a:t>▲</a:t>
-            </a:r>
-            <a:endParaRPr kumimoji="1" lang="en-US" altLang="ja-JP" sz="800" dirty="0" smtClean="0">
-              <a:latin typeface="メイリオ" panose="020B0604030504040204" pitchFamily="50" charset="-128"/>
-              <a:ea typeface="メイリオ" panose="020B0604030504040204" pitchFamily="50" charset="-128"/>
-            </a:endParaRPr>
-          </a:p>
-          <a:p>
-            <a:pPr algn="ctr"/>
-            <a:r>
-              <a:rPr lang="en-US" altLang="ja-JP" sz="800" dirty="0" smtClean="0">
+              <a:rPr lang="en-US" altLang="ja-JP" sz="800" dirty="0">
                 <a:latin typeface="メイリオ" panose="020B0604030504040204" pitchFamily="50" charset="-128"/>
                 <a:ea typeface="メイリオ" panose="020B0604030504040204" pitchFamily="50" charset="-128"/>
               </a:rPr>
@@ -8297,14 +7866,14 @@
           <a:p>
             <a:pPr algn="ctr"/>
             <a:r>
-              <a:rPr kumimoji="1" lang="ja-JP" altLang="en-US" sz="900" dirty="0" smtClean="0">
+              <a:rPr kumimoji="1" lang="ja-JP" altLang="en-US" sz="900" dirty="0">
                 <a:latin typeface="メイリオ" panose="020B0604030504040204" pitchFamily="50" charset="-128"/>
                 <a:ea typeface="メイリオ" panose="020B0604030504040204" pitchFamily="50" charset="-128"/>
               </a:rPr>
               <a:t>スプリント</a:t>
             </a:r>
             <a:r>
-              <a:rPr kumimoji="1" lang="en-US" altLang="ja-JP" sz="900" dirty="0" smtClean="0">
+              <a:rPr kumimoji="1" lang="en-US" altLang="ja-JP" sz="900" dirty="0">
                 <a:latin typeface="メイリオ" panose="020B0604030504040204" pitchFamily="50" charset="-128"/>
                 <a:ea typeface="メイリオ" panose="020B0604030504040204" pitchFamily="50" charset="-128"/>
               </a:rPr>
@@ -8352,14 +7921,14 @@
           <a:p>
             <a:pPr algn="ctr"/>
             <a:r>
-              <a:rPr kumimoji="1" lang="ja-JP" altLang="en-US" sz="900" dirty="0" smtClean="0">
+              <a:rPr kumimoji="1" lang="ja-JP" altLang="en-US" sz="900" dirty="0">
                 <a:latin typeface="メイリオ" panose="020B0604030504040204" pitchFamily="50" charset="-128"/>
                 <a:ea typeface="メイリオ" panose="020B0604030504040204" pitchFamily="50" charset="-128"/>
               </a:rPr>
               <a:t>スプリント</a:t>
             </a:r>
             <a:r>
-              <a:rPr kumimoji="1" lang="en-US" altLang="ja-JP" sz="900" dirty="0" smtClean="0">
+              <a:rPr kumimoji="1" lang="en-US" altLang="ja-JP" sz="900" dirty="0">
                 <a:latin typeface="メイリオ" panose="020B0604030504040204" pitchFamily="50" charset="-128"/>
                 <a:ea typeface="メイリオ" panose="020B0604030504040204" pitchFamily="50" charset="-128"/>
               </a:rPr>
@@ -8407,14 +7976,14 @@
           <a:p>
             <a:pPr algn="ctr"/>
             <a:r>
-              <a:rPr kumimoji="1" lang="ja-JP" altLang="en-US" sz="900" dirty="0" smtClean="0">
+              <a:rPr kumimoji="1" lang="ja-JP" altLang="en-US" sz="900" dirty="0">
                 <a:latin typeface="メイリオ" panose="020B0604030504040204" pitchFamily="50" charset="-128"/>
                 <a:ea typeface="メイリオ" panose="020B0604030504040204" pitchFamily="50" charset="-128"/>
               </a:rPr>
               <a:t>スプリント</a:t>
             </a:r>
             <a:r>
-              <a:rPr kumimoji="1" lang="en-US" altLang="ja-JP" sz="900" dirty="0" smtClean="0">
+              <a:rPr kumimoji="1" lang="en-US" altLang="ja-JP" sz="900" dirty="0">
                 <a:latin typeface="メイリオ" panose="020B0604030504040204" pitchFamily="50" charset="-128"/>
                 <a:ea typeface="メイリオ" panose="020B0604030504040204" pitchFamily="50" charset="-128"/>
               </a:rPr>
@@ -8488,13 +8057,13 @@
           <a:p>
             <a:pPr algn="ctr"/>
             <a:r>
-              <a:rPr kumimoji="1" lang="ja-JP" altLang="en-US" sz="800" dirty="0" smtClean="0">
+              <a:rPr kumimoji="1" lang="ja-JP" altLang="en-US" sz="800" dirty="0">
                 <a:latin typeface="メイリオ" panose="020B0604030504040204" pitchFamily="50" charset="-128"/>
                 <a:ea typeface="メイリオ" panose="020B0604030504040204" pitchFamily="50" charset="-128"/>
               </a:rPr>
               <a:t>▲</a:t>
             </a:r>
-            <a:endParaRPr kumimoji="1" lang="en-US" altLang="ja-JP" sz="800" dirty="0" smtClean="0">
+            <a:endParaRPr kumimoji="1" lang="en-US" altLang="ja-JP" sz="800" dirty="0">
               <a:latin typeface="メイリオ" panose="020B0604030504040204" pitchFamily="50" charset="-128"/>
               <a:ea typeface="メイリオ" panose="020B0604030504040204" pitchFamily="50" charset="-128"/>
             </a:endParaRPr>
@@ -8502,7 +8071,7 @@
           <a:p>
             <a:pPr algn="ctr"/>
             <a:r>
-              <a:rPr lang="en-US" altLang="ja-JP" sz="800" dirty="0" smtClean="0">
+              <a:rPr lang="en-US" altLang="ja-JP" sz="800" dirty="0">
                 <a:latin typeface="メイリオ" panose="020B0604030504040204" pitchFamily="50" charset="-128"/>
                 <a:ea typeface="メイリオ" panose="020B0604030504040204" pitchFamily="50" charset="-128"/>
               </a:rPr>
@@ -8539,13 +8108,13 @@
           <a:p>
             <a:pPr algn="ctr"/>
             <a:r>
-              <a:rPr kumimoji="1" lang="ja-JP" altLang="en-US" sz="800" dirty="0" smtClean="0">
+              <a:rPr kumimoji="1" lang="ja-JP" altLang="en-US" sz="800" dirty="0">
                 <a:latin typeface="メイリオ" panose="020B0604030504040204" pitchFamily="50" charset="-128"/>
                 <a:ea typeface="メイリオ" panose="020B0604030504040204" pitchFamily="50" charset="-128"/>
               </a:rPr>
               <a:t>▲</a:t>
             </a:r>
-            <a:endParaRPr kumimoji="1" lang="en-US" altLang="ja-JP" sz="800" dirty="0" smtClean="0">
+            <a:endParaRPr kumimoji="1" lang="en-US" altLang="ja-JP" sz="800" dirty="0">
               <a:latin typeface="メイリオ" panose="020B0604030504040204" pitchFamily="50" charset="-128"/>
               <a:ea typeface="メイリオ" panose="020B0604030504040204" pitchFamily="50" charset="-128"/>
             </a:endParaRPr>
@@ -8553,7 +8122,7 @@
           <a:p>
             <a:pPr algn="ctr"/>
             <a:r>
-              <a:rPr lang="en-US" altLang="ja-JP" sz="800" dirty="0" smtClean="0">
+              <a:rPr lang="en-US" altLang="ja-JP" sz="800" dirty="0">
                 <a:latin typeface="メイリオ" panose="020B0604030504040204" pitchFamily="50" charset="-128"/>
                 <a:ea typeface="メイリオ" panose="020B0604030504040204" pitchFamily="50" charset="-128"/>
               </a:rPr>
@@ -8590,13 +8159,13 @@
           <a:p>
             <a:pPr algn="ctr"/>
             <a:r>
-              <a:rPr kumimoji="1" lang="ja-JP" altLang="en-US" sz="800" dirty="0" smtClean="0">
+              <a:rPr kumimoji="1" lang="ja-JP" altLang="en-US" sz="800" dirty="0">
                 <a:latin typeface="メイリオ" panose="020B0604030504040204" pitchFamily="50" charset="-128"/>
                 <a:ea typeface="メイリオ" panose="020B0604030504040204" pitchFamily="50" charset="-128"/>
               </a:rPr>
               <a:t>▲</a:t>
             </a:r>
-            <a:endParaRPr kumimoji="1" lang="en-US" altLang="ja-JP" sz="800" dirty="0" smtClean="0">
+            <a:endParaRPr kumimoji="1" lang="en-US" altLang="ja-JP" sz="800" dirty="0">
               <a:latin typeface="メイリオ" panose="020B0604030504040204" pitchFamily="50" charset="-128"/>
               <a:ea typeface="メイリオ" panose="020B0604030504040204" pitchFamily="50" charset="-128"/>
             </a:endParaRPr>
@@ -8604,7 +8173,7 @@
           <a:p>
             <a:pPr algn="ctr"/>
             <a:r>
-              <a:rPr lang="en-US" altLang="ja-JP" sz="800" dirty="0" smtClean="0">
+              <a:rPr lang="en-US" altLang="ja-JP" sz="800" dirty="0">
                 <a:latin typeface="メイリオ" panose="020B0604030504040204" pitchFamily="50" charset="-128"/>
                 <a:ea typeface="メイリオ" panose="020B0604030504040204" pitchFamily="50" charset="-128"/>
               </a:rPr>
@@ -8652,18 +8221,11 @@
           <a:p>
             <a:pPr algn="ctr"/>
             <a:r>
-              <a:rPr lang="ja-JP" altLang="en-US" sz="900" dirty="0" smtClean="0">
-                <a:latin typeface="メイリオ" panose="020B0604030504040204" pitchFamily="50" charset="-128"/>
-                <a:ea typeface="メイリオ" panose="020B0604030504040204" pitchFamily="50" charset="-128"/>
-              </a:rPr>
-              <a:t>本番</a:t>
-            </a:r>
-            <a:r>
               <a:rPr lang="ja-JP" altLang="en-US" sz="900" dirty="0">
                 <a:latin typeface="メイリオ" panose="020B0604030504040204" pitchFamily="50" charset="-128"/>
                 <a:ea typeface="メイリオ" panose="020B0604030504040204" pitchFamily="50" charset="-128"/>
               </a:rPr>
-              <a:t>リリース</a:t>
+              <a:t>本番リリース</a:t>
             </a:r>
             <a:endParaRPr kumimoji="1" lang="ja-JP" altLang="en-US" sz="900" dirty="0">
               <a:latin typeface="メイリオ" panose="020B0604030504040204" pitchFamily="50" charset="-128"/>
@@ -8696,13 +8258,13 @@
           <a:p>
             <a:pPr algn="ctr"/>
             <a:r>
-              <a:rPr kumimoji="1" lang="ja-JP" altLang="en-US" sz="800" dirty="0" smtClean="0">
+              <a:rPr kumimoji="1" lang="ja-JP" altLang="en-US" sz="800" dirty="0">
                 <a:latin typeface="メイリオ" panose="020B0604030504040204" pitchFamily="50" charset="-128"/>
                 <a:ea typeface="メイリオ" panose="020B0604030504040204" pitchFamily="50" charset="-128"/>
               </a:rPr>
               <a:t>▲</a:t>
             </a:r>
-            <a:endParaRPr kumimoji="1" lang="en-US" altLang="ja-JP" sz="800" dirty="0" smtClean="0">
+            <a:endParaRPr kumimoji="1" lang="en-US" altLang="ja-JP" sz="800" dirty="0">
               <a:latin typeface="メイリオ" panose="020B0604030504040204" pitchFamily="50" charset="-128"/>
               <a:ea typeface="メイリオ" panose="020B0604030504040204" pitchFamily="50" charset="-128"/>
             </a:endParaRPr>
@@ -8710,7 +8272,7 @@
           <a:p>
             <a:pPr algn="ctr"/>
             <a:r>
-              <a:rPr lang="en-US" altLang="ja-JP" sz="800" dirty="0" smtClean="0">
+              <a:rPr lang="en-US" altLang="ja-JP" sz="800" dirty="0">
                 <a:latin typeface="メイリオ" panose="020B0604030504040204" pitchFamily="50" charset="-128"/>
                 <a:ea typeface="メイリオ" panose="020B0604030504040204" pitchFamily="50" charset="-128"/>
               </a:rPr>
@@ -8747,13 +8309,13 @@
           <a:p>
             <a:pPr algn="ctr"/>
             <a:r>
-              <a:rPr kumimoji="1" lang="ja-JP" altLang="en-US" sz="800" dirty="0" smtClean="0">
+              <a:rPr kumimoji="1" lang="ja-JP" altLang="en-US" sz="800" dirty="0">
                 <a:latin typeface="メイリオ" panose="020B0604030504040204" pitchFamily="50" charset="-128"/>
                 <a:ea typeface="メイリオ" panose="020B0604030504040204" pitchFamily="50" charset="-128"/>
               </a:rPr>
               <a:t>▲</a:t>
             </a:r>
-            <a:endParaRPr kumimoji="1" lang="en-US" altLang="ja-JP" sz="800" dirty="0" smtClean="0">
+            <a:endParaRPr kumimoji="1" lang="en-US" altLang="ja-JP" sz="800" dirty="0">
               <a:latin typeface="メイリオ" panose="020B0604030504040204" pitchFamily="50" charset="-128"/>
               <a:ea typeface="メイリオ" panose="020B0604030504040204" pitchFamily="50" charset="-128"/>
             </a:endParaRPr>
@@ -8761,7 +8323,7 @@
           <a:p>
             <a:pPr algn="ctr"/>
             <a:r>
-              <a:rPr lang="en-US" altLang="ja-JP" sz="800" dirty="0" smtClean="0">
+              <a:rPr lang="en-US" altLang="ja-JP" sz="800" dirty="0">
                 <a:latin typeface="メイリオ" panose="020B0604030504040204" pitchFamily="50" charset="-128"/>
                 <a:ea typeface="メイリオ" panose="020B0604030504040204" pitchFamily="50" charset="-128"/>
               </a:rPr>
@@ -8816,30 +8378,26 @@
           <a:p>
             <a:pPr algn="ctr"/>
             <a:r>
-              <a:rPr kumimoji="1" lang="ja-JP" altLang="en-US" sz="800" dirty="0" smtClean="0">
+              <a:rPr kumimoji="1" lang="ja-JP" altLang="en-US" sz="800" dirty="0">
                 <a:latin typeface="メイリオ" panose="020B0604030504040204" pitchFamily="50" charset="-128"/>
                 <a:ea typeface="メイリオ" panose="020B0604030504040204" pitchFamily="50" charset="-128"/>
               </a:rPr>
               <a:t>スプリント間でのタイミングは</a:t>
             </a:r>
             <a:r>
-              <a:rPr kumimoji="1" lang="en-US" altLang="ja-JP" sz="800" dirty="0" smtClean="0">
+              <a:rPr kumimoji="1" lang="en-US" altLang="ja-JP" sz="800" dirty="0">
                 <a:latin typeface="メイリオ" panose="020B0604030504040204" pitchFamily="50" charset="-128"/>
                 <a:ea typeface="メイリオ" panose="020B0604030504040204" pitchFamily="50" charset="-128"/>
               </a:rPr>
               <a:t>PJ</a:t>
             </a:r>
             <a:r>
-              <a:rPr kumimoji="1" lang="ja-JP" altLang="en-US" sz="800" dirty="0" smtClean="0">
+              <a:rPr kumimoji="1" lang="ja-JP" altLang="en-US" sz="800" dirty="0">
                 <a:latin typeface="メイリオ" panose="020B0604030504040204" pitchFamily="50" charset="-128"/>
                 <a:ea typeface="メイリオ" panose="020B0604030504040204" pitchFamily="50" charset="-128"/>
               </a:rPr>
               <a:t>で計画する。</a:t>
             </a:r>
-            <a:endParaRPr kumimoji="1" lang="ja-JP" altLang="en-US" sz="800" dirty="0">
-              <a:latin typeface="メイリオ" panose="020B0604030504040204" pitchFamily="50" charset="-128"/>
-              <a:ea typeface="メイリオ" panose="020B0604030504040204" pitchFamily="50" charset="-128"/>
-            </a:endParaRPr>
           </a:p>
         </p:txBody>
       </p:sp>
@@ -8878,16 +8436,12 @@
           <a:p>
             <a:pPr algn="ctr"/>
             <a:r>
-              <a:rPr kumimoji="1" lang="ja-JP" altLang="en-US" sz="800" dirty="0" smtClean="0">
+              <a:rPr kumimoji="1" lang="ja-JP" altLang="en-US" sz="800" dirty="0">
                 <a:latin typeface="メイリオ" panose="020B0604030504040204" pitchFamily="50" charset="-128"/>
                 <a:ea typeface="メイリオ" panose="020B0604030504040204" pitchFamily="50" charset="-128"/>
               </a:rPr>
               <a:t>バックログ</a:t>
             </a:r>
-            <a:endParaRPr kumimoji="1" lang="ja-JP" altLang="en-US" sz="800" dirty="0">
-              <a:latin typeface="メイリオ" panose="020B0604030504040204" pitchFamily="50" charset="-128"/>
-              <a:ea typeface="メイリオ" panose="020B0604030504040204" pitchFamily="50" charset="-128"/>
-            </a:endParaRPr>
           </a:p>
         </p:txBody>
       </p:sp>
@@ -8926,16 +8480,12 @@
           <a:p>
             <a:pPr algn="ctr"/>
             <a:r>
-              <a:rPr kumimoji="1" lang="ja-JP" altLang="en-US" sz="800" dirty="0" smtClean="0">
+              <a:rPr kumimoji="1" lang="ja-JP" altLang="en-US" sz="800" dirty="0">
                 <a:latin typeface="メイリオ" panose="020B0604030504040204" pitchFamily="50" charset="-128"/>
                 <a:ea typeface="メイリオ" panose="020B0604030504040204" pitchFamily="50" charset="-128"/>
               </a:rPr>
               <a:t>バックログ</a:t>
             </a:r>
-            <a:endParaRPr kumimoji="1" lang="ja-JP" altLang="en-US" sz="800" dirty="0">
-              <a:latin typeface="メイリオ" panose="020B0604030504040204" pitchFamily="50" charset="-128"/>
-              <a:ea typeface="メイリオ" panose="020B0604030504040204" pitchFamily="50" charset="-128"/>
-            </a:endParaRPr>
           </a:p>
         </p:txBody>
       </p:sp>
@@ -8974,16 +8524,12 @@
           <a:p>
             <a:pPr algn="ctr"/>
             <a:r>
-              <a:rPr kumimoji="1" lang="ja-JP" altLang="en-US" sz="800" dirty="0" smtClean="0">
+              <a:rPr kumimoji="1" lang="ja-JP" altLang="en-US" sz="800" dirty="0">
                 <a:latin typeface="メイリオ" panose="020B0604030504040204" pitchFamily="50" charset="-128"/>
                 <a:ea typeface="メイリオ" panose="020B0604030504040204" pitchFamily="50" charset="-128"/>
               </a:rPr>
               <a:t>バックログ</a:t>
             </a:r>
-            <a:endParaRPr kumimoji="1" lang="ja-JP" altLang="en-US" sz="800" dirty="0">
-              <a:latin typeface="メイリオ" panose="020B0604030504040204" pitchFamily="50" charset="-128"/>
-              <a:ea typeface="メイリオ" panose="020B0604030504040204" pitchFamily="50" charset="-128"/>
-            </a:endParaRPr>
           </a:p>
         </p:txBody>
       </p:sp>
@@ -9022,16 +8568,12 @@
           <a:p>
             <a:pPr algn="ctr"/>
             <a:r>
-              <a:rPr kumimoji="1" lang="ja-JP" altLang="en-US" sz="800" dirty="0" smtClean="0">
+              <a:rPr kumimoji="1" lang="ja-JP" altLang="en-US" sz="800" dirty="0">
                 <a:latin typeface="メイリオ" panose="020B0604030504040204" pitchFamily="50" charset="-128"/>
                 <a:ea typeface="メイリオ" panose="020B0604030504040204" pitchFamily="50" charset="-128"/>
               </a:rPr>
               <a:t>バックログ</a:t>
             </a:r>
-            <a:endParaRPr kumimoji="1" lang="ja-JP" altLang="en-US" sz="800" dirty="0">
-              <a:latin typeface="メイリオ" panose="020B0604030504040204" pitchFamily="50" charset="-128"/>
-              <a:ea typeface="メイリオ" panose="020B0604030504040204" pitchFamily="50" charset="-128"/>
-            </a:endParaRPr>
           </a:p>
         </p:txBody>
       </p:sp>
@@ -9070,16 +8612,12 @@
           <a:p>
             <a:pPr algn="ctr"/>
             <a:r>
-              <a:rPr kumimoji="1" lang="ja-JP" altLang="en-US" sz="800" dirty="0" smtClean="0">
+              <a:rPr kumimoji="1" lang="ja-JP" altLang="en-US" sz="800" dirty="0">
                 <a:latin typeface="メイリオ" panose="020B0604030504040204" pitchFamily="50" charset="-128"/>
                 <a:ea typeface="メイリオ" panose="020B0604030504040204" pitchFamily="50" charset="-128"/>
               </a:rPr>
               <a:t>バックログ</a:t>
             </a:r>
-            <a:endParaRPr kumimoji="1" lang="ja-JP" altLang="en-US" sz="800" dirty="0">
-              <a:latin typeface="メイリオ" panose="020B0604030504040204" pitchFamily="50" charset="-128"/>
-              <a:ea typeface="メイリオ" panose="020B0604030504040204" pitchFamily="50" charset="-128"/>
-            </a:endParaRPr>
           </a:p>
         </p:txBody>
       </p:sp>
@@ -9118,16 +8656,12 @@
           <a:p>
             <a:pPr algn="ctr"/>
             <a:r>
-              <a:rPr kumimoji="1" lang="ja-JP" altLang="en-US" sz="800" dirty="0" smtClean="0">
+              <a:rPr kumimoji="1" lang="ja-JP" altLang="en-US" sz="800" dirty="0">
                 <a:latin typeface="メイリオ" panose="020B0604030504040204" pitchFamily="50" charset="-128"/>
                 <a:ea typeface="メイリオ" panose="020B0604030504040204" pitchFamily="50" charset="-128"/>
               </a:rPr>
               <a:t>バックログ</a:t>
             </a:r>
-            <a:endParaRPr kumimoji="1" lang="ja-JP" altLang="en-US" sz="800" dirty="0">
-              <a:latin typeface="メイリオ" panose="020B0604030504040204" pitchFamily="50" charset="-128"/>
-              <a:ea typeface="メイリオ" panose="020B0604030504040204" pitchFamily="50" charset="-128"/>
-            </a:endParaRPr>
           </a:p>
         </p:txBody>
       </p:sp>
@@ -9166,16 +8700,12 @@
           <a:p>
             <a:pPr algn="ctr"/>
             <a:r>
-              <a:rPr kumimoji="1" lang="ja-JP" altLang="en-US" sz="800" dirty="0" smtClean="0">
+              <a:rPr kumimoji="1" lang="ja-JP" altLang="en-US" sz="800" dirty="0">
                 <a:latin typeface="メイリオ" panose="020B0604030504040204" pitchFamily="50" charset="-128"/>
                 <a:ea typeface="メイリオ" panose="020B0604030504040204" pitchFamily="50" charset="-128"/>
               </a:rPr>
               <a:t>バックログ</a:t>
             </a:r>
-            <a:endParaRPr kumimoji="1" lang="ja-JP" altLang="en-US" sz="800" dirty="0">
-              <a:latin typeface="メイリオ" panose="020B0604030504040204" pitchFamily="50" charset="-128"/>
-              <a:ea typeface="メイリオ" panose="020B0604030504040204" pitchFamily="50" charset="-128"/>
-            </a:endParaRPr>
           </a:p>
         </p:txBody>
       </p:sp>
@@ -9214,16 +8744,12 @@
           <a:p>
             <a:pPr algn="ctr"/>
             <a:r>
-              <a:rPr kumimoji="1" lang="ja-JP" altLang="en-US" sz="800" dirty="0" smtClean="0">
+              <a:rPr kumimoji="1" lang="ja-JP" altLang="en-US" sz="800" dirty="0">
                 <a:latin typeface="メイリオ" panose="020B0604030504040204" pitchFamily="50" charset="-128"/>
                 <a:ea typeface="メイリオ" panose="020B0604030504040204" pitchFamily="50" charset="-128"/>
               </a:rPr>
               <a:t>バックログ</a:t>
             </a:r>
-            <a:endParaRPr kumimoji="1" lang="ja-JP" altLang="en-US" sz="800" dirty="0">
-              <a:latin typeface="メイリオ" panose="020B0604030504040204" pitchFamily="50" charset="-128"/>
-              <a:ea typeface="メイリオ" panose="020B0604030504040204" pitchFamily="50" charset="-128"/>
-            </a:endParaRPr>
           </a:p>
         </p:txBody>
       </p:sp>
@@ -9262,16 +8788,12 @@
           <a:p>
             <a:pPr algn="ctr"/>
             <a:r>
-              <a:rPr kumimoji="1" lang="ja-JP" altLang="en-US" sz="800" dirty="0" smtClean="0">
+              <a:rPr kumimoji="1" lang="ja-JP" altLang="en-US" sz="800" dirty="0">
                 <a:latin typeface="メイリオ" panose="020B0604030504040204" pitchFamily="50" charset="-128"/>
                 <a:ea typeface="メイリオ" panose="020B0604030504040204" pitchFamily="50" charset="-128"/>
               </a:rPr>
               <a:t>バックログ</a:t>
             </a:r>
-            <a:endParaRPr kumimoji="1" lang="ja-JP" altLang="en-US" sz="800" dirty="0">
-              <a:latin typeface="メイリオ" panose="020B0604030504040204" pitchFamily="50" charset="-128"/>
-              <a:ea typeface="メイリオ" panose="020B0604030504040204" pitchFamily="50" charset="-128"/>
-            </a:endParaRPr>
           </a:p>
         </p:txBody>
       </p:sp>
@@ -9285,13 +8807,6 @@
   <p:clrMapOvr>
     <a:masterClrMapping/>
   </p:clrMapOvr>
-  <p:timing>
-    <p:tnLst>
-      <p:par>
-        <p:cTn id="1" dur="indefinite" restart="never" nodeType="tmRoot"/>
-      </p:par>
-    </p:tnLst>
-  </p:timing>
 </p:sld>
 </file>
 
@@ -9328,14 +8843,11 @@
           <a:lstStyle/>
           <a:p>
             <a:r>
-              <a:rPr kumimoji="1" lang="ja-JP" altLang="en-US" dirty="0" smtClean="0">
+              <a:rPr kumimoji="1" lang="ja-JP" altLang="en-US" dirty="0">
                 <a:latin typeface="メイリオ" panose="020B0604030504040204" pitchFamily="50" charset="-128"/>
               </a:rPr>
               <a:t>クライテリア項目一覧の利用方法</a:t>
             </a:r>
-            <a:endParaRPr kumimoji="1" lang="ja-JP" altLang="en-US" dirty="0">
-              <a:latin typeface="メイリオ" panose="020B0604030504040204" pitchFamily="50" charset="-128"/>
-            </a:endParaRPr>
           </a:p>
         </p:txBody>
       </p:sp>
@@ -9378,13 +8890,6 @@
   <p:clrMapOvr>
     <a:masterClrMapping/>
   </p:clrMapOvr>
-  <p:timing>
-    <p:tnLst>
-      <p:par>
-        <p:cTn id="1" dur="indefinite" restart="never" nodeType="tmRoot"/>
-      </p:par>
-    </p:tnLst>
-  </p:timing>
 </p:sld>
 </file>
 
@@ -9421,14 +8926,11 @@
           <a:lstStyle/>
           <a:p>
             <a:r>
-              <a:rPr kumimoji="1" lang="ja-JP" altLang="en-US" dirty="0" smtClean="0">
+              <a:rPr kumimoji="1" lang="ja-JP" altLang="en-US" dirty="0">
                 <a:latin typeface="メイリオ" panose="020B0604030504040204" pitchFamily="50" charset="-128"/>
               </a:rPr>
               <a:t>クライテリア項目一覧の利用方法</a:t>
             </a:r>
-            <a:endParaRPr kumimoji="1" lang="ja-JP" altLang="en-US" dirty="0">
-              <a:latin typeface="メイリオ" panose="020B0604030504040204" pitchFamily="50" charset="-128"/>
-            </a:endParaRPr>
           </a:p>
         </p:txBody>
       </p:sp>
@@ -9450,53 +8952,47 @@
           <a:lstStyle/>
           <a:p>
             <a:r>
-              <a:rPr kumimoji="1" lang="ja-JP" altLang="en-US" sz="2000" dirty="0" smtClean="0">
+              <a:rPr kumimoji="1" lang="ja-JP" altLang="en-US" sz="2000" dirty="0">
                 <a:latin typeface="メイリオ" panose="020B0604030504040204" pitchFamily="50" charset="-128"/>
               </a:rPr>
               <a:t>クライテリア項目一覧は</a:t>
             </a:r>
             <a:r>
-              <a:rPr kumimoji="1" lang="en-US" altLang="ja-JP" sz="2000" dirty="0" smtClean="0">
+              <a:rPr kumimoji="1" lang="en-US" altLang="ja-JP" sz="2000" dirty="0">
                 <a:latin typeface="メイリオ" panose="020B0604030504040204" pitchFamily="50" charset="-128"/>
               </a:rPr>
               <a:t>Entry</a:t>
             </a:r>
             <a:r>
-              <a:rPr kumimoji="1" lang="ja-JP" altLang="en-US" sz="2000" dirty="0" smtClean="0">
+              <a:rPr kumimoji="1" lang="ja-JP" altLang="en-US" sz="2000" dirty="0">
                 <a:latin typeface="メイリオ" panose="020B0604030504040204" pitchFamily="50" charset="-128"/>
               </a:rPr>
               <a:t>審査用、</a:t>
             </a:r>
             <a:r>
-              <a:rPr kumimoji="1" lang="en-US" altLang="ja-JP" sz="2000" dirty="0" smtClean="0">
+              <a:rPr kumimoji="1" lang="en-US" altLang="ja-JP" sz="2000" dirty="0">
                 <a:latin typeface="メイリオ" panose="020B0604030504040204" pitchFamily="50" charset="-128"/>
               </a:rPr>
               <a:t>Exit</a:t>
             </a:r>
             <a:r>
-              <a:rPr kumimoji="1" lang="ja-JP" altLang="en-US" sz="2000" dirty="0" smtClean="0">
+              <a:rPr kumimoji="1" lang="ja-JP" altLang="en-US" sz="2000" dirty="0">
                 <a:latin typeface="メイリオ" panose="020B0604030504040204" pitchFamily="50" charset="-128"/>
               </a:rPr>
               <a:t>審査用のシートを</a:t>
             </a:r>
-            <a:r>
-              <a:rPr kumimoji="1" lang="en-US" altLang="ja-JP" sz="2000" dirty="0" smtClean="0">
-                <a:latin typeface="メイリオ" panose="020B0604030504040204" pitchFamily="50" charset="-128"/>
-              </a:rPr>
-              <a:t/>
-            </a:r>
             <a:br>
-              <a:rPr kumimoji="1" lang="en-US" altLang="ja-JP" sz="2000" dirty="0" smtClean="0">
+              <a:rPr kumimoji="1" lang="en-US" altLang="ja-JP" sz="2000" dirty="0">
                 <a:latin typeface="メイリオ" panose="020B0604030504040204" pitchFamily="50" charset="-128"/>
               </a:rPr>
             </a:br>
             <a:r>
-              <a:rPr kumimoji="1" lang="ja-JP" altLang="en-US" sz="2000" dirty="0" smtClean="0">
+              <a:rPr kumimoji="1" lang="ja-JP" altLang="en-US" sz="2000" dirty="0">
                 <a:latin typeface="メイリオ" panose="020B0604030504040204" pitchFamily="50" charset="-128"/>
               </a:rPr>
               <a:t>用意している。</a:t>
             </a:r>
-            <a:endParaRPr kumimoji="1" lang="en-US" altLang="ja-JP" sz="2000" dirty="0" smtClean="0">
+            <a:endParaRPr kumimoji="1" lang="en-US" altLang="ja-JP" sz="2000" dirty="0">
               <a:latin typeface="メイリオ" panose="020B0604030504040204" pitchFamily="50" charset="-128"/>
             </a:endParaRPr>
           </a:p>
@@ -9517,112 +9013,94 @@
               <a:rPr lang="ja-JP" altLang="en-US" sz="2000" dirty="0">
                 <a:latin typeface="メイリオ" panose="020B0604030504040204" pitchFamily="50" charset="-128"/>
               </a:rPr>
-              <a:t>特性に応じて修正を実施</a:t>
-            </a:r>
-            <a:r>
-              <a:rPr lang="ja-JP" altLang="en-US" sz="2000" dirty="0" smtClean="0">
-                <a:latin typeface="メイリオ" panose="020B0604030504040204" pitchFamily="50" charset="-128"/>
-              </a:rPr>
-              <a:t>する。</a:t>
-            </a:r>
-            <a:endParaRPr kumimoji="1" lang="en-US" altLang="ja-JP" sz="2000" dirty="0" smtClean="0">
+              <a:t>特性に応じて修正を実施する。</a:t>
+            </a:r>
+            <a:endParaRPr kumimoji="1" lang="en-US" altLang="ja-JP" sz="2000" dirty="0">
               <a:latin typeface="メイリオ" panose="020B0604030504040204" pitchFamily="50" charset="-128"/>
             </a:endParaRPr>
           </a:p>
           <a:p>
             <a:r>
-              <a:rPr lang="ja-JP" altLang="en-US" sz="2000" dirty="0" smtClean="0">
+              <a:rPr lang="ja-JP" altLang="en-US" sz="2000" dirty="0">
                 <a:latin typeface="メイリオ" panose="020B0604030504040204" pitchFamily="50" charset="-128"/>
               </a:rPr>
               <a:t>クライテリア審査時期を計画し、計画された数だけ</a:t>
             </a:r>
-            <a:r>
-              <a:rPr lang="en-US" altLang="ja-JP" sz="2000" dirty="0" smtClean="0">
-                <a:latin typeface="メイリオ" panose="020B0604030504040204" pitchFamily="50" charset="-128"/>
-              </a:rPr>
-              <a:t/>
-            </a:r>
             <a:br>
-              <a:rPr lang="en-US" altLang="ja-JP" sz="2000" dirty="0" smtClean="0">
+              <a:rPr lang="en-US" altLang="ja-JP" sz="2000" dirty="0">
                 <a:latin typeface="メイリオ" panose="020B0604030504040204" pitchFamily="50" charset="-128"/>
               </a:rPr>
             </a:br>
             <a:r>
-              <a:rPr lang="ja-JP" altLang="en-US" sz="2000" dirty="0" smtClean="0">
+              <a:rPr lang="ja-JP" altLang="en-US" sz="2000" dirty="0">
                 <a:latin typeface="メイリオ" panose="020B0604030504040204" pitchFamily="50" charset="-128"/>
               </a:rPr>
               <a:t>シートを複製する。</a:t>
             </a:r>
-            <a:endParaRPr lang="en-US" altLang="ja-JP" sz="2000" dirty="0" smtClean="0">
+            <a:endParaRPr lang="en-US" altLang="ja-JP" sz="2000" dirty="0">
               <a:latin typeface="メイリオ" panose="020B0604030504040204" pitchFamily="50" charset="-128"/>
             </a:endParaRPr>
           </a:p>
           <a:p>
             <a:r>
-              <a:rPr kumimoji="1" lang="en-US" altLang="ja-JP" sz="2000" dirty="0" smtClean="0">
+              <a:rPr kumimoji="1" lang="en-US" altLang="ja-JP" sz="2000" dirty="0">
                 <a:latin typeface="メイリオ" panose="020B0604030504040204" pitchFamily="50" charset="-128"/>
               </a:rPr>
               <a:t>A</a:t>
             </a:r>
             <a:r>
-              <a:rPr kumimoji="1" lang="ja-JP" altLang="en-US" sz="2000" dirty="0" smtClean="0">
+              <a:rPr kumimoji="1" lang="ja-JP" altLang="en-US" sz="2000" dirty="0">
                 <a:latin typeface="メイリオ" panose="020B0604030504040204" pitchFamily="50" charset="-128"/>
               </a:rPr>
               <a:t>列～</a:t>
             </a:r>
             <a:r>
-              <a:rPr kumimoji="1" lang="en-US" altLang="ja-JP" sz="2000" dirty="0" smtClean="0">
+              <a:rPr kumimoji="1" lang="en-US" altLang="ja-JP" sz="2000" dirty="0">
                 <a:latin typeface="メイリオ" panose="020B0604030504040204" pitchFamily="50" charset="-128"/>
               </a:rPr>
               <a:t>K</a:t>
             </a:r>
             <a:r>
-              <a:rPr kumimoji="1" lang="ja-JP" altLang="en-US" sz="2000" dirty="0" smtClean="0">
+              <a:rPr kumimoji="1" lang="ja-JP" altLang="en-US" sz="2000" dirty="0">
                 <a:latin typeface="メイリオ" panose="020B0604030504040204" pitchFamily="50" charset="-128"/>
               </a:rPr>
               <a:t>列で各タイミングの審査で必要な項目を</a:t>
             </a:r>
-            <a:r>
-              <a:rPr kumimoji="1" lang="en-US" altLang="ja-JP" sz="2000" dirty="0" smtClean="0">
-                <a:latin typeface="メイリオ" panose="020B0604030504040204" pitchFamily="50" charset="-128"/>
-              </a:rPr>
-              <a:t/>
-            </a:r>
             <a:br>
-              <a:rPr kumimoji="1" lang="en-US" altLang="ja-JP" sz="2000" dirty="0" smtClean="0">
+              <a:rPr kumimoji="1" lang="en-US" altLang="ja-JP" sz="2000" dirty="0">
                 <a:latin typeface="メイリオ" panose="020B0604030504040204" pitchFamily="50" charset="-128"/>
               </a:rPr>
             </a:br>
             <a:r>
-              <a:rPr kumimoji="1" lang="ja-JP" altLang="en-US" sz="2000" dirty="0" smtClean="0">
+              <a:rPr kumimoji="1" lang="ja-JP" altLang="en-US" sz="2000" dirty="0">
                 <a:latin typeface="メイリオ" panose="020B0604030504040204" pitchFamily="50" charset="-128"/>
               </a:rPr>
               <a:t>フィルタリングする。</a:t>
             </a:r>
-            <a:endParaRPr kumimoji="1" lang="en-US" altLang="ja-JP" sz="2000" dirty="0" smtClean="0">
+            <a:endParaRPr kumimoji="1" lang="en-US" altLang="ja-JP" sz="2000" dirty="0">
               <a:latin typeface="メイリオ" panose="020B0604030504040204" pitchFamily="50" charset="-128"/>
             </a:endParaRPr>
           </a:p>
           <a:p>
             <a:r>
-              <a:rPr lang="ja-JP" altLang="en-US" sz="2000" dirty="0" smtClean="0">
+              <a:rPr lang="ja-JP" altLang="en-US" sz="2000" dirty="0">
                 <a:latin typeface="メイリオ" panose="020B0604030504040204" pitchFamily="50" charset="-128"/>
               </a:rPr>
               <a:t>フィルタリング対象項目は</a:t>
             </a:r>
             <a:r>
-              <a:rPr lang="en-US" altLang="ja-JP" sz="2000" dirty="0" smtClean="0">
+              <a:rPr lang="en-US" altLang="ja-JP" sz="2000" dirty="0">
                 <a:latin typeface="メイリオ" panose="020B0604030504040204" pitchFamily="50" charset="-128"/>
               </a:rPr>
               <a:t>PJ</a:t>
             </a:r>
             <a:r>
-              <a:rPr lang="ja-JP" altLang="en-US" sz="2000" dirty="0" smtClean="0">
+              <a:rPr lang="ja-JP" altLang="en-US" sz="2000" dirty="0">
                 <a:latin typeface="メイリオ" panose="020B0604030504040204" pitchFamily="50" charset="-128"/>
               </a:rPr>
               <a:t>特性に応じて修正を実施する。</a:t>
             </a:r>
-            <a:endParaRPr lang="en-US" altLang="ja-JP" sz="2000" dirty="0" smtClean="0">
+            <a:endParaRPr lang="en-US" altLang="ja-JP" sz="2000" dirty="0">
               <a:latin typeface="メイリオ" panose="020B0604030504040204" pitchFamily="50" charset="-128"/>
             </a:endParaRPr>
           </a:p>
@@ -9667,13 +9145,6 @@
   <p:clrMapOvr>
     <a:masterClrMapping/>
   </p:clrMapOvr>
-  <p:timing>
-    <p:tnLst>
-      <p:par>
-        <p:cTn id="1" dur="indefinite" restart="never" nodeType="tmRoot"/>
-      </p:par>
-    </p:tnLst>
-  </p:timing>
 </p:sld>
 </file>
 
@@ -9710,14 +9181,11 @@
           <a:lstStyle/>
           <a:p>
             <a:r>
-              <a:rPr kumimoji="1" lang="ja-JP" altLang="en-US" dirty="0" smtClean="0">
+              <a:rPr kumimoji="1" lang="ja-JP" altLang="en-US" dirty="0">
                 <a:latin typeface="メイリオ" panose="020B0604030504040204" pitchFamily="50" charset="-128"/>
               </a:rPr>
               <a:t>クライテリアとクライテリアマネジメント</a:t>
             </a:r>
-            <a:endParaRPr kumimoji="1" lang="ja-JP" altLang="en-US" dirty="0">
-              <a:latin typeface="メイリオ" panose="020B0604030504040204" pitchFamily="50" charset="-128"/>
-            </a:endParaRPr>
           </a:p>
         </p:txBody>
       </p:sp>
@@ -9796,16 +9264,12 @@
           <a:p>
             <a:pPr algn="l" defTabSz="957263"/>
             <a:r>
-              <a:rPr lang="ja-JP" altLang="en-US" sz="1800" dirty="0" smtClean="0">
+              <a:rPr lang="ja-JP" altLang="en-US" sz="1800" dirty="0">
                 <a:latin typeface="メイリオ" panose="020B0604030504040204" pitchFamily="50" charset="-128"/>
                 <a:ea typeface="メイリオ" panose="020B0604030504040204" pitchFamily="50" charset="-128"/>
               </a:rPr>
               <a:t>クライテリアとは</a:t>
             </a:r>
-            <a:endParaRPr lang="ja-JP" altLang="en-US" sz="1800" dirty="0">
-              <a:latin typeface="メイリオ" panose="020B0604030504040204" pitchFamily="50" charset="-128"/>
-              <a:ea typeface="メイリオ" panose="020B0604030504040204" pitchFamily="50" charset="-128"/>
-            </a:endParaRPr>
           </a:p>
         </p:txBody>
       </p:sp>
@@ -9939,7 +9403,7 @@
           <a:p>
             <a:pPr eaLnBrk="1" hangingPunct="1"/>
             <a:r>
-              <a:rPr lang="ja-JP" altLang="en-US" sz="1400" dirty="0" smtClean="0">
+              <a:rPr lang="ja-JP" altLang="en-US" sz="1400" dirty="0">
                 <a:latin typeface="メイリオ" panose="020B0604030504040204" pitchFamily="50" charset="-128"/>
                 <a:ea typeface="メイリオ" panose="020B0604030504040204" pitchFamily="50" charset="-128"/>
               </a:rPr>
@@ -9950,56 +9414,42 @@
                 <a:latin typeface="メイリオ" panose="020B0604030504040204" pitchFamily="50" charset="-128"/>
                 <a:ea typeface="メイリオ" panose="020B0604030504040204" pitchFamily="50" charset="-128"/>
               </a:rPr>
-              <a:t>(Criteria</a:t>
-            </a:r>
-            <a:r>
-              <a:rPr lang="en-US" altLang="ja-JP" sz="1400" dirty="0" smtClean="0">
+              <a:t>(Criteria)</a:t>
+            </a:r>
+            <a:r>
+              <a:rPr lang="ja-JP" altLang="en-US" sz="1400" dirty="0">
+                <a:latin typeface="メイリオ" panose="020B0604030504040204" pitchFamily="50" charset="-128"/>
+                <a:ea typeface="メイリオ" panose="020B0604030504040204" pitchFamily="50" charset="-128"/>
+              </a:rPr>
+              <a:t>とは、主要タスク</a:t>
+            </a:r>
+            <a:r>
+              <a:rPr lang="en-US" altLang="ja-JP" sz="1400" dirty="0">
+                <a:latin typeface="メイリオ" panose="020B0604030504040204" pitchFamily="50" charset="-128"/>
+                <a:ea typeface="メイリオ" panose="020B0604030504040204" pitchFamily="50" charset="-128"/>
+              </a:rPr>
+              <a:t>(</a:t>
+            </a:r>
+            <a:r>
+              <a:rPr lang="ja-JP" altLang="en-US" sz="1400" dirty="0">
+                <a:latin typeface="メイリオ" panose="020B0604030504040204" pitchFamily="50" charset="-128"/>
+                <a:ea typeface="メイリオ" panose="020B0604030504040204" pitchFamily="50" charset="-128"/>
+              </a:rPr>
+              <a:t>開発工程等</a:t>
+            </a:r>
+            <a:r>
+              <a:rPr lang="en-US" altLang="ja-JP" sz="1400" dirty="0">
                 <a:latin typeface="メイリオ" panose="020B0604030504040204" pitchFamily="50" charset="-128"/>
                 <a:ea typeface="メイリオ" panose="020B0604030504040204" pitchFamily="50" charset="-128"/>
               </a:rPr>
               <a:t>)</a:t>
             </a:r>
             <a:r>
-              <a:rPr lang="ja-JP" altLang="en-US" sz="1400" dirty="0" smtClean="0">
-                <a:latin typeface="メイリオ" panose="020B0604030504040204" pitchFamily="50" charset="-128"/>
-                <a:ea typeface="メイリオ" panose="020B0604030504040204" pitchFamily="50" charset="-128"/>
-              </a:rPr>
-              <a:t>とは、主要タスク</a:t>
-            </a:r>
-            <a:r>
-              <a:rPr lang="en-US" altLang="ja-JP" sz="1400" dirty="0" smtClean="0">
-                <a:latin typeface="メイリオ" panose="020B0604030504040204" pitchFamily="50" charset="-128"/>
-                <a:ea typeface="メイリオ" panose="020B0604030504040204" pitchFamily="50" charset="-128"/>
-              </a:rPr>
-              <a:t>(</a:t>
-            </a:r>
-            <a:r>
-              <a:rPr lang="ja-JP" altLang="en-US" sz="1400" dirty="0" smtClean="0">
-                <a:latin typeface="メイリオ" panose="020B0604030504040204" pitchFamily="50" charset="-128"/>
-                <a:ea typeface="メイリオ" panose="020B0604030504040204" pitchFamily="50" charset="-128"/>
-              </a:rPr>
-              <a:t>開発工程等</a:t>
-            </a:r>
-            <a:r>
-              <a:rPr lang="en-US" altLang="ja-JP" sz="1400" dirty="0" smtClean="0">
-                <a:latin typeface="メイリオ" panose="020B0604030504040204" pitchFamily="50" charset="-128"/>
-                <a:ea typeface="メイリオ" panose="020B0604030504040204" pitchFamily="50" charset="-128"/>
-              </a:rPr>
-              <a:t>)</a:t>
-            </a:r>
-            <a:r>
-              <a:rPr lang="ja-JP" altLang="en-US" sz="1400" dirty="0" smtClean="0">
-                <a:latin typeface="メイリオ" panose="020B0604030504040204" pitchFamily="50" charset="-128"/>
-                <a:ea typeface="メイリオ" panose="020B0604030504040204" pitchFamily="50" charset="-128"/>
-              </a:rPr>
-              <a:t>の</a:t>
-            </a:r>
-            <a:r>
               <a:rPr lang="ja-JP" altLang="en-US" sz="1400" dirty="0">
                 <a:latin typeface="メイリオ" panose="020B0604030504040204" pitchFamily="50" charset="-128"/>
                 <a:ea typeface="メイリオ" panose="020B0604030504040204" pitchFamily="50" charset="-128"/>
               </a:rPr>
-              <a:t>開始</a:t>
+              <a:t>の開始</a:t>
             </a:r>
             <a:r>
               <a:rPr lang="en-US" altLang="ja-JP" sz="1400" dirty="0">
@@ -10027,19 +9477,8 @@
                 <a:latin typeface="メイリオ" panose="020B0604030504040204" pitchFamily="50" charset="-128"/>
                 <a:ea typeface="メイリオ" panose="020B0604030504040204" pitchFamily="50" charset="-128"/>
               </a:rPr>
-              <a:t>を判定する「評価基準、判断基準</a:t>
-            </a:r>
-            <a:r>
-              <a:rPr lang="ja-JP" altLang="en-US" sz="1400" dirty="0" smtClean="0">
-                <a:latin typeface="メイリオ" panose="020B0604030504040204" pitchFamily="50" charset="-128"/>
-                <a:ea typeface="メイリオ" panose="020B0604030504040204" pitchFamily="50" charset="-128"/>
-              </a:rPr>
-              <a:t>」</a:t>
-            </a:r>
-            <a:endParaRPr lang="ja-JP" altLang="en-US" sz="1400" dirty="0">
-              <a:latin typeface="メイリオ" panose="020B0604030504040204" pitchFamily="50" charset="-128"/>
-              <a:ea typeface="メイリオ" panose="020B0604030504040204" pitchFamily="50" charset="-128"/>
-            </a:endParaRPr>
+              <a:t>を判定する「評価基準、判断基準」</a:t>
+            </a:r>
           </a:p>
         </p:txBody>
       </p:sp>
@@ -10089,16 +9528,12 @@
           <a:p>
             <a:pPr algn="l" defTabSz="957263"/>
             <a:r>
-              <a:rPr lang="ja-JP" altLang="en-US" sz="1800" dirty="0" smtClean="0">
+              <a:rPr lang="ja-JP" altLang="en-US" sz="1800" dirty="0">
                 <a:latin typeface="メイリオ" panose="020B0604030504040204" pitchFamily="50" charset="-128"/>
                 <a:ea typeface="メイリオ" panose="020B0604030504040204" pitchFamily="50" charset="-128"/>
               </a:rPr>
               <a:t>クライテリアマネジメントとは</a:t>
             </a:r>
-            <a:endParaRPr lang="ja-JP" altLang="en-US" sz="1800" dirty="0">
-              <a:latin typeface="メイリオ" panose="020B0604030504040204" pitchFamily="50" charset="-128"/>
-              <a:ea typeface="メイリオ" panose="020B0604030504040204" pitchFamily="50" charset="-128"/>
-            </a:endParaRPr>
           </a:p>
         </p:txBody>
       </p:sp>
@@ -10243,37 +9678,16 @@
                 <a:latin typeface="メイリオ" panose="020B0604030504040204" pitchFamily="50" charset="-128"/>
                 <a:ea typeface="メイリオ" panose="020B0604030504040204" pitchFamily="50" charset="-128"/>
               </a:rPr>
-              <a:t>(Criteria Management</a:t>
-            </a:r>
-            <a:r>
-              <a:rPr lang="en-US" altLang="ja-JP" sz="1400" dirty="0" smtClean="0">
-                <a:latin typeface="メイリオ" panose="020B0604030504040204" pitchFamily="50" charset="-128"/>
-                <a:ea typeface="メイリオ" panose="020B0604030504040204" pitchFamily="50" charset="-128"/>
-              </a:rPr>
-              <a:t>)</a:t>
-            </a:r>
-            <a:r>
-              <a:rPr lang="ja-JP" altLang="en-US" sz="1400" dirty="0" smtClean="0">
-                <a:latin typeface="メイリオ" panose="020B0604030504040204" pitchFamily="50" charset="-128"/>
-                <a:ea typeface="メイリオ" panose="020B0604030504040204" pitchFamily="50" charset="-128"/>
-              </a:rPr>
-              <a:t>とは、クライテリア</a:t>
+              <a:t>(Criteria Management)</a:t>
             </a:r>
             <a:r>
               <a:rPr lang="ja-JP" altLang="en-US" sz="1400" dirty="0">
                 <a:latin typeface="メイリオ" panose="020B0604030504040204" pitchFamily="50" charset="-128"/>
                 <a:ea typeface="メイリオ" panose="020B0604030504040204" pitchFamily="50" charset="-128"/>
               </a:rPr>
-              <a:t>の合意、クライテリア達成に向けたＰＪ監視・コントロール、達成度の最終合意の</a:t>
-            </a:r>
-            <a:r>
-              <a:rPr lang="ja-JP" altLang="en-US" sz="1400" dirty="0" smtClean="0">
-                <a:latin typeface="メイリオ" panose="020B0604030504040204" pitchFamily="50" charset="-128"/>
-                <a:ea typeface="メイリオ" panose="020B0604030504040204" pitchFamily="50" charset="-128"/>
-              </a:rPr>
-              <a:t>総称。</a:t>
-            </a:r>
-            <a:endParaRPr lang="en-US" altLang="ja-JP" sz="1400" dirty="0" smtClean="0">
+              <a:t>とは、クライテリアの合意、クライテリア達成に向けたＰＪ監視・コントロール、達成度の最終合意の総称。</a:t>
+            </a:r>
+            <a:endParaRPr lang="en-US" altLang="ja-JP" sz="1400" dirty="0">
               <a:latin typeface="メイリオ" panose="020B0604030504040204" pitchFamily="50" charset="-128"/>
               <a:ea typeface="メイリオ" panose="020B0604030504040204" pitchFamily="50" charset="-128"/>
             </a:endParaRPr>
@@ -10290,13 +9704,6 @@
   <p:clrMapOvr>
     <a:masterClrMapping/>
   </p:clrMapOvr>
-  <p:timing>
-    <p:tnLst>
-      <p:par>
-        <p:cTn id="1" dur="indefinite" restart="never" nodeType="tmRoot"/>
-      </p:par>
-    </p:tnLst>
-  </p:timing>
 </p:sld>
 </file>
 
@@ -10333,14 +9740,11 @@
           <a:lstStyle/>
           <a:p>
             <a:r>
-              <a:rPr kumimoji="1" lang="ja-JP" altLang="en-US" dirty="0" smtClean="0">
+              <a:rPr kumimoji="1" lang="ja-JP" altLang="en-US" dirty="0">
                 <a:latin typeface="メイリオ" panose="020B0604030504040204" pitchFamily="50" charset="-128"/>
               </a:rPr>
               <a:t>目的とねらい</a:t>
             </a:r>
-            <a:endParaRPr kumimoji="1" lang="ja-JP" altLang="en-US" dirty="0">
-              <a:latin typeface="メイリオ" panose="020B0604030504040204" pitchFamily="50" charset="-128"/>
-            </a:endParaRPr>
           </a:p>
         </p:txBody>
       </p:sp>
@@ -10404,7 +9808,6 @@
             <a:tailEnd/>
           </a:ln>
           <a:effectLst/>
-          <a:extLst/>
         </p:spPr>
         <p:txBody>
           <a:bodyPr wrap="none" anchor="ctr"/>
@@ -10452,7 +9855,6 @@
             <a:tailEnd/>
           </a:ln>
           <a:effectLst/>
-          <a:extLst/>
         </p:spPr>
         <p:txBody>
           <a:bodyPr wrap="none" anchor="ctr"/>
@@ -10597,30 +9999,9 @@
                 <a:latin typeface="メイリオ" panose="020B0604030504040204" pitchFamily="50" charset="-128"/>
                 <a:ea typeface="メイリオ" panose="020B0604030504040204" pitchFamily="50" charset="-128"/>
               </a:rPr>
-              <a:t> </a:t>
-            </a:r>
-            <a:r>
-              <a:rPr lang="ja-JP" altLang="en-US" sz="1300" dirty="0" smtClean="0">
-                <a:latin typeface="メイリオ" panose="020B0604030504040204" pitchFamily="50" charset="-128"/>
-                <a:ea typeface="メイリオ" panose="020B0604030504040204" pitchFamily="50" charset="-128"/>
-              </a:rPr>
-              <a:t>主要タスク（工程等）毎に</a:t>
-            </a:r>
-            <a:r>
-              <a:rPr lang="ja-JP" altLang="en-US" sz="1300" dirty="0">
-                <a:latin typeface="メイリオ" panose="020B0604030504040204" pitchFamily="50" charset="-128"/>
-                <a:ea typeface="メイリオ" panose="020B0604030504040204" pitchFamily="50" charset="-128"/>
-              </a:rPr>
-              <a:t>クライテリアを定義し、達成度</a:t>
-            </a:r>
-            <a:r>
-              <a:rPr lang="ja-JP" altLang="en-US" sz="1300" dirty="0" smtClean="0">
-                <a:latin typeface="メイリオ" panose="020B0604030504040204" pitchFamily="50" charset="-128"/>
-                <a:ea typeface="メイリオ" panose="020B0604030504040204" pitchFamily="50" charset="-128"/>
-              </a:rPr>
-              <a:t>を</a:t>
-            </a:r>
-            <a:endParaRPr lang="en-US" altLang="ja-JP" sz="1300" dirty="0" smtClean="0">
+              <a:t> 主要タスク（工程等）毎にクライテリアを定義し、達成度を</a:t>
+            </a:r>
+            <a:endParaRPr lang="en-US" altLang="ja-JP" sz="1300" dirty="0">
               <a:latin typeface="メイリオ" panose="020B0604030504040204" pitchFamily="50" charset="-128"/>
               <a:ea typeface="メイリオ" panose="020B0604030504040204" pitchFamily="50" charset="-128"/>
             </a:endParaRPr>
@@ -10628,32 +10009,25 @@
           <a:p>
             <a:pPr algn="l" defTabSz="957263"/>
             <a:r>
-              <a:rPr lang="ja-JP" altLang="en-US" sz="1300" dirty="0" smtClean="0">
+              <a:rPr lang="ja-JP" altLang="en-US" sz="1300" dirty="0">
                 <a:latin typeface="メイリオ" panose="020B0604030504040204" pitchFamily="50" charset="-128"/>
                 <a:ea typeface="メイリオ" panose="020B0604030504040204" pitchFamily="50" charset="-128"/>
               </a:rPr>
               <a:t> </a:t>
             </a:r>
             <a:r>
-              <a:rPr lang="en-US" altLang="ja-JP" sz="1300" dirty="0" smtClean="0">
+              <a:rPr lang="en-US" altLang="ja-JP" sz="1300" dirty="0">
                 <a:latin typeface="メイリオ" panose="020B0604030504040204" pitchFamily="50" charset="-128"/>
                 <a:ea typeface="メイリオ" panose="020B0604030504040204" pitchFamily="50" charset="-128"/>
               </a:rPr>
               <a:t>PJ</a:t>
             </a:r>
             <a:r>
-              <a:rPr lang="ja-JP" altLang="en-US" sz="1300" dirty="0" smtClean="0">
-                <a:latin typeface="メイリオ" panose="020B0604030504040204" pitchFamily="50" charset="-128"/>
-                <a:ea typeface="メイリオ" panose="020B0604030504040204" pitchFamily="50" charset="-128"/>
-              </a:rPr>
-              <a:t>の途上から確認する</a:t>
-            </a:r>
-            <a:r>
               <a:rPr lang="ja-JP" altLang="en-US" sz="1300" dirty="0">
                 <a:latin typeface="メイリオ" panose="020B0604030504040204" pitchFamily="50" charset="-128"/>
                 <a:ea typeface="メイリオ" panose="020B0604030504040204" pitchFamily="50" charset="-128"/>
               </a:rPr>
-              <a:t>ことで、目標達成確率を高める。</a:t>
+              <a:t>の途上から確認することで、目標達成確率を高める。</a:t>
             </a:r>
           </a:p>
           <a:p>
@@ -10663,30 +10037,9 @@
                 <a:latin typeface="メイリオ" panose="020B0604030504040204" pitchFamily="50" charset="-128"/>
                 <a:ea typeface="メイリオ" panose="020B0604030504040204" pitchFamily="50" charset="-128"/>
               </a:rPr>
-              <a:t> </a:t>
-            </a:r>
-            <a:r>
-              <a:rPr lang="ja-JP" altLang="en-US" sz="1300" dirty="0" smtClean="0">
-                <a:latin typeface="メイリオ" panose="020B0604030504040204" pitchFamily="50" charset="-128"/>
-                <a:ea typeface="メイリオ" panose="020B0604030504040204" pitchFamily="50" charset="-128"/>
-              </a:rPr>
-              <a:t>特にウォーターフォール開発の場合では、工程</a:t>
-            </a:r>
-            <a:r>
-              <a:rPr lang="ja-JP" altLang="en-US" sz="1300" dirty="0">
-                <a:latin typeface="メイリオ" panose="020B0604030504040204" pitchFamily="50" charset="-128"/>
-                <a:ea typeface="メイリオ" panose="020B0604030504040204" pitchFamily="50" charset="-128"/>
-              </a:rPr>
-              <a:t>が輻輳</a:t>
-            </a:r>
-            <a:r>
-              <a:rPr lang="ja-JP" altLang="en-US" sz="1300" dirty="0" smtClean="0">
-                <a:latin typeface="メイリオ" panose="020B0604030504040204" pitchFamily="50" charset="-128"/>
-                <a:ea typeface="メイリオ" panose="020B0604030504040204" pitchFamily="50" charset="-128"/>
-              </a:rPr>
-              <a:t>する</a:t>
-            </a:r>
-            <a:endParaRPr lang="en-US" altLang="ja-JP" sz="1300" dirty="0" smtClean="0">
+              <a:t> 特にウォーターフォール開発の場合では、工程が輻輳する</a:t>
+            </a:r>
+            <a:endParaRPr lang="en-US" altLang="ja-JP" sz="1300" dirty="0">
               <a:latin typeface="メイリオ" panose="020B0604030504040204" pitchFamily="50" charset="-128"/>
               <a:ea typeface="メイリオ" panose="020B0604030504040204" pitchFamily="50" charset="-128"/>
             </a:endParaRPr>
@@ -10701,41 +10054,13 @@
               <a:t> </a:t>
             </a:r>
             <a:r>
-              <a:rPr lang="ja-JP" altLang="en-US" sz="1300" dirty="0" smtClean="0">
-                <a:latin typeface="メイリオ" panose="020B0604030504040204" pitchFamily="50" charset="-128"/>
-                <a:ea typeface="メイリオ" panose="020B0604030504040204" pitchFamily="50" charset="-128"/>
-              </a:rPr>
-              <a:t>ＰＪにおいて、</a:t>
-            </a:r>
-            <a:r>
               <a:rPr lang="ja-JP" altLang="en-US" sz="1300" dirty="0">
                 <a:latin typeface="メイリオ" panose="020B0604030504040204" pitchFamily="50" charset="-128"/>
                 <a:ea typeface="メイリオ" panose="020B0604030504040204" pitchFamily="50" charset="-128"/>
               </a:rPr>
-              <a:t>次工程の開始条件</a:t>
-            </a:r>
-            <a:r>
-              <a:rPr lang="ja-JP" altLang="en-US" sz="1300" dirty="0" smtClean="0">
-                <a:latin typeface="メイリオ" panose="020B0604030504040204" pitchFamily="50" charset="-128"/>
-                <a:ea typeface="メイリオ" panose="020B0604030504040204" pitchFamily="50" charset="-128"/>
-              </a:rPr>
-              <a:t>を明確</a:t>
-            </a:r>
-            <a:r>
-              <a:rPr lang="ja-JP" altLang="en-US" sz="1300" dirty="0">
-                <a:latin typeface="メイリオ" panose="020B0604030504040204" pitchFamily="50" charset="-128"/>
-                <a:ea typeface="メイリオ" panose="020B0604030504040204" pitchFamily="50" charset="-128"/>
-              </a:rPr>
-              <a:t>にし、達成</a:t>
-            </a:r>
-            <a:r>
-              <a:rPr lang="ja-JP" altLang="en-US" sz="1300" dirty="0" smtClean="0">
-                <a:latin typeface="メイリオ" panose="020B0604030504040204" pitchFamily="50" charset="-128"/>
-                <a:ea typeface="メイリオ" panose="020B0604030504040204" pitchFamily="50" charset="-128"/>
-              </a:rPr>
-              <a:t>に</a:t>
-            </a:r>
-            <a:endParaRPr lang="en-US" altLang="ja-JP" sz="1300" dirty="0" smtClean="0">
+              <a:t>ＰＪにおいて、次工程の開始条件を明確にし、達成に</a:t>
+            </a:r>
+            <a:endParaRPr lang="en-US" altLang="ja-JP" sz="1300" dirty="0">
               <a:latin typeface="メイリオ" panose="020B0604030504040204" pitchFamily="50" charset="-128"/>
               <a:ea typeface="メイリオ" panose="020B0604030504040204" pitchFamily="50" charset="-128"/>
             </a:endParaRPr>
@@ -10750,32 +10075,11 @@
               <a:t> </a:t>
             </a:r>
             <a:r>
-              <a:rPr lang="ja-JP" altLang="en-US" sz="1300" dirty="0" smtClean="0">
-                <a:latin typeface="メイリオ" panose="020B0604030504040204" pitchFamily="50" charset="-128"/>
-                <a:ea typeface="メイリオ" panose="020B0604030504040204" pitchFamily="50" charset="-128"/>
-              </a:rPr>
-              <a:t>導く</a:t>
-            </a:r>
-            <a:r>
               <a:rPr lang="ja-JP" altLang="en-US" sz="1300" dirty="0">
                 <a:latin typeface="メイリオ" panose="020B0604030504040204" pitchFamily="50" charset="-128"/>
                 <a:ea typeface="メイリオ" panose="020B0604030504040204" pitchFamily="50" charset="-128"/>
               </a:rPr>
-              <a:t>こと</a:t>
-            </a:r>
-            <a:r>
-              <a:rPr lang="ja-JP" altLang="en-US" sz="1300" dirty="0" smtClean="0">
-                <a:latin typeface="メイリオ" panose="020B0604030504040204" pitchFamily="50" charset="-128"/>
-                <a:ea typeface="メイリオ" panose="020B0604030504040204" pitchFamily="50" charset="-128"/>
-              </a:rPr>
-              <a:t>が工程</a:t>
-            </a:r>
-            <a:r>
-              <a:rPr lang="ja-JP" altLang="en-US" sz="1300" dirty="0">
-                <a:latin typeface="メイリオ" panose="020B0604030504040204" pitchFamily="50" charset="-128"/>
-                <a:ea typeface="メイリオ" panose="020B0604030504040204" pitchFamily="50" charset="-128"/>
-              </a:rPr>
-              <a:t>終了達成にもつながる。</a:t>
+              <a:t>導くことが工程終了達成にもつながる。</a:t>
             </a:r>
           </a:p>
           <a:p>
@@ -10886,17 +10190,10 @@
                 <a:latin typeface="メイリオ" panose="020B0604030504040204" pitchFamily="50" charset="-128"/>
                 <a:ea typeface="メイリオ" panose="020B0604030504040204" pitchFamily="50" charset="-128"/>
               </a:rPr>
-              <a:t>マネジメント活動を健全に機能させ</a:t>
-            </a:r>
-            <a:r>
-              <a:rPr lang="ja-JP" altLang="en-US" sz="1400" b="1" dirty="0" smtClean="0">
-                <a:latin typeface="メイリオ" panose="020B0604030504040204" pitchFamily="50" charset="-128"/>
-                <a:ea typeface="メイリオ" panose="020B0604030504040204" pitchFamily="50" charset="-128"/>
-              </a:rPr>
-              <a:t>、</a:t>
-            </a:r>
-            <a:r>
-              <a:rPr lang="en-US" altLang="ja-JP" sz="1400" b="1" dirty="0" smtClean="0">
+              <a:t>マネジメント活動を健全に機能させ、</a:t>
+            </a:r>
+            <a:r>
+              <a:rPr lang="en-US" altLang="ja-JP" sz="1400" b="1" dirty="0">
                 <a:latin typeface="メイリオ" panose="020B0604030504040204" pitchFamily="50" charset="-128"/>
                 <a:ea typeface="メイリオ" panose="020B0604030504040204" pitchFamily="50" charset="-128"/>
               </a:rPr>
@@ -10907,49 +10204,21 @@
                 <a:latin typeface="メイリオ" panose="020B0604030504040204" pitchFamily="50" charset="-128"/>
                 <a:ea typeface="メイリオ" panose="020B0604030504040204" pitchFamily="50" charset="-128"/>
               </a:rPr>
-              <a:t>リスクの早期発見、問題拡大</a:t>
-            </a:r>
-            <a:r>
-              <a:rPr lang="ja-JP" altLang="en-US" sz="1400" b="1" dirty="0" smtClean="0">
-                <a:latin typeface="メイリオ" panose="020B0604030504040204" pitchFamily="50" charset="-128"/>
-                <a:ea typeface="メイリオ" panose="020B0604030504040204" pitchFamily="50" charset="-128"/>
-              </a:rPr>
-              <a:t>の未然</a:t>
+              <a:t>リスクの早期発見、問題拡大の未然防止を図り、</a:t>
+            </a:r>
+            <a:r>
+              <a:rPr lang="en-US" altLang="ja-JP" sz="1400" b="1" dirty="0">
+                <a:latin typeface="メイリオ" panose="020B0604030504040204" pitchFamily="50" charset="-128"/>
+                <a:ea typeface="メイリオ" panose="020B0604030504040204" pitchFamily="50" charset="-128"/>
+              </a:rPr>
+              <a:t>PJ</a:t>
             </a:r>
             <a:r>
               <a:rPr lang="ja-JP" altLang="en-US" sz="1400" b="1" dirty="0">
                 <a:latin typeface="メイリオ" panose="020B0604030504040204" pitchFamily="50" charset="-128"/>
                 <a:ea typeface="メイリオ" panose="020B0604030504040204" pitchFamily="50" charset="-128"/>
               </a:rPr>
-              <a:t>防止を図り、</a:t>
-            </a:r>
-            <a:r>
-              <a:rPr lang="en-US" altLang="ja-JP" sz="1400" b="1" dirty="0">
-                <a:latin typeface="メイリオ" panose="020B0604030504040204" pitchFamily="50" charset="-128"/>
-                <a:ea typeface="メイリオ" panose="020B0604030504040204" pitchFamily="50" charset="-128"/>
-              </a:rPr>
-              <a:t>PJ</a:t>
-            </a:r>
-            <a:r>
-              <a:rPr lang="ja-JP" altLang="en-US" sz="1400" b="1" dirty="0">
-                <a:latin typeface="メイリオ" panose="020B0604030504040204" pitchFamily="50" charset="-128"/>
-                <a:ea typeface="メイリオ" panose="020B0604030504040204" pitchFamily="50" charset="-128"/>
-              </a:rPr>
-              <a:t>を成功に導く</a:t>
-            </a:r>
-            <a:r>
-              <a:rPr lang="ja-JP" altLang="en-US" sz="1400" b="1" dirty="0" smtClean="0">
-                <a:latin typeface="メイリオ" panose="020B0604030504040204" pitchFamily="50" charset="-128"/>
-                <a:ea typeface="メイリオ" panose="020B0604030504040204" pitchFamily="50" charset="-128"/>
-              </a:rPr>
-              <a:t>道標と</a:t>
-            </a:r>
-            <a:r>
-              <a:rPr lang="ja-JP" altLang="en-US" sz="1400" b="1" dirty="0">
-                <a:latin typeface="メイリオ" panose="020B0604030504040204" pitchFamily="50" charset="-128"/>
-                <a:ea typeface="メイリオ" panose="020B0604030504040204" pitchFamily="50" charset="-128"/>
-              </a:rPr>
-              <a:t>する。　　　</a:t>
+              <a:t>を成功に導く道標とする。　　　</a:t>
             </a:r>
           </a:p>
         </p:txBody>
@@ -10964,13 +10233,6 @@
   <p:clrMapOvr>
     <a:masterClrMapping/>
   </p:clrMapOvr>
-  <p:timing>
-    <p:tnLst>
-      <p:par>
-        <p:cTn id="1" dur="indefinite" restart="never" nodeType="tmRoot"/>
-      </p:par>
-    </p:tnLst>
-  </p:timing>
 </p:sld>
 </file>
 
@@ -11057,13 +10319,6 @@
   <p:clrMapOvr>
     <a:masterClrMapping/>
   </p:clrMapOvr>
-  <p:timing>
-    <p:tnLst>
-      <p:par>
-        <p:cTn id="1" dur="indefinite" restart="never" nodeType="tmRoot"/>
-      </p:par>
-    </p:tnLst>
-  </p:timing>
 </p:sld>
 </file>
 
@@ -11100,14 +10355,11 @@
           <a:lstStyle/>
           <a:p>
             <a:r>
-              <a:rPr kumimoji="1" lang="ja-JP" altLang="en-US" dirty="0" smtClean="0">
+              <a:rPr kumimoji="1" lang="ja-JP" altLang="en-US" dirty="0">
                 <a:latin typeface="メイリオ" panose="020B0604030504040204" pitchFamily="50" charset="-128"/>
               </a:rPr>
               <a:t>自社開発での利用</a:t>
             </a:r>
-            <a:endParaRPr kumimoji="1" lang="ja-JP" altLang="en-US" dirty="0">
-              <a:latin typeface="メイリオ" panose="020B0604030504040204" pitchFamily="50" charset="-128"/>
-            </a:endParaRPr>
           </a:p>
         </p:txBody>
       </p:sp>
@@ -11163,45 +10415,45 @@
           <a:lstStyle/>
           <a:p>
             <a:r>
-              <a:rPr kumimoji="1" lang="ja-JP" altLang="en-US" dirty="0" smtClean="0">
+              <a:rPr kumimoji="1" lang="ja-JP" altLang="en-US" dirty="0">
                 <a:latin typeface="メイリオ" panose="020B0604030504040204" pitchFamily="50" charset="-128"/>
                 <a:ea typeface="メイリオ" panose="020B0604030504040204" pitchFamily="50" charset="-128"/>
               </a:rPr>
               <a:t>本コンテンツは、受託開発を想定した記載となっています。</a:t>
             </a:r>
-            <a:endParaRPr kumimoji="1" lang="en-US" altLang="ja-JP" dirty="0" smtClean="0">
+            <a:endParaRPr kumimoji="1" lang="en-US" altLang="ja-JP" dirty="0">
               <a:latin typeface="メイリオ" panose="020B0604030504040204" pitchFamily="50" charset="-128"/>
               <a:ea typeface="メイリオ" panose="020B0604030504040204" pitchFamily="50" charset="-128"/>
             </a:endParaRPr>
           </a:p>
           <a:p>
-            <a:endParaRPr kumimoji="1" lang="en-US" altLang="ja-JP" dirty="0" smtClean="0">
+            <a:endParaRPr kumimoji="1" lang="en-US" altLang="ja-JP" dirty="0">
               <a:latin typeface="メイリオ" panose="020B0604030504040204" pitchFamily="50" charset="-128"/>
               <a:ea typeface="メイリオ" panose="020B0604030504040204" pitchFamily="50" charset="-128"/>
             </a:endParaRPr>
           </a:p>
           <a:p>
             <a:r>
-              <a:rPr kumimoji="1" lang="ja-JP" altLang="en-US" dirty="0" smtClean="0">
+              <a:rPr kumimoji="1" lang="ja-JP" altLang="en-US" dirty="0">
                 <a:latin typeface="メイリオ" panose="020B0604030504040204" pitchFamily="50" charset="-128"/>
                 <a:ea typeface="メイリオ" panose="020B0604030504040204" pitchFamily="50" charset="-128"/>
               </a:rPr>
               <a:t>自社開発で利用する場合は、</a:t>
             </a:r>
-            <a:endParaRPr kumimoji="1" lang="en-US" altLang="ja-JP" dirty="0" smtClean="0">
+            <a:endParaRPr kumimoji="1" lang="en-US" altLang="ja-JP" dirty="0">
               <a:latin typeface="メイリオ" panose="020B0604030504040204" pitchFamily="50" charset="-128"/>
               <a:ea typeface="メイリオ" panose="020B0604030504040204" pitchFamily="50" charset="-128"/>
             </a:endParaRPr>
           </a:p>
           <a:p>
             <a:r>
-              <a:rPr kumimoji="1" lang="ja-JP" altLang="en-US" dirty="0" smtClean="0">
+              <a:rPr kumimoji="1" lang="ja-JP" altLang="en-US" dirty="0">
                 <a:latin typeface="メイリオ" panose="020B0604030504040204" pitchFamily="50" charset="-128"/>
                 <a:ea typeface="メイリオ" panose="020B0604030504040204" pitchFamily="50" charset="-128"/>
               </a:rPr>
               <a:t>「顧客」を「プロダクトマネージャー」と読み替えて利用してください。</a:t>
             </a:r>
-            <a:endParaRPr kumimoji="1" lang="en-US" altLang="ja-JP" dirty="0" smtClean="0">
+            <a:endParaRPr kumimoji="1" lang="en-US" altLang="ja-JP" dirty="0">
               <a:latin typeface="メイリオ" panose="020B0604030504040204" pitchFamily="50" charset="-128"/>
               <a:ea typeface="メイリオ" panose="020B0604030504040204" pitchFamily="50" charset="-128"/>
             </a:endParaRPr>
@@ -11218,13 +10470,6 @@
   <p:clrMapOvr>
     <a:masterClrMapping/>
   </p:clrMapOvr>
-  <p:timing>
-    <p:tnLst>
-      <p:par>
-        <p:cTn id="1" dur="indefinite" restart="never" nodeType="tmRoot"/>
-      </p:par>
-    </p:tnLst>
-  </p:timing>
 </p:sld>
 </file>
 
@@ -11261,14 +10506,11 @@
           <a:lstStyle/>
           <a:p>
             <a:r>
-              <a:rPr kumimoji="1" lang="ja-JP" altLang="en-US" dirty="0" smtClean="0">
+              <a:rPr kumimoji="1" lang="ja-JP" altLang="en-US" dirty="0">
                 <a:latin typeface="メイリオ" panose="020B0604030504040204" pitchFamily="50" charset="-128"/>
               </a:rPr>
               <a:t>クライテリアの内容</a:t>
             </a:r>
-            <a:endParaRPr kumimoji="1" lang="ja-JP" altLang="en-US" dirty="0">
-              <a:latin typeface="メイリオ" panose="020B0604030504040204" pitchFamily="50" charset="-128"/>
-            </a:endParaRPr>
           </a:p>
         </p:txBody>
       </p:sp>
@@ -11311,13 +10553,6 @@
   <p:clrMapOvr>
     <a:masterClrMapping/>
   </p:clrMapOvr>
-  <p:timing>
-    <p:tnLst>
-      <p:par>
-        <p:cTn id="1" dur="indefinite" restart="never" nodeType="tmRoot"/>
-      </p:par>
-    </p:tnLst>
-  </p:timing>
 </p:sld>
 </file>
 
@@ -11354,14 +10589,11 @@
           <a:lstStyle/>
           <a:p>
             <a:r>
-              <a:rPr kumimoji="1" lang="ja-JP" altLang="en-US" dirty="0" smtClean="0">
+              <a:rPr kumimoji="1" lang="ja-JP" altLang="en-US" dirty="0">
                 <a:latin typeface="メイリオ" panose="020B0604030504040204" pitchFamily="50" charset="-128"/>
               </a:rPr>
               <a:t>クライテリア項目の内容</a:t>
             </a:r>
-            <a:endParaRPr kumimoji="1" lang="ja-JP" altLang="en-US" dirty="0">
-              <a:latin typeface="メイリオ" panose="020B0604030504040204" pitchFamily="50" charset="-128"/>
-            </a:endParaRPr>
           </a:p>
         </p:txBody>
       </p:sp>
@@ -11417,26 +10649,26 @@
           <a:lstStyle/>
           <a:p>
             <a:r>
-              <a:rPr kumimoji="1" lang="ja-JP" altLang="en-US" dirty="0" smtClean="0">
+              <a:rPr kumimoji="1" lang="ja-JP" altLang="en-US" dirty="0">
                 <a:latin typeface="メイリオ" panose="020B0604030504040204" pitchFamily="50" charset="-128"/>
                 <a:ea typeface="メイリオ" panose="020B0604030504040204" pitchFamily="50" charset="-128"/>
               </a:rPr>
               <a:t>クライテリアは、プロジェクト内だけでの利用ではなく、</a:t>
             </a:r>
-            <a:endParaRPr kumimoji="1" lang="en-US" altLang="ja-JP" dirty="0" smtClean="0">
+            <a:endParaRPr kumimoji="1" lang="en-US" altLang="ja-JP" dirty="0">
               <a:latin typeface="メイリオ" panose="020B0604030504040204" pitchFamily="50" charset="-128"/>
               <a:ea typeface="メイリオ" panose="020B0604030504040204" pitchFamily="50" charset="-128"/>
             </a:endParaRPr>
           </a:p>
           <a:p>
             <a:r>
-              <a:rPr kumimoji="1" lang="ja-JP" altLang="en-US" dirty="0" smtClean="0">
+              <a:rPr kumimoji="1" lang="ja-JP" altLang="en-US" dirty="0">
                 <a:latin typeface="メイリオ" panose="020B0604030504040204" pitchFamily="50" charset="-128"/>
                 <a:ea typeface="メイリオ" panose="020B0604030504040204" pitchFamily="50" charset="-128"/>
               </a:rPr>
               <a:t>顧客やパートナー等のステークホルダーとの状況の共有にも利用するものです。</a:t>
             </a:r>
-            <a:endParaRPr kumimoji="1" lang="en-US" altLang="ja-JP" dirty="0" smtClean="0">
+            <a:endParaRPr kumimoji="1" lang="en-US" altLang="ja-JP" dirty="0">
               <a:latin typeface="メイリオ" panose="020B0604030504040204" pitchFamily="50" charset="-128"/>
               <a:ea typeface="メイリオ" panose="020B0604030504040204" pitchFamily="50" charset="-128"/>
             </a:endParaRPr>
@@ -11449,33 +10681,33 @@
           </a:p>
           <a:p>
             <a:r>
-              <a:rPr kumimoji="1" lang="ja-JP" altLang="en-US" dirty="0" smtClean="0">
+              <a:rPr kumimoji="1" lang="ja-JP" altLang="en-US" dirty="0">
                 <a:latin typeface="メイリオ" panose="020B0604030504040204" pitchFamily="50" charset="-128"/>
                 <a:ea typeface="メイリオ" panose="020B0604030504040204" pitchFamily="50" charset="-128"/>
               </a:rPr>
               <a:t>そのため、クライテリア項目には、</a:t>
             </a:r>
-            <a:endParaRPr kumimoji="1" lang="en-US" altLang="ja-JP" dirty="0" smtClean="0">
+            <a:endParaRPr kumimoji="1" lang="en-US" altLang="ja-JP" dirty="0">
               <a:latin typeface="メイリオ" panose="020B0604030504040204" pitchFamily="50" charset="-128"/>
               <a:ea typeface="メイリオ" panose="020B0604030504040204" pitchFamily="50" charset="-128"/>
             </a:endParaRPr>
           </a:p>
           <a:p>
             <a:r>
-              <a:rPr lang="ja-JP" altLang="en-US" dirty="0" smtClean="0">
+              <a:rPr lang="ja-JP" altLang="en-US" dirty="0">
                 <a:latin typeface="メイリオ" panose="020B0604030504040204" pitchFamily="50" charset="-128"/>
                 <a:ea typeface="メイリオ" panose="020B0604030504040204" pitchFamily="50" charset="-128"/>
               </a:rPr>
               <a:t>・プロジェクト内の評価達成基準（進捗の達成度や当たり前品質等の評価）</a:t>
             </a:r>
-            <a:endParaRPr lang="en-US" altLang="ja-JP" dirty="0" smtClean="0">
+            <a:endParaRPr lang="en-US" altLang="ja-JP" dirty="0">
               <a:latin typeface="メイリオ" panose="020B0604030504040204" pitchFamily="50" charset="-128"/>
               <a:ea typeface="メイリオ" panose="020B0604030504040204" pitchFamily="50" charset="-128"/>
             </a:endParaRPr>
           </a:p>
           <a:p>
             <a:r>
-              <a:rPr kumimoji="1" lang="ja-JP" altLang="en-US" dirty="0" smtClean="0">
+              <a:rPr kumimoji="1" lang="ja-JP" altLang="en-US" dirty="0">
                 <a:latin typeface="メイリオ" panose="020B0604030504040204" pitchFamily="50" charset="-128"/>
                 <a:ea typeface="メイリオ" panose="020B0604030504040204" pitchFamily="50" charset="-128"/>
               </a:rPr>
@@ -11486,82 +10718,61 @@
                 <a:latin typeface="メイリオ" panose="020B0604030504040204" pitchFamily="50" charset="-128"/>
                 <a:ea typeface="メイリオ" panose="020B0604030504040204" pitchFamily="50" charset="-128"/>
               </a:rPr>
-              <a:t>評価達成</a:t>
-            </a:r>
-            <a:r>
-              <a:rPr lang="ja-JP" altLang="en-US" dirty="0" smtClean="0">
-                <a:latin typeface="メイリオ" panose="020B0604030504040204" pitchFamily="50" charset="-128"/>
-                <a:ea typeface="メイリオ" panose="020B0604030504040204" pitchFamily="50" charset="-128"/>
-              </a:rPr>
-              <a:t>基準（</a:t>
-            </a:r>
-            <a:r>
-              <a:rPr lang="ja-JP" altLang="en-US" dirty="0">
-                <a:latin typeface="メイリオ" panose="020B0604030504040204" pitchFamily="50" charset="-128"/>
-                <a:ea typeface="メイリオ" panose="020B0604030504040204" pitchFamily="50" charset="-128"/>
-              </a:rPr>
-              <a:t>進捗の達成度や当たり前</a:t>
-            </a:r>
-            <a:r>
-              <a:rPr lang="ja-JP" altLang="en-US" dirty="0" smtClean="0">
-                <a:latin typeface="メイリオ" panose="020B0604030504040204" pitchFamily="50" charset="-128"/>
-                <a:ea typeface="メイリオ" panose="020B0604030504040204" pitchFamily="50" charset="-128"/>
-              </a:rPr>
-              <a:t>品質、受入基準の評価）</a:t>
-            </a:r>
-            <a:endParaRPr lang="en-US" altLang="ja-JP" dirty="0" smtClean="0">
+              <a:t>評価達成基準（進捗の達成度や当たり前品質、受入基準の評価）</a:t>
+            </a:r>
+            <a:endParaRPr lang="en-US" altLang="ja-JP" dirty="0">
               <a:latin typeface="メイリオ" panose="020B0604030504040204" pitchFamily="50" charset="-128"/>
               <a:ea typeface="メイリオ" panose="020B0604030504040204" pitchFamily="50" charset="-128"/>
             </a:endParaRPr>
           </a:p>
           <a:p>
             <a:r>
-              <a:rPr kumimoji="1" lang="ja-JP" altLang="en-US" dirty="0" smtClean="0">
+              <a:rPr kumimoji="1" lang="ja-JP" altLang="en-US" dirty="0">
                 <a:latin typeface="メイリオ" panose="020B0604030504040204" pitchFamily="50" charset="-128"/>
                 <a:ea typeface="メイリオ" panose="020B0604030504040204" pitchFamily="50" charset="-128"/>
               </a:rPr>
               <a:t>・顧客との評価達成基準（利用品質等の受入基準の評価）</a:t>
             </a:r>
-            <a:endParaRPr kumimoji="1" lang="en-US" altLang="ja-JP" dirty="0" smtClean="0">
+            <a:endParaRPr kumimoji="1" lang="en-US" altLang="ja-JP" dirty="0">
               <a:latin typeface="メイリオ" panose="020B0604030504040204" pitchFamily="50" charset="-128"/>
               <a:ea typeface="メイリオ" panose="020B0604030504040204" pitchFamily="50" charset="-128"/>
             </a:endParaRPr>
           </a:p>
           <a:p>
             <a:r>
-              <a:rPr lang="ja-JP" altLang="en-US" dirty="0" smtClean="0">
+              <a:rPr lang="ja-JP" altLang="en-US" dirty="0">
                 <a:latin typeface="メイリオ" panose="020B0604030504040204" pitchFamily="50" charset="-128"/>
                 <a:ea typeface="メイリオ" panose="020B0604030504040204" pitchFamily="50" charset="-128"/>
               </a:rPr>
               <a:t>を含めるようにします。</a:t>
             </a:r>
-            <a:endParaRPr lang="en-US" altLang="ja-JP" dirty="0" smtClean="0">
+            <a:endParaRPr lang="en-US" altLang="ja-JP" dirty="0">
               <a:latin typeface="メイリオ" panose="020B0604030504040204" pitchFamily="50" charset="-128"/>
               <a:ea typeface="メイリオ" panose="020B0604030504040204" pitchFamily="50" charset="-128"/>
             </a:endParaRPr>
           </a:p>
           <a:p>
-            <a:endParaRPr lang="en-US" altLang="ja-JP" dirty="0" smtClean="0">
+            <a:endParaRPr lang="en-US" altLang="ja-JP" dirty="0">
               <a:latin typeface="メイリオ" panose="020B0604030504040204" pitchFamily="50" charset="-128"/>
               <a:ea typeface="メイリオ" panose="020B0604030504040204" pitchFamily="50" charset="-128"/>
             </a:endParaRPr>
           </a:p>
           <a:p>
             <a:r>
-              <a:rPr kumimoji="1" lang="en-US" altLang="ja-JP" dirty="0" smtClean="0">
+              <a:rPr kumimoji="1" lang="en-US" altLang="ja-JP" dirty="0">
                 <a:latin typeface="メイリオ" panose="020B0604030504040204" pitchFamily="50" charset="-128"/>
                 <a:ea typeface="メイリオ" panose="020B0604030504040204" pitchFamily="50" charset="-128"/>
               </a:rPr>
               <a:t>※</a:t>
             </a:r>
             <a:r>
-              <a:rPr kumimoji="1" lang="ja-JP" altLang="en-US" dirty="0" smtClean="0">
+              <a:rPr kumimoji="1" lang="ja-JP" altLang="en-US" dirty="0">
                 <a:latin typeface="メイリオ" panose="020B0604030504040204" pitchFamily="50" charset="-128"/>
                 <a:ea typeface="メイリオ" panose="020B0604030504040204" pitchFamily="50" charset="-128"/>
               </a:rPr>
               <a:t>クライテリアマネジメントの進め方次第では、顧客が実施する判定については</a:t>
             </a:r>
-            <a:endParaRPr kumimoji="1" lang="en-US" altLang="ja-JP" dirty="0" smtClean="0">
+            <a:endParaRPr kumimoji="1" lang="en-US" altLang="ja-JP" dirty="0">
               <a:latin typeface="メイリオ" panose="020B0604030504040204" pitchFamily="50" charset="-128"/>
               <a:ea typeface="メイリオ" panose="020B0604030504040204" pitchFamily="50" charset="-128"/>
             </a:endParaRPr>
@@ -11572,16 +10783,9 @@
                 <a:latin typeface="メイリオ" panose="020B0604030504040204" pitchFamily="50" charset="-128"/>
                 <a:ea typeface="メイリオ" panose="020B0604030504040204" pitchFamily="50" charset="-128"/>
               </a:rPr>
-              <a:t>　</a:t>
-            </a:r>
-            <a:r>
-              <a:rPr lang="ja-JP" altLang="en-US" dirty="0" smtClean="0">
-                <a:latin typeface="メイリオ" panose="020B0604030504040204" pitchFamily="50" charset="-128"/>
-                <a:ea typeface="メイリオ" panose="020B0604030504040204" pitchFamily="50" charset="-128"/>
-              </a:rPr>
-              <a:t>顧客側で別途管理する場合もあります。</a:t>
-            </a:r>
-            <a:endParaRPr lang="en-US" altLang="ja-JP" dirty="0" smtClean="0">
+              <a:t>　顧客側で別途管理する場合もあります。</a:t>
+            </a:r>
+            <a:endParaRPr lang="en-US" altLang="ja-JP" dirty="0">
               <a:latin typeface="メイリオ" panose="020B0604030504040204" pitchFamily="50" charset="-128"/>
               <a:ea typeface="メイリオ" panose="020B0604030504040204" pitchFamily="50" charset="-128"/>
             </a:endParaRPr>
@@ -11604,13 +10808,6 @@
   <p:clrMapOvr>
     <a:masterClrMapping/>
   </p:clrMapOvr>
-  <p:timing>
-    <p:tnLst>
-      <p:par>
-        <p:cTn id="1" dur="indefinite" restart="never" nodeType="tmRoot"/>
-      </p:par>
-    </p:tnLst>
-  </p:timing>
 </p:sld>
 </file>
 
@@ -11647,14 +10844,11 @@
           <a:lstStyle/>
           <a:p>
             <a:r>
-              <a:rPr kumimoji="1" lang="ja-JP" altLang="en-US" dirty="0" smtClean="0">
+              <a:rPr kumimoji="1" lang="ja-JP" altLang="en-US" dirty="0">
                 <a:latin typeface="メイリオ" panose="020B0604030504040204" pitchFamily="50" charset="-128"/>
               </a:rPr>
               <a:t>スクラム開発におけるクライテリア</a:t>
             </a:r>
-            <a:endParaRPr kumimoji="1" lang="ja-JP" altLang="en-US" dirty="0">
-              <a:latin typeface="メイリオ" panose="020B0604030504040204" pitchFamily="50" charset="-128"/>
-            </a:endParaRPr>
           </a:p>
         </p:txBody>
       </p:sp>
@@ -11721,86 +10915,26 @@
           <a:lstStyle/>
           <a:p>
             <a:r>
-              <a:rPr lang="ja-JP" altLang="en-US" dirty="0" smtClean="0">
+              <a:rPr lang="ja-JP" altLang="en-US" dirty="0">
                 <a:latin typeface="メイリオ" panose="020B0604030504040204" pitchFamily="50" charset="-128"/>
                 <a:ea typeface="メイリオ" panose="020B0604030504040204" pitchFamily="50" charset="-128"/>
               </a:rPr>
               <a:t>スクラム開発における</a:t>
             </a:r>
             <a:r>
-              <a:rPr lang="en-US" altLang="ja-JP" dirty="0" smtClean="0">
+              <a:rPr lang="en-US" altLang="ja-JP" dirty="0">
                 <a:latin typeface="メイリオ" panose="020B0604030504040204" pitchFamily="50" charset="-128"/>
                 <a:ea typeface="メイリオ" panose="020B0604030504040204" pitchFamily="50" charset="-128"/>
               </a:rPr>
               <a:t>Entry</a:t>
             </a:r>
             <a:r>
-              <a:rPr lang="ja-JP" altLang="en-US" dirty="0" smtClean="0">
+              <a:rPr lang="ja-JP" altLang="en-US" dirty="0">
                 <a:latin typeface="メイリオ" panose="020B0604030504040204" pitchFamily="50" charset="-128"/>
                 <a:ea typeface="メイリオ" panose="020B0604030504040204" pitchFamily="50" charset="-128"/>
               </a:rPr>
               <a:t>クライテリアの確認は、</a:t>
             </a:r>
-            <a:endParaRPr lang="en-US" altLang="ja-JP" dirty="0" smtClean="0">
-              <a:latin typeface="メイリオ" panose="020B0604030504040204" pitchFamily="50" charset="-128"/>
-              <a:ea typeface="メイリオ" panose="020B0604030504040204" pitchFamily="50" charset="-128"/>
-            </a:endParaRPr>
-          </a:p>
-          <a:p>
-            <a:r>
-              <a:rPr lang="ja-JP" altLang="en-US" dirty="0" smtClean="0">
-                <a:latin typeface="メイリオ" panose="020B0604030504040204" pitchFamily="50" charset="-128"/>
-                <a:ea typeface="メイリオ" panose="020B0604030504040204" pitchFamily="50" charset="-128"/>
-              </a:rPr>
-              <a:t>各プロダクトバックログや各スプリント、リリースの</a:t>
-            </a:r>
-            <a:endParaRPr lang="en-US" altLang="ja-JP" dirty="0" smtClean="0">
-              <a:latin typeface="メイリオ" panose="020B0604030504040204" pitchFamily="50" charset="-128"/>
-              <a:ea typeface="メイリオ" panose="020B0604030504040204" pitchFamily="50" charset="-128"/>
-            </a:endParaRPr>
-          </a:p>
-          <a:p>
-            <a:r>
-              <a:rPr lang="ja-JP" altLang="en-US" dirty="0" smtClean="0">
-                <a:latin typeface="メイリオ" panose="020B0604030504040204" pitchFamily="50" charset="-128"/>
-                <a:ea typeface="メイリオ" panose="020B0604030504040204" pitchFamily="50" charset="-128"/>
-              </a:rPr>
-              <a:t>「</a:t>
-            </a:r>
-            <a:r>
-              <a:rPr lang="en-US" altLang="ja-JP" dirty="0" smtClean="0">
-                <a:latin typeface="メイリオ" panose="020B0604030504040204" pitchFamily="50" charset="-128"/>
-                <a:ea typeface="メイリオ" panose="020B0604030504040204" pitchFamily="50" charset="-128"/>
-              </a:rPr>
-              <a:t>Ready</a:t>
-            </a:r>
-            <a:r>
-              <a:rPr lang="ja-JP" altLang="en-US" dirty="0" smtClean="0">
-                <a:latin typeface="メイリオ" panose="020B0604030504040204" pitchFamily="50" charset="-128"/>
-                <a:ea typeface="メイリオ" panose="020B0604030504040204" pitchFamily="50" charset="-128"/>
-              </a:rPr>
-              <a:t>の定義」の状況確認と同義で</a:t>
-            </a:r>
-            <a:r>
-              <a:rPr lang="ja-JP" altLang="en-US" dirty="0">
-                <a:latin typeface="メイリオ" panose="020B0604030504040204" pitchFamily="50" charset="-128"/>
-                <a:ea typeface="メイリオ" panose="020B0604030504040204" pitchFamily="50" charset="-128"/>
-              </a:rPr>
-              <a:t>す</a:t>
-            </a:r>
-            <a:r>
-              <a:rPr lang="ja-JP" altLang="en-US" dirty="0" smtClean="0">
-                <a:latin typeface="メイリオ" panose="020B0604030504040204" pitchFamily="50" charset="-128"/>
-                <a:ea typeface="メイリオ" panose="020B0604030504040204" pitchFamily="50" charset="-128"/>
-              </a:rPr>
-              <a:t>。</a:t>
-            </a:r>
-            <a:endParaRPr lang="en-US" altLang="ja-JP" dirty="0" smtClean="0">
-              <a:latin typeface="メイリオ" panose="020B0604030504040204" pitchFamily="50" charset="-128"/>
-              <a:ea typeface="メイリオ" panose="020B0604030504040204" pitchFamily="50" charset="-128"/>
-            </a:endParaRPr>
-          </a:p>
-          <a:p>
             <a:endParaRPr lang="en-US" altLang="ja-JP" dirty="0">
               <a:latin typeface="メイリオ" panose="020B0604030504040204" pitchFamily="50" charset="-128"/>
               <a:ea typeface="メイリオ" panose="020B0604030504040204" pitchFamily="50" charset="-128"/>
@@ -11812,103 +10946,7 @@
                 <a:latin typeface="メイリオ" panose="020B0604030504040204" pitchFamily="50" charset="-128"/>
                 <a:ea typeface="メイリオ" panose="020B0604030504040204" pitchFamily="50" charset="-128"/>
               </a:rPr>
-              <a:t>スクラム開発に</a:t>
-            </a:r>
-            <a:r>
-              <a:rPr lang="ja-JP" altLang="en-US" dirty="0" smtClean="0">
-                <a:latin typeface="メイリオ" panose="020B0604030504040204" pitchFamily="50" charset="-128"/>
-                <a:ea typeface="メイリオ" panose="020B0604030504040204" pitchFamily="50" charset="-128"/>
-              </a:rPr>
-              <a:t>おける</a:t>
-            </a:r>
-            <a:r>
-              <a:rPr lang="en-US" altLang="ja-JP" dirty="0" smtClean="0">
-                <a:latin typeface="メイリオ" panose="020B0604030504040204" pitchFamily="50" charset="-128"/>
-                <a:ea typeface="メイリオ" panose="020B0604030504040204" pitchFamily="50" charset="-128"/>
-              </a:rPr>
-              <a:t>Exit</a:t>
-            </a:r>
-            <a:r>
-              <a:rPr lang="ja-JP" altLang="en-US" dirty="0" smtClean="0">
-                <a:latin typeface="メイリオ" panose="020B0604030504040204" pitchFamily="50" charset="-128"/>
-                <a:ea typeface="メイリオ" panose="020B0604030504040204" pitchFamily="50" charset="-128"/>
-              </a:rPr>
-              <a:t>クライテリア</a:t>
-            </a:r>
-            <a:r>
-              <a:rPr lang="ja-JP" altLang="en-US" dirty="0">
-                <a:latin typeface="メイリオ" panose="020B0604030504040204" pitchFamily="50" charset="-128"/>
-                <a:ea typeface="メイリオ" panose="020B0604030504040204" pitchFamily="50" charset="-128"/>
-              </a:rPr>
-              <a:t>の確認は</a:t>
-            </a:r>
-            <a:r>
-              <a:rPr lang="ja-JP" altLang="en-US" dirty="0" smtClean="0">
-                <a:latin typeface="メイリオ" panose="020B0604030504040204" pitchFamily="50" charset="-128"/>
-                <a:ea typeface="メイリオ" panose="020B0604030504040204" pitchFamily="50" charset="-128"/>
-              </a:rPr>
-              <a:t>、</a:t>
-            </a:r>
-            <a:endParaRPr lang="en-US" altLang="ja-JP" dirty="0" smtClean="0">
-              <a:latin typeface="メイリオ" panose="020B0604030504040204" pitchFamily="50" charset="-128"/>
-              <a:ea typeface="メイリオ" panose="020B0604030504040204" pitchFamily="50" charset="-128"/>
-            </a:endParaRPr>
-          </a:p>
-          <a:p>
-            <a:r>
-              <a:rPr lang="ja-JP" altLang="en-US" dirty="0" smtClean="0">
-                <a:latin typeface="メイリオ" panose="020B0604030504040204" pitchFamily="50" charset="-128"/>
-                <a:ea typeface="メイリオ" panose="020B0604030504040204" pitchFamily="50" charset="-128"/>
-              </a:rPr>
-              <a:t>各プロダクトバックログ</a:t>
-            </a:r>
-            <a:r>
-              <a:rPr lang="ja-JP" altLang="en-US" dirty="0">
-                <a:latin typeface="メイリオ" panose="020B0604030504040204" pitchFamily="50" charset="-128"/>
-                <a:ea typeface="メイリオ" panose="020B0604030504040204" pitchFamily="50" charset="-128"/>
-              </a:rPr>
-              <a:t>や各スプリント、</a:t>
-            </a:r>
-            <a:r>
-              <a:rPr lang="ja-JP" altLang="en-US" dirty="0" smtClean="0">
-                <a:latin typeface="メイリオ" panose="020B0604030504040204" pitchFamily="50" charset="-128"/>
-                <a:ea typeface="メイリオ" panose="020B0604030504040204" pitchFamily="50" charset="-128"/>
-              </a:rPr>
-              <a:t>リリースの</a:t>
-            </a:r>
-            <a:endParaRPr lang="en-US" altLang="ja-JP" dirty="0" smtClean="0">
-              <a:latin typeface="メイリオ" panose="020B0604030504040204" pitchFamily="50" charset="-128"/>
-              <a:ea typeface="メイリオ" panose="020B0604030504040204" pitchFamily="50" charset="-128"/>
-            </a:endParaRPr>
-          </a:p>
-          <a:p>
-            <a:r>
-              <a:rPr lang="ja-JP" altLang="en-US" dirty="0" smtClean="0">
-                <a:latin typeface="メイリオ" panose="020B0604030504040204" pitchFamily="50" charset="-128"/>
-                <a:ea typeface="メイリオ" panose="020B0604030504040204" pitchFamily="50" charset="-128"/>
-              </a:rPr>
-              <a:t>「</a:t>
-            </a:r>
-            <a:r>
-              <a:rPr lang="en-US" altLang="ja-JP" dirty="0" smtClean="0">
-                <a:latin typeface="メイリオ" panose="020B0604030504040204" pitchFamily="50" charset="-128"/>
-                <a:ea typeface="メイリオ" panose="020B0604030504040204" pitchFamily="50" charset="-128"/>
-              </a:rPr>
-              <a:t>Done</a:t>
-            </a:r>
-            <a:r>
-              <a:rPr lang="ja-JP" altLang="en-US" dirty="0" smtClean="0">
-                <a:latin typeface="メイリオ" panose="020B0604030504040204" pitchFamily="50" charset="-128"/>
-                <a:ea typeface="メイリオ" panose="020B0604030504040204" pitchFamily="50" charset="-128"/>
-              </a:rPr>
-              <a:t>の定義」の状況確認と</a:t>
-            </a:r>
-            <a:r>
-              <a:rPr lang="ja-JP" altLang="en-US" dirty="0">
-                <a:latin typeface="メイリオ" panose="020B0604030504040204" pitchFamily="50" charset="-128"/>
-                <a:ea typeface="メイリオ" panose="020B0604030504040204" pitchFamily="50" charset="-128"/>
-              </a:rPr>
-              <a:t>同義です。</a:t>
+              <a:t>各プロダクトバックログや各スプリント、リリースの</a:t>
             </a:r>
             <a:endParaRPr lang="en-US" altLang="ja-JP" dirty="0">
               <a:latin typeface="メイリオ" panose="020B0604030504040204" pitchFamily="50" charset="-128"/>
@@ -11916,123 +10954,74 @@
             </a:endParaRPr>
           </a:p>
           <a:p>
-            <a:endParaRPr lang="en-US" altLang="ja-JP" dirty="0" smtClean="0">
+            <a:r>
+              <a:rPr lang="ja-JP" altLang="en-US" dirty="0">
+                <a:latin typeface="メイリオ" panose="020B0604030504040204" pitchFamily="50" charset="-128"/>
+                <a:ea typeface="メイリオ" panose="020B0604030504040204" pitchFamily="50" charset="-128"/>
+              </a:rPr>
+              <a:t>「</a:t>
+            </a:r>
+            <a:r>
+              <a:rPr lang="en-US" altLang="ja-JP" dirty="0">
+                <a:latin typeface="メイリオ" panose="020B0604030504040204" pitchFamily="50" charset="-128"/>
+                <a:ea typeface="メイリオ" panose="020B0604030504040204" pitchFamily="50" charset="-128"/>
+              </a:rPr>
+              <a:t>Ready</a:t>
+            </a:r>
+            <a:r>
+              <a:rPr lang="ja-JP" altLang="en-US" dirty="0">
+                <a:latin typeface="メイリオ" panose="020B0604030504040204" pitchFamily="50" charset="-128"/>
+                <a:ea typeface="メイリオ" panose="020B0604030504040204" pitchFamily="50" charset="-128"/>
+              </a:rPr>
+              <a:t>の定義」の状況確認と同義です。</a:t>
+            </a:r>
+            <a:endParaRPr lang="en-US" altLang="ja-JP" dirty="0">
               <a:latin typeface="メイリオ" panose="020B0604030504040204" pitchFamily="50" charset="-128"/>
               <a:ea typeface="メイリオ" panose="020B0604030504040204" pitchFamily="50" charset="-128"/>
             </a:endParaRPr>
           </a:p>
           <a:p>
-            <a:r>
-              <a:rPr lang="ja-JP" altLang="en-US" dirty="0" smtClean="0">
-                <a:latin typeface="メイリオ" panose="020B0604030504040204" pitchFamily="50" charset="-128"/>
-                <a:ea typeface="メイリオ" panose="020B0604030504040204" pitchFamily="50" charset="-128"/>
-              </a:rPr>
-              <a:t>クライテリアマネジメントと</a:t>
-            </a:r>
-            <a:r>
-              <a:rPr lang="en-US" altLang="ja-JP" dirty="0" smtClean="0">
-                <a:latin typeface="メイリオ" panose="020B0604030504040204" pitchFamily="50" charset="-128"/>
-                <a:ea typeface="メイリオ" panose="020B0604030504040204" pitchFamily="50" charset="-128"/>
-              </a:rPr>
-              <a:t>Ready</a:t>
-            </a:r>
-            <a:r>
-              <a:rPr lang="ja-JP" altLang="en-US" dirty="0" smtClean="0">
-                <a:latin typeface="メイリオ" panose="020B0604030504040204" pitchFamily="50" charset="-128"/>
-                <a:ea typeface="メイリオ" panose="020B0604030504040204" pitchFamily="50" charset="-128"/>
-              </a:rPr>
-              <a:t>の確認、</a:t>
-            </a:r>
-            <a:r>
-              <a:rPr lang="en-US" altLang="ja-JP" dirty="0" smtClean="0">
-                <a:latin typeface="メイリオ" panose="020B0604030504040204" pitchFamily="50" charset="-128"/>
-                <a:ea typeface="メイリオ" panose="020B0604030504040204" pitchFamily="50" charset="-128"/>
-              </a:rPr>
-              <a:t>Done</a:t>
-            </a:r>
-            <a:r>
-              <a:rPr lang="ja-JP" altLang="en-US" dirty="0" smtClean="0">
-                <a:latin typeface="メイリオ" panose="020B0604030504040204" pitchFamily="50" charset="-128"/>
-                <a:ea typeface="メイリオ" panose="020B0604030504040204" pitchFamily="50" charset="-128"/>
-              </a:rPr>
-              <a:t>の確認を</a:t>
-            </a:r>
-            <a:endParaRPr lang="en-US" altLang="ja-JP" dirty="0" smtClean="0">
+            <a:endParaRPr lang="en-US" altLang="ja-JP" dirty="0">
               <a:latin typeface="メイリオ" panose="020B0604030504040204" pitchFamily="50" charset="-128"/>
               <a:ea typeface="メイリオ" panose="020B0604030504040204" pitchFamily="50" charset="-128"/>
             </a:endParaRPr>
           </a:p>
           <a:p>
             <a:r>
-              <a:rPr lang="ja-JP" altLang="en-US" dirty="0" smtClean="0">
-                <a:latin typeface="メイリオ" panose="020B0604030504040204" pitchFamily="50" charset="-128"/>
-                <a:ea typeface="メイリオ" panose="020B0604030504040204" pitchFamily="50" charset="-128"/>
-              </a:rPr>
-              <a:t>別々に考えるのではなく、</a:t>
-            </a:r>
-            <a:r>
-              <a:rPr lang="en-US" altLang="ja-JP" dirty="0" smtClean="0">
-                <a:latin typeface="メイリオ" panose="020B0604030504040204" pitchFamily="50" charset="-128"/>
-                <a:ea typeface="メイリオ" panose="020B0604030504040204" pitchFamily="50" charset="-128"/>
-              </a:rPr>
-              <a:t>Ready</a:t>
-            </a:r>
-            <a:r>
-              <a:rPr lang="ja-JP" altLang="en-US" dirty="0" smtClean="0">
-                <a:latin typeface="メイリオ" panose="020B0604030504040204" pitchFamily="50" charset="-128"/>
-                <a:ea typeface="メイリオ" panose="020B0604030504040204" pitchFamily="50" charset="-128"/>
-              </a:rPr>
-              <a:t>の確認項目＝</a:t>
-            </a:r>
-            <a:r>
-              <a:rPr lang="en-US" altLang="ja-JP" dirty="0" smtClean="0">
-                <a:latin typeface="メイリオ" panose="020B0604030504040204" pitchFamily="50" charset="-128"/>
-                <a:ea typeface="メイリオ" panose="020B0604030504040204" pitchFamily="50" charset="-128"/>
-              </a:rPr>
-              <a:t>Entry</a:t>
-            </a:r>
-            <a:r>
-              <a:rPr lang="ja-JP" altLang="en-US" dirty="0" smtClean="0">
-                <a:latin typeface="メイリオ" panose="020B0604030504040204" pitchFamily="50" charset="-128"/>
-                <a:ea typeface="メイリオ" panose="020B0604030504040204" pitchFamily="50" charset="-128"/>
-              </a:rPr>
-              <a:t>クライテリア項目、</a:t>
-            </a:r>
-            <a:endParaRPr lang="en-US" altLang="ja-JP" dirty="0" smtClean="0">
+              <a:rPr lang="ja-JP" altLang="en-US" dirty="0">
+                <a:latin typeface="メイリオ" panose="020B0604030504040204" pitchFamily="50" charset="-128"/>
+                <a:ea typeface="メイリオ" panose="020B0604030504040204" pitchFamily="50" charset="-128"/>
+              </a:rPr>
+              <a:t>スクラム開発における</a:t>
+            </a:r>
+            <a:r>
+              <a:rPr lang="en-US" altLang="ja-JP" dirty="0">
+                <a:latin typeface="メイリオ" panose="020B0604030504040204" pitchFamily="50" charset="-128"/>
+                <a:ea typeface="メイリオ" panose="020B0604030504040204" pitchFamily="50" charset="-128"/>
+              </a:rPr>
+              <a:t>Exit</a:t>
+            </a:r>
+            <a:r>
+              <a:rPr lang="ja-JP" altLang="en-US" dirty="0">
+                <a:latin typeface="メイリオ" panose="020B0604030504040204" pitchFamily="50" charset="-128"/>
+                <a:ea typeface="メイリオ" panose="020B0604030504040204" pitchFamily="50" charset="-128"/>
+              </a:rPr>
+              <a:t>クライテリアの確認は、</a:t>
+            </a:r>
+            <a:endParaRPr lang="en-US" altLang="ja-JP" dirty="0">
               <a:latin typeface="メイリオ" panose="020B0604030504040204" pitchFamily="50" charset="-128"/>
               <a:ea typeface="メイリオ" panose="020B0604030504040204" pitchFamily="50" charset="-128"/>
             </a:endParaRPr>
           </a:p>
           <a:p>
             <a:r>
-              <a:rPr lang="en-US" altLang="ja-JP" dirty="0" smtClean="0">
-                <a:latin typeface="メイリオ" panose="020B0604030504040204" pitchFamily="50" charset="-128"/>
-                <a:ea typeface="メイリオ" panose="020B0604030504040204" pitchFamily="50" charset="-128"/>
-              </a:rPr>
-              <a:t>Done</a:t>
-            </a:r>
-            <a:r>
-              <a:rPr lang="ja-JP" altLang="en-US" dirty="0" smtClean="0">
-                <a:latin typeface="メイリオ" panose="020B0604030504040204" pitchFamily="50" charset="-128"/>
-                <a:ea typeface="メイリオ" panose="020B0604030504040204" pitchFamily="50" charset="-128"/>
-              </a:rPr>
-              <a:t>の定義＝</a:t>
-            </a:r>
-            <a:r>
-              <a:rPr lang="en-US" altLang="ja-JP" dirty="0" smtClean="0">
-                <a:latin typeface="メイリオ" panose="020B0604030504040204" pitchFamily="50" charset="-128"/>
-                <a:ea typeface="メイリオ" panose="020B0604030504040204" pitchFamily="50" charset="-128"/>
-              </a:rPr>
-              <a:t>Exit</a:t>
-            </a:r>
-            <a:r>
-              <a:rPr lang="ja-JP" altLang="en-US" dirty="0" smtClean="0">
-                <a:latin typeface="メイリオ" panose="020B0604030504040204" pitchFamily="50" charset="-128"/>
-                <a:ea typeface="メイリオ" panose="020B0604030504040204" pitchFamily="50" charset="-128"/>
-              </a:rPr>
-              <a:t>クライテリア項目と考えてください。</a:t>
-            </a:r>
-            <a:endParaRPr lang="en-US" altLang="ja-JP" dirty="0" smtClean="0">
+              <a:rPr lang="ja-JP" altLang="en-US" dirty="0">
+                <a:latin typeface="メイリオ" panose="020B0604030504040204" pitchFamily="50" charset="-128"/>
+                <a:ea typeface="メイリオ" panose="020B0604030504040204" pitchFamily="50" charset="-128"/>
+              </a:rPr>
+              <a:t>各プロダクトバックログや各スプリント、リリースの</a:t>
+            </a:r>
+            <a:endParaRPr lang="en-US" altLang="ja-JP" dirty="0">
               <a:latin typeface="メイリオ" panose="020B0604030504040204" pitchFamily="50" charset="-128"/>
               <a:ea typeface="メイリオ" panose="020B0604030504040204" pitchFamily="50" charset="-128"/>
             </a:endParaRPr>
@@ -12043,97 +11032,239 @@
                 <a:latin typeface="メイリオ" panose="020B0604030504040204" pitchFamily="50" charset="-128"/>
                 <a:ea typeface="メイリオ" panose="020B0604030504040204" pitchFamily="50" charset="-128"/>
               </a:rPr>
-              <a:t>つまり</a:t>
-            </a:r>
-            <a:r>
-              <a:rPr lang="ja-JP" altLang="en-US" dirty="0" smtClean="0">
-                <a:latin typeface="メイリオ" panose="020B0604030504040204" pitchFamily="50" charset="-128"/>
-                <a:ea typeface="メイリオ" panose="020B0604030504040204" pitchFamily="50" charset="-128"/>
-              </a:rPr>
-              <a:t>、審査時点で必要な全ての</a:t>
-            </a:r>
-            <a:r>
-              <a:rPr lang="en-US" altLang="ja-JP" dirty="0" smtClean="0">
-                <a:latin typeface="メイリオ" panose="020B0604030504040204" pitchFamily="50" charset="-128"/>
-                <a:ea typeface="メイリオ" panose="020B0604030504040204" pitchFamily="50" charset="-128"/>
-              </a:rPr>
-              <a:t>Ready</a:t>
-            </a:r>
-            <a:r>
-              <a:rPr lang="ja-JP" altLang="en-US" dirty="0" smtClean="0">
-                <a:latin typeface="メイリオ" panose="020B0604030504040204" pitchFamily="50" charset="-128"/>
-                <a:ea typeface="メイリオ" panose="020B0604030504040204" pitchFamily="50" charset="-128"/>
-              </a:rPr>
-              <a:t>の定義がチェックされていることが</a:t>
-            </a:r>
-            <a:endParaRPr lang="en-US" altLang="ja-JP" dirty="0" smtClean="0">
+              <a:t>「</a:t>
+            </a:r>
+            <a:r>
+              <a:rPr lang="en-US" altLang="ja-JP" dirty="0">
+                <a:latin typeface="メイリオ" panose="020B0604030504040204" pitchFamily="50" charset="-128"/>
+                <a:ea typeface="メイリオ" panose="020B0604030504040204" pitchFamily="50" charset="-128"/>
+              </a:rPr>
+              <a:t>Done</a:t>
+            </a:r>
+            <a:r>
+              <a:rPr lang="ja-JP" altLang="en-US" dirty="0">
+                <a:latin typeface="メイリオ" panose="020B0604030504040204" pitchFamily="50" charset="-128"/>
+                <a:ea typeface="メイリオ" panose="020B0604030504040204" pitchFamily="50" charset="-128"/>
+              </a:rPr>
+              <a:t>の定義」の状況確認と同義です。</a:t>
+            </a:r>
+            <a:endParaRPr lang="en-US" altLang="ja-JP" dirty="0">
               <a:latin typeface="メイリオ" panose="020B0604030504040204" pitchFamily="50" charset="-128"/>
               <a:ea typeface="メイリオ" panose="020B0604030504040204" pitchFamily="50" charset="-128"/>
             </a:endParaRPr>
           </a:p>
           <a:p>
-            <a:r>
-              <a:rPr lang="en-US" altLang="ja-JP" dirty="0" smtClean="0">
-                <a:latin typeface="メイリオ" panose="020B0604030504040204" pitchFamily="50" charset="-128"/>
-                <a:ea typeface="メイリオ" panose="020B0604030504040204" pitchFamily="50" charset="-128"/>
-              </a:rPr>
-              <a:t>Entry</a:t>
-            </a:r>
-            <a:r>
-              <a:rPr lang="ja-JP" altLang="en-US" dirty="0" smtClean="0">
-                <a:latin typeface="メイリオ" panose="020B0604030504040204" pitchFamily="50" charset="-128"/>
-                <a:ea typeface="メイリオ" panose="020B0604030504040204" pitchFamily="50" charset="-128"/>
-              </a:rPr>
-              <a:t>クライテリアの合格であり、</a:t>
-            </a:r>
-            <a:endParaRPr lang="en-US" altLang="ja-JP" dirty="0" smtClean="0">
+            <a:endParaRPr lang="en-US" altLang="ja-JP" dirty="0">
               <a:latin typeface="メイリオ" panose="020B0604030504040204" pitchFamily="50" charset="-128"/>
               <a:ea typeface="メイリオ" panose="020B0604030504040204" pitchFamily="50" charset="-128"/>
             </a:endParaRPr>
           </a:p>
           <a:p>
             <a:r>
-              <a:rPr lang="ja-JP" altLang="en-US" dirty="0" smtClean="0">
-                <a:latin typeface="メイリオ" panose="020B0604030504040204" pitchFamily="50" charset="-128"/>
-                <a:ea typeface="メイリオ" panose="020B0604030504040204" pitchFamily="50" charset="-128"/>
-              </a:rPr>
-              <a:t>同様に審査時点での全ての</a:t>
-            </a:r>
-            <a:r>
-              <a:rPr lang="en-US" altLang="ja-JP" dirty="0" smtClean="0">
+              <a:rPr lang="ja-JP" altLang="en-US" dirty="0">
+                <a:latin typeface="メイリオ" panose="020B0604030504040204" pitchFamily="50" charset="-128"/>
+                <a:ea typeface="メイリオ" panose="020B0604030504040204" pitchFamily="50" charset="-128"/>
+              </a:rPr>
+              <a:t>クライテリアマネジメントと</a:t>
+            </a:r>
+            <a:r>
+              <a:rPr lang="en-US" altLang="ja-JP" dirty="0">
+                <a:latin typeface="メイリオ" panose="020B0604030504040204" pitchFamily="50" charset="-128"/>
+                <a:ea typeface="メイリオ" panose="020B0604030504040204" pitchFamily="50" charset="-128"/>
+              </a:rPr>
+              <a:t>Ready</a:t>
+            </a:r>
+            <a:r>
+              <a:rPr lang="ja-JP" altLang="en-US" dirty="0">
+                <a:latin typeface="メイリオ" panose="020B0604030504040204" pitchFamily="50" charset="-128"/>
+                <a:ea typeface="メイリオ" panose="020B0604030504040204" pitchFamily="50" charset="-128"/>
+              </a:rPr>
+              <a:t>の確認、</a:t>
+            </a:r>
+            <a:r>
+              <a:rPr lang="en-US" altLang="ja-JP" dirty="0">
                 <a:latin typeface="メイリオ" panose="020B0604030504040204" pitchFamily="50" charset="-128"/>
                 <a:ea typeface="メイリオ" panose="020B0604030504040204" pitchFamily="50" charset="-128"/>
               </a:rPr>
               <a:t>Done</a:t>
             </a:r>
             <a:r>
-              <a:rPr lang="ja-JP" altLang="en-US" dirty="0" smtClean="0">
-                <a:latin typeface="メイリオ" panose="020B0604030504040204" pitchFamily="50" charset="-128"/>
-                <a:ea typeface="メイリオ" panose="020B0604030504040204" pitchFamily="50" charset="-128"/>
-              </a:rPr>
-              <a:t>の定義がチェックされていることが</a:t>
-            </a:r>
-            <a:endParaRPr lang="en-US" altLang="ja-JP" dirty="0" smtClean="0">
+              <a:rPr lang="ja-JP" altLang="en-US" dirty="0">
+                <a:latin typeface="メイリオ" panose="020B0604030504040204" pitchFamily="50" charset="-128"/>
+                <a:ea typeface="メイリオ" panose="020B0604030504040204" pitchFamily="50" charset="-128"/>
+              </a:rPr>
+              <a:t>の確認を</a:t>
+            </a:r>
+            <a:endParaRPr lang="en-US" altLang="ja-JP" dirty="0">
               <a:latin typeface="メイリオ" panose="020B0604030504040204" pitchFamily="50" charset="-128"/>
               <a:ea typeface="メイリオ" panose="020B0604030504040204" pitchFamily="50" charset="-128"/>
             </a:endParaRPr>
           </a:p>
           <a:p>
             <a:r>
-              <a:rPr lang="en-US" altLang="ja-JP" dirty="0" smtClean="0">
+              <a:rPr lang="ja-JP" altLang="en-US" dirty="0">
+                <a:latin typeface="メイリオ" panose="020B0604030504040204" pitchFamily="50" charset="-128"/>
+                <a:ea typeface="メイリオ" panose="020B0604030504040204" pitchFamily="50" charset="-128"/>
+              </a:rPr>
+              <a:t>別々に考えるのではなく、</a:t>
+            </a:r>
+            <a:r>
+              <a:rPr lang="en-US" altLang="ja-JP" dirty="0">
+                <a:latin typeface="メイリオ" panose="020B0604030504040204" pitchFamily="50" charset="-128"/>
+                <a:ea typeface="メイリオ" panose="020B0604030504040204" pitchFamily="50" charset="-128"/>
+              </a:rPr>
+              <a:t>Ready</a:t>
+            </a:r>
+            <a:r>
+              <a:rPr lang="ja-JP" altLang="en-US" dirty="0">
+                <a:latin typeface="メイリオ" panose="020B0604030504040204" pitchFamily="50" charset="-128"/>
+                <a:ea typeface="メイリオ" panose="020B0604030504040204" pitchFamily="50" charset="-128"/>
+              </a:rPr>
+              <a:t>の確認項目＝</a:t>
+            </a:r>
+            <a:r>
+              <a:rPr lang="en-US" altLang="ja-JP" dirty="0">
+                <a:latin typeface="メイリオ" panose="020B0604030504040204" pitchFamily="50" charset="-128"/>
+                <a:ea typeface="メイリオ" panose="020B0604030504040204" pitchFamily="50" charset="-128"/>
+              </a:rPr>
+              <a:t>Entry</a:t>
+            </a:r>
+            <a:r>
+              <a:rPr lang="ja-JP" altLang="en-US" dirty="0">
+                <a:latin typeface="メイリオ" panose="020B0604030504040204" pitchFamily="50" charset="-128"/>
+                <a:ea typeface="メイリオ" panose="020B0604030504040204" pitchFamily="50" charset="-128"/>
+              </a:rPr>
+              <a:t>クライテリア項目、</a:t>
+            </a:r>
+            <a:endParaRPr lang="en-US" altLang="ja-JP" dirty="0">
+              <a:latin typeface="メイリオ" panose="020B0604030504040204" pitchFamily="50" charset="-128"/>
+              <a:ea typeface="メイリオ" panose="020B0604030504040204" pitchFamily="50" charset="-128"/>
+            </a:endParaRPr>
+          </a:p>
+          <a:p>
+            <a:r>
+              <a:rPr lang="en-US" altLang="ja-JP" dirty="0">
+                <a:latin typeface="メイリオ" panose="020B0604030504040204" pitchFamily="50" charset="-128"/>
+                <a:ea typeface="メイリオ" panose="020B0604030504040204" pitchFamily="50" charset="-128"/>
+              </a:rPr>
+              <a:t>Done</a:t>
+            </a:r>
+            <a:r>
+              <a:rPr lang="ja-JP" altLang="en-US" dirty="0">
+                <a:latin typeface="メイリオ" panose="020B0604030504040204" pitchFamily="50" charset="-128"/>
+                <a:ea typeface="メイリオ" panose="020B0604030504040204" pitchFamily="50" charset="-128"/>
+              </a:rPr>
+              <a:t>の定義＝</a:t>
+            </a:r>
+            <a:r>
+              <a:rPr lang="en-US" altLang="ja-JP" dirty="0">
                 <a:latin typeface="メイリオ" panose="020B0604030504040204" pitchFamily="50" charset="-128"/>
                 <a:ea typeface="メイリオ" panose="020B0604030504040204" pitchFamily="50" charset="-128"/>
               </a:rPr>
               <a:t>Exit</a:t>
             </a:r>
             <a:r>
-              <a:rPr lang="ja-JP" altLang="en-US" dirty="0" smtClean="0">
+              <a:rPr lang="ja-JP" altLang="en-US" dirty="0">
+                <a:latin typeface="メイリオ" panose="020B0604030504040204" pitchFamily="50" charset="-128"/>
+                <a:ea typeface="メイリオ" panose="020B0604030504040204" pitchFamily="50" charset="-128"/>
+              </a:rPr>
+              <a:t>クライテリア項目と考えてください。</a:t>
+            </a:r>
+            <a:endParaRPr lang="en-US" altLang="ja-JP" dirty="0">
+              <a:latin typeface="メイリオ" panose="020B0604030504040204" pitchFamily="50" charset="-128"/>
+              <a:ea typeface="メイリオ" panose="020B0604030504040204" pitchFamily="50" charset="-128"/>
+            </a:endParaRPr>
+          </a:p>
+          <a:p>
+            <a:r>
+              <a:rPr lang="ja-JP" altLang="en-US" dirty="0">
+                <a:latin typeface="メイリオ" panose="020B0604030504040204" pitchFamily="50" charset="-128"/>
+                <a:ea typeface="メイリオ" panose="020B0604030504040204" pitchFamily="50" charset="-128"/>
+              </a:rPr>
+              <a:t>つまり、審査時点で必要な全ての</a:t>
+            </a:r>
+            <a:r>
+              <a:rPr lang="en-US" altLang="ja-JP" dirty="0">
+                <a:latin typeface="メイリオ" panose="020B0604030504040204" pitchFamily="50" charset="-128"/>
+                <a:ea typeface="メイリオ" panose="020B0604030504040204" pitchFamily="50" charset="-128"/>
+              </a:rPr>
+              <a:t>Ready</a:t>
+            </a:r>
+            <a:r>
+              <a:rPr lang="ja-JP" altLang="en-US" dirty="0">
+                <a:latin typeface="メイリオ" panose="020B0604030504040204" pitchFamily="50" charset="-128"/>
+                <a:ea typeface="メイリオ" panose="020B0604030504040204" pitchFamily="50" charset="-128"/>
+              </a:rPr>
+              <a:t>の定義がチェックされていることが</a:t>
+            </a:r>
+            <a:endParaRPr lang="en-US" altLang="ja-JP" dirty="0">
+              <a:latin typeface="メイリオ" panose="020B0604030504040204" pitchFamily="50" charset="-128"/>
+              <a:ea typeface="メイリオ" panose="020B0604030504040204" pitchFamily="50" charset="-128"/>
+            </a:endParaRPr>
+          </a:p>
+          <a:p>
+            <a:r>
+              <a:rPr lang="en-US" altLang="ja-JP" dirty="0">
+                <a:latin typeface="メイリオ" panose="020B0604030504040204" pitchFamily="50" charset="-128"/>
+                <a:ea typeface="メイリオ" panose="020B0604030504040204" pitchFamily="50" charset="-128"/>
+              </a:rPr>
+              <a:t>Entry</a:t>
+            </a:r>
+            <a:r>
+              <a:rPr lang="ja-JP" altLang="en-US" dirty="0">
+                <a:latin typeface="メイリオ" panose="020B0604030504040204" pitchFamily="50" charset="-128"/>
+                <a:ea typeface="メイリオ" panose="020B0604030504040204" pitchFamily="50" charset="-128"/>
+              </a:rPr>
+              <a:t>クライテリアの合格であり、</a:t>
+            </a:r>
+            <a:endParaRPr lang="en-US" altLang="ja-JP" dirty="0">
+              <a:latin typeface="メイリオ" panose="020B0604030504040204" pitchFamily="50" charset="-128"/>
+              <a:ea typeface="メイリオ" panose="020B0604030504040204" pitchFamily="50" charset="-128"/>
+            </a:endParaRPr>
+          </a:p>
+          <a:p>
+            <a:r>
+              <a:rPr lang="ja-JP" altLang="en-US" dirty="0">
+                <a:latin typeface="メイリオ" panose="020B0604030504040204" pitchFamily="50" charset="-128"/>
+                <a:ea typeface="メイリオ" panose="020B0604030504040204" pitchFamily="50" charset="-128"/>
+              </a:rPr>
+              <a:t>同様に審査時点での全ての</a:t>
+            </a:r>
+            <a:r>
+              <a:rPr lang="en-US" altLang="ja-JP" dirty="0">
+                <a:latin typeface="メイリオ" panose="020B0604030504040204" pitchFamily="50" charset="-128"/>
+                <a:ea typeface="メイリオ" panose="020B0604030504040204" pitchFamily="50" charset="-128"/>
+              </a:rPr>
+              <a:t>Done</a:t>
+            </a:r>
+            <a:r>
+              <a:rPr lang="ja-JP" altLang="en-US" dirty="0">
+                <a:latin typeface="メイリオ" panose="020B0604030504040204" pitchFamily="50" charset="-128"/>
+                <a:ea typeface="メイリオ" panose="020B0604030504040204" pitchFamily="50" charset="-128"/>
+              </a:rPr>
+              <a:t>の定義がチェックされていることが</a:t>
+            </a:r>
+            <a:endParaRPr lang="en-US" altLang="ja-JP" dirty="0">
+              <a:latin typeface="メイリオ" panose="020B0604030504040204" pitchFamily="50" charset="-128"/>
+              <a:ea typeface="メイリオ" panose="020B0604030504040204" pitchFamily="50" charset="-128"/>
+            </a:endParaRPr>
+          </a:p>
+          <a:p>
+            <a:r>
+              <a:rPr lang="en-US" altLang="ja-JP" dirty="0">
+                <a:latin typeface="メイリオ" panose="020B0604030504040204" pitchFamily="50" charset="-128"/>
+                <a:ea typeface="メイリオ" panose="020B0604030504040204" pitchFamily="50" charset="-128"/>
+              </a:rPr>
+              <a:t>Exit</a:t>
+            </a:r>
+            <a:r>
+              <a:rPr lang="ja-JP" altLang="en-US" dirty="0">
                 <a:latin typeface="メイリオ" panose="020B0604030504040204" pitchFamily="50" charset="-128"/>
                 <a:ea typeface="メイリオ" panose="020B0604030504040204" pitchFamily="50" charset="-128"/>
               </a:rPr>
               <a:t>クライテリアの合格になります。</a:t>
             </a:r>
-            <a:endParaRPr lang="en-US" altLang="ja-JP" dirty="0" smtClean="0">
+            <a:endParaRPr lang="en-US" altLang="ja-JP" dirty="0">
               <a:latin typeface="メイリオ" panose="020B0604030504040204" pitchFamily="50" charset="-128"/>
               <a:ea typeface="メイリオ" panose="020B0604030504040204" pitchFamily="50" charset="-128"/>
             </a:endParaRPr>
@@ -12156,13 +11287,6 @@
   <p:clrMapOvr>
     <a:masterClrMapping/>
   </p:clrMapOvr>
-  <p:timing>
-    <p:tnLst>
-      <p:par>
-        <p:cTn id="1" dur="indefinite" restart="never" nodeType="tmRoot"/>
-      </p:par>
-    </p:tnLst>
-  </p:timing>
 </p:sld>
 </file>
 
@@ -12199,14 +11323,11 @@
           <a:lstStyle/>
           <a:p>
             <a:r>
-              <a:rPr kumimoji="1" lang="ja-JP" altLang="en-US" dirty="0" smtClean="0">
+              <a:rPr kumimoji="1" lang="ja-JP" altLang="en-US" dirty="0">
                 <a:latin typeface="メイリオ" panose="020B0604030504040204" pitchFamily="50" charset="-128"/>
               </a:rPr>
               <a:t>クライテリア審査の実施タイミング</a:t>
             </a:r>
-            <a:endParaRPr kumimoji="1" lang="ja-JP" altLang="en-US" dirty="0">
-              <a:latin typeface="メイリオ" panose="020B0604030504040204" pitchFamily="50" charset="-128"/>
-            </a:endParaRPr>
           </a:p>
         </p:txBody>
       </p:sp>
@@ -12249,13 +11370,6 @@
   <p:clrMapOvr>
     <a:masterClrMapping/>
   </p:clrMapOvr>
-  <p:timing>
-    <p:tnLst>
-      <p:par>
-        <p:cTn id="1" dur="indefinite" restart="never" nodeType="tmRoot"/>
-      </p:par>
-    </p:tnLst>
-  </p:timing>
 </p:sld>
 </file>
 
